--- a/Servlets/Day1/Docs/Web Presentation-Part1.pptx
+++ b/Servlets/Day1/Docs/Web Presentation-Part1.pptx
@@ -43,8 +43,8 @@
     <p:sldId id="336" r:id="rId37"/>
     <p:sldId id="332" r:id="rId38"/>
     <p:sldId id="330" r:id="rId39"/>
-    <p:sldId id="316" r:id="rId40"/>
-    <p:sldId id="334" r:id="rId41"/>
+    <p:sldId id="334" r:id="rId40"/>
+    <p:sldId id="316" r:id="rId41"/>
     <p:sldId id="328" r:id="rId42"/>
     <p:sldId id="319" r:id="rId43"/>
     <p:sldId id="320" r:id="rId44"/>
@@ -256,7 +256,7 @@
           <a:p>
             <a:fld id="{4F94E7C4-328C-457B-8CA2-EE381C323794}" type="datetimeFigureOut">
               <a:rPr lang="en-US" smtClean="0"/>
-              <a:t>7/4/2017</a:t>
+              <a:t>7/14/2017</a:t>
             </a:fld>
             <a:endParaRPr lang="en-US"/>
           </a:p>
@@ -652,187 +652,6 @@
           <a:bodyPr/>
           <a:lstStyle/>
           <a:p>
-            <a:r>
-              <a:rPr lang="en-US" b="1" dirty="0" smtClean="0"/>
-              <a:t>Apache Tomcat</a:t>
-            </a:r>
-            <a:r>
-              <a:rPr lang="en-US" dirty="0" smtClean="0"/>
-              <a:t> (or simply </a:t>
-            </a:r>
-            <a:r>
-              <a:rPr lang="en-US" b="1" dirty="0" smtClean="0"/>
-              <a:t>Tomcat</a:t>
-            </a:r>
-            <a:r>
-              <a:rPr lang="en-US" dirty="0" smtClean="0"/>
-              <a:t>, formerly also </a:t>
-            </a:r>
-            <a:r>
-              <a:rPr lang="en-US" i="1" dirty="0" smtClean="0"/>
-              <a:t>Jakarta Tomcat</a:t>
-            </a:r>
-            <a:r>
-              <a:rPr lang="en-US" dirty="0" smtClean="0"/>
-              <a:t>) is an </a:t>
-            </a:r>
-            <a:r>
-              <a:rPr lang="en-US" dirty="0" smtClean="0">
-                <a:hlinkClick r:id="rId3" tooltip="Open source"/>
-              </a:rPr>
-              <a:t>open source</a:t>
-            </a:r>
-            <a:r>
-              <a:rPr lang="en-US" dirty="0" smtClean="0"/>
-              <a:t> </a:t>
-            </a:r>
-            <a:r>
-              <a:rPr lang="en-US" dirty="0" smtClean="0">
-                <a:hlinkClick r:id="rId4" tooltip="Web server"/>
-              </a:rPr>
-              <a:t>web server</a:t>
-            </a:r>
-            <a:r>
-              <a:rPr lang="en-US" dirty="0" smtClean="0"/>
-              <a:t> and </a:t>
-            </a:r>
-            <a:r>
-              <a:rPr lang="en-US" dirty="0" smtClean="0">
-                <a:hlinkClick r:id="rId5" tooltip="Java Servlet"/>
-              </a:rPr>
-              <a:t>servlet</a:t>
-            </a:r>
-            <a:r>
-              <a:rPr lang="en-US" dirty="0" smtClean="0"/>
-              <a:t> </a:t>
-            </a:r>
-            <a:r>
-              <a:rPr lang="en-US" dirty="0" smtClean="0">
-                <a:hlinkClick r:id="rId6" tooltip="Web container"/>
-              </a:rPr>
-              <a:t>container</a:t>
-            </a:r>
-            <a:r>
-              <a:rPr lang="en-US" dirty="0" smtClean="0"/>
-              <a:t> developed by the </a:t>
-            </a:r>
-            <a:r>
-              <a:rPr lang="en-US" dirty="0" smtClean="0">
-                <a:hlinkClick r:id="rId7" tooltip="Apache Software Foundation"/>
-              </a:rPr>
-              <a:t>Apache Software Foundation</a:t>
-            </a:r>
-            <a:r>
-              <a:rPr lang="en-US" dirty="0" smtClean="0"/>
-              <a:t>(ASF). </a:t>
-            </a:r>
-          </a:p>
-          <a:p>
-            <a:endParaRPr lang="en-US" dirty="0" smtClean="0"/>
-          </a:p>
-          <a:p>
-            <a:r>
-              <a:rPr lang="en-US" dirty="0" smtClean="0"/>
-              <a:t>Tomcat implements the </a:t>
-            </a:r>
-            <a:r>
-              <a:rPr lang="en-US" dirty="0" smtClean="0">
-                <a:hlinkClick r:id="rId5" tooltip="Java Servlet"/>
-              </a:rPr>
-              <a:t>Java Servlet</a:t>
-            </a:r>
-            <a:r>
-              <a:rPr lang="en-US" dirty="0" smtClean="0"/>
-              <a:t> and the </a:t>
-            </a:r>
-            <a:r>
-              <a:rPr lang="en-US" dirty="0" smtClean="0">
-                <a:hlinkClick r:id="rId8" tooltip="JavaServer Pages"/>
-              </a:rPr>
-              <a:t>JavaServer Pages</a:t>
-            </a:r>
-            <a:r>
-              <a:rPr lang="en-US" dirty="0" smtClean="0"/>
-              <a:t> (JSP) specifications from Oracle, and provides a "pure </a:t>
-            </a:r>
-            <a:r>
-              <a:rPr lang="en-US" dirty="0" smtClean="0">
-                <a:hlinkClick r:id="rId9" tooltip="Java (programming language)"/>
-              </a:rPr>
-              <a:t>Java</a:t>
-            </a:r>
-            <a:r>
-              <a:rPr lang="en-US" dirty="0" smtClean="0"/>
-              <a:t>" </a:t>
-            </a:r>
-            <a:r>
-              <a:rPr lang="en-US" dirty="0" smtClean="0">
-                <a:hlinkClick r:id="rId10" tooltip="Hypertext Transfer Protocol"/>
-              </a:rPr>
-              <a:t>HTTP</a:t>
-            </a:r>
-            <a:r>
-              <a:rPr lang="en-US" dirty="0" smtClean="0"/>
-              <a:t> </a:t>
-            </a:r>
-            <a:r>
-              <a:rPr lang="en-US" dirty="0" smtClean="0">
-                <a:hlinkClick r:id="rId4" tooltip="Web server"/>
-              </a:rPr>
-              <a:t>web server</a:t>
-            </a:r>
-            <a:r>
-              <a:rPr lang="en-US" dirty="0" smtClean="0"/>
-              <a:t> environment for </a:t>
-            </a:r>
-            <a:r>
-              <a:rPr lang="en-US" dirty="0" smtClean="0">
-                <a:hlinkClick r:id="rId9" tooltip="Java (programming language)"/>
-              </a:rPr>
-              <a:t>Java</a:t>
-            </a:r>
-            <a:r>
-              <a:rPr lang="en-US" dirty="0" smtClean="0"/>
-              <a:t> code to run in. In the simplest configuration Tomcat runs in a single operating system </a:t>
-            </a:r>
-            <a:r>
-              <a:rPr lang="en-US" b="1" dirty="0" smtClean="0"/>
-              <a:t>process</a:t>
-            </a:r>
-            <a:r>
-              <a:rPr lang="en-US" dirty="0" smtClean="0"/>
-              <a:t>. </a:t>
-            </a:r>
-          </a:p>
-          <a:p>
-            <a:endParaRPr lang="en-US" dirty="0" smtClean="0"/>
-          </a:p>
-          <a:p>
-            <a:r>
-              <a:rPr lang="en-US" dirty="0" smtClean="0"/>
-              <a:t>The process runs a Java virtual machine (JVM). Every single HTTP request from a browser to Tomcat is processed in the Tomcat process in a separate thread.</a:t>
-            </a:r>
-          </a:p>
-          <a:p>
-            <a:endParaRPr lang="en-US" dirty="0" smtClean="0"/>
-          </a:p>
-          <a:p>
-            <a:r>
-              <a:rPr lang="en-US" dirty="0" smtClean="0"/>
-              <a:t>Apache Tomcat includes tools for configuration and management, but can also be configured by editing </a:t>
-            </a:r>
-            <a:r>
-              <a:rPr lang="en-US" dirty="0" smtClean="0">
-                <a:hlinkClick r:id="rId11" tooltip="XML"/>
-              </a:rPr>
-              <a:t>XML</a:t>
-            </a:r>
-            <a:r>
-              <a:rPr lang="en-US" dirty="0" smtClean="0"/>
-              <a:t> configuration files.</a:t>
-            </a:r>
-          </a:p>
-          <a:p>
             <a:endParaRPr lang="en-US" dirty="0"/>
           </a:p>
         </p:txBody>
@@ -854,7 +673,7 @@
           <a:p>
             <a:fld id="{84377D70-F193-4353-836F-31B604DF4B77}" type="slidenum">
               <a:rPr lang="en-US" smtClean="0"/>
-              <a:t>13</a:t>
+              <a:t>10</a:t>
             </a:fld>
             <a:endParaRPr lang="en-US"/>
           </a:p>
@@ -863,7 +682,7 @@
     </p:spTree>
     <p:extLst>
       <p:ext uri="{BB962C8B-B14F-4D97-AF65-F5344CB8AC3E}">
-        <p14:creationId xmlns:p14="http://schemas.microsoft.com/office/powerpoint/2010/main" val="2542062842"/>
+        <p14:creationId xmlns:p14="http://schemas.microsoft.com/office/powerpoint/2010/main" val="4221485402"/>
       </p:ext>
     </p:extLst>
   </p:cSld>
@@ -917,7 +736,7 @@
           <a:bodyPr/>
           <a:lstStyle/>
           <a:p>
-            <a:endParaRPr lang="ro-RO" dirty="0"/>
+            <a:endParaRPr lang="ro-RO"/>
           </a:p>
         </p:txBody>
       </p:sp>
@@ -938,7 +757,7 @@
           <a:p>
             <a:fld id="{84377D70-F193-4353-836F-31B604DF4B77}" type="slidenum">
               <a:rPr lang="en-US" smtClean="0"/>
-              <a:t>14</a:t>
+              <a:t>12</a:t>
             </a:fld>
             <a:endParaRPr lang="en-US"/>
           </a:p>
@@ -947,7 +766,7 @@
     </p:spTree>
     <p:extLst>
       <p:ext uri="{BB962C8B-B14F-4D97-AF65-F5344CB8AC3E}">
-        <p14:creationId xmlns:p14="http://schemas.microsoft.com/office/powerpoint/2010/main" val="353049904"/>
+        <p14:creationId xmlns:p14="http://schemas.microsoft.com/office/powerpoint/2010/main" val="1385985593"/>
       </p:ext>
     </p:extLst>
   </p:cSld>
@@ -1001,7 +820,188 @@
           <a:bodyPr/>
           <a:lstStyle/>
           <a:p>
-            <a:endParaRPr lang="ro-RO"/>
+            <a:r>
+              <a:rPr lang="en-US" b="1" dirty="0" smtClean="0"/>
+              <a:t>Apache Tomcat</a:t>
+            </a:r>
+            <a:r>
+              <a:rPr lang="en-US" dirty="0" smtClean="0"/>
+              <a:t> (or simply </a:t>
+            </a:r>
+            <a:r>
+              <a:rPr lang="en-US" b="1" dirty="0" smtClean="0"/>
+              <a:t>Tomcat</a:t>
+            </a:r>
+            <a:r>
+              <a:rPr lang="en-US" dirty="0" smtClean="0"/>
+              <a:t>, formerly also </a:t>
+            </a:r>
+            <a:r>
+              <a:rPr lang="en-US" i="1" dirty="0" smtClean="0"/>
+              <a:t>Jakarta Tomcat</a:t>
+            </a:r>
+            <a:r>
+              <a:rPr lang="en-US" dirty="0" smtClean="0"/>
+              <a:t>) is an </a:t>
+            </a:r>
+            <a:r>
+              <a:rPr lang="en-US" dirty="0" smtClean="0">
+                <a:hlinkClick r:id="rId3" tooltip="Open source"/>
+              </a:rPr>
+              <a:t>open source</a:t>
+            </a:r>
+            <a:r>
+              <a:rPr lang="en-US" dirty="0" smtClean="0"/>
+              <a:t> </a:t>
+            </a:r>
+            <a:r>
+              <a:rPr lang="en-US" dirty="0" smtClean="0">
+                <a:hlinkClick r:id="rId4" tooltip="Web server"/>
+              </a:rPr>
+              <a:t>web server</a:t>
+            </a:r>
+            <a:r>
+              <a:rPr lang="en-US" dirty="0" smtClean="0"/>
+              <a:t> and </a:t>
+            </a:r>
+            <a:r>
+              <a:rPr lang="en-US" dirty="0" smtClean="0">
+                <a:hlinkClick r:id="rId5" tooltip="Java Servlet"/>
+              </a:rPr>
+              <a:t>servlet</a:t>
+            </a:r>
+            <a:r>
+              <a:rPr lang="en-US" dirty="0" smtClean="0"/>
+              <a:t> </a:t>
+            </a:r>
+            <a:r>
+              <a:rPr lang="en-US" dirty="0" smtClean="0">
+                <a:hlinkClick r:id="rId6" tooltip="Web container"/>
+              </a:rPr>
+              <a:t>container</a:t>
+            </a:r>
+            <a:r>
+              <a:rPr lang="en-US" dirty="0" smtClean="0"/>
+              <a:t> developed by the </a:t>
+            </a:r>
+            <a:r>
+              <a:rPr lang="en-US" dirty="0" smtClean="0">
+                <a:hlinkClick r:id="rId7" tooltip="Apache Software Foundation"/>
+              </a:rPr>
+              <a:t>Apache Software Foundation</a:t>
+            </a:r>
+            <a:r>
+              <a:rPr lang="en-US" dirty="0" smtClean="0"/>
+              <a:t>(ASF). </a:t>
+            </a:r>
+          </a:p>
+          <a:p>
+            <a:endParaRPr lang="en-US" dirty="0" smtClean="0"/>
+          </a:p>
+          <a:p>
+            <a:r>
+              <a:rPr lang="en-US" dirty="0" smtClean="0"/>
+              <a:t>Tomcat implements the </a:t>
+            </a:r>
+            <a:r>
+              <a:rPr lang="en-US" dirty="0" smtClean="0">
+                <a:hlinkClick r:id="rId5" tooltip="Java Servlet"/>
+              </a:rPr>
+              <a:t>Java Servlet</a:t>
+            </a:r>
+            <a:r>
+              <a:rPr lang="en-US" dirty="0" smtClean="0"/>
+              <a:t> and the </a:t>
+            </a:r>
+            <a:r>
+              <a:rPr lang="en-US" dirty="0" smtClean="0">
+                <a:hlinkClick r:id="rId8" tooltip="JavaServer Pages"/>
+              </a:rPr>
+              <a:t>JavaServer Pages</a:t>
+            </a:r>
+            <a:r>
+              <a:rPr lang="en-US" dirty="0" smtClean="0"/>
+              <a:t> (JSP) specifications from Oracle, and provides a "pure </a:t>
+            </a:r>
+            <a:r>
+              <a:rPr lang="en-US" dirty="0" smtClean="0">
+                <a:hlinkClick r:id="rId9" tooltip="Java (programming language)"/>
+              </a:rPr>
+              <a:t>Java</a:t>
+            </a:r>
+            <a:r>
+              <a:rPr lang="en-US" dirty="0" smtClean="0"/>
+              <a:t>" </a:t>
+            </a:r>
+            <a:r>
+              <a:rPr lang="en-US" dirty="0" smtClean="0">
+                <a:hlinkClick r:id="rId10" tooltip="Hypertext Transfer Protocol"/>
+              </a:rPr>
+              <a:t>HTTP</a:t>
+            </a:r>
+            <a:r>
+              <a:rPr lang="en-US" dirty="0" smtClean="0"/>
+              <a:t> </a:t>
+            </a:r>
+            <a:r>
+              <a:rPr lang="en-US" dirty="0" smtClean="0">
+                <a:hlinkClick r:id="rId4" tooltip="Web server"/>
+              </a:rPr>
+              <a:t>web server</a:t>
+            </a:r>
+            <a:r>
+              <a:rPr lang="en-US" dirty="0" smtClean="0"/>
+              <a:t> environment for </a:t>
+            </a:r>
+            <a:r>
+              <a:rPr lang="en-US" dirty="0" smtClean="0">
+                <a:hlinkClick r:id="rId9" tooltip="Java (programming language)"/>
+              </a:rPr>
+              <a:t>Java</a:t>
+            </a:r>
+            <a:r>
+              <a:rPr lang="en-US" dirty="0" smtClean="0"/>
+              <a:t> code to run in. In the simplest configuration Tomcat runs in a single operating system </a:t>
+            </a:r>
+            <a:r>
+              <a:rPr lang="en-US" b="1" dirty="0" smtClean="0"/>
+              <a:t>process</a:t>
+            </a:r>
+            <a:r>
+              <a:rPr lang="en-US" dirty="0" smtClean="0"/>
+              <a:t>. </a:t>
+            </a:r>
+          </a:p>
+          <a:p>
+            <a:endParaRPr lang="en-US" dirty="0" smtClean="0"/>
+          </a:p>
+          <a:p>
+            <a:r>
+              <a:rPr lang="en-US" dirty="0" smtClean="0"/>
+              <a:t>The process runs a Java virtual machine (JVM). Every single HTTP request from a browser to Tomcat is processed in the Tomcat process in a separate thread.</a:t>
+            </a:r>
+          </a:p>
+          <a:p>
+            <a:endParaRPr lang="en-US" dirty="0" smtClean="0"/>
+          </a:p>
+          <a:p>
+            <a:r>
+              <a:rPr lang="en-US" dirty="0" smtClean="0"/>
+              <a:t>Apache Tomcat includes tools for configuration and management, but can also be configured by editing </a:t>
+            </a:r>
+            <a:r>
+              <a:rPr lang="en-US" dirty="0" smtClean="0">
+                <a:hlinkClick r:id="rId11" tooltip="XML"/>
+              </a:rPr>
+              <a:t>XML</a:t>
+            </a:r>
+            <a:r>
+              <a:rPr lang="en-US" dirty="0" smtClean="0"/>
+              <a:t> configuration files.</a:t>
+            </a:r>
+          </a:p>
+          <a:p>
+            <a:endParaRPr lang="en-US" dirty="0"/>
           </a:p>
         </p:txBody>
       </p:sp>
@@ -1022,7 +1022,7 @@
           <a:p>
             <a:fld id="{84377D70-F193-4353-836F-31B604DF4B77}" type="slidenum">
               <a:rPr lang="en-US" smtClean="0"/>
-              <a:t>15</a:t>
+              <a:t>13</a:t>
             </a:fld>
             <a:endParaRPr lang="en-US"/>
           </a:p>
@@ -1031,7 +1031,7 @@
     </p:spTree>
     <p:extLst>
       <p:ext uri="{BB962C8B-B14F-4D97-AF65-F5344CB8AC3E}">
-        <p14:creationId xmlns:p14="http://schemas.microsoft.com/office/powerpoint/2010/main" val="1175225569"/>
+        <p14:creationId xmlns:p14="http://schemas.microsoft.com/office/powerpoint/2010/main" val="2542062842"/>
       </p:ext>
     </p:extLst>
   </p:cSld>
@@ -1085,66 +1085,7 @@
           <a:bodyPr/>
           <a:lstStyle/>
           <a:p>
-            <a:r>
-              <a:rPr lang="en-US" dirty="0" smtClean="0"/>
-              <a:t>The web applications that are deployed in our container are archives with the “.war” extension</a:t>
-            </a:r>
-          </a:p>
-          <a:p>
-            <a:endParaRPr lang="en-US" dirty="0" smtClean="0"/>
-          </a:p>
-          <a:p>
-            <a:r>
-              <a:rPr lang="en-US" dirty="0" smtClean="0"/>
-              <a:t>It is mandatory that the web archive contains the folder /WEB-INF in the structure</a:t>
-            </a:r>
-          </a:p>
-          <a:p>
-            <a:endParaRPr lang="en-US" dirty="0" smtClean="0"/>
-          </a:p>
-          <a:p>
-            <a:r>
-              <a:rPr lang="en-US" dirty="0" smtClean="0"/>
-              <a:t>Under WEB-INF folder we’ll have another folder named /lib where we’ll find all the “.jar” dependencies of our web application</a:t>
-            </a:r>
-          </a:p>
-          <a:p>
-            <a:endParaRPr lang="en-US" dirty="0" smtClean="0"/>
-          </a:p>
-          <a:p>
-            <a:r>
-              <a:rPr lang="en-US" dirty="0" smtClean="0"/>
-              <a:t>Under WEB-INF folder we’ll have another folder named /classes where we’ll find all the compiled classes of our application</a:t>
-            </a:r>
-          </a:p>
-          <a:p>
-            <a:endParaRPr lang="en-US" dirty="0" smtClean="0"/>
-          </a:p>
-          <a:p>
-            <a:r>
-              <a:rPr lang="en-US" dirty="0" smtClean="0"/>
-              <a:t>Under WEB-INF folder we’ll find a file named </a:t>
-            </a:r>
-            <a:r>
-              <a:rPr lang="en-US" b="1" dirty="0" smtClean="0"/>
-              <a:t>web.xml</a:t>
-            </a:r>
-            <a:r>
-              <a:rPr lang="en-US" dirty="0" smtClean="0"/>
-              <a:t>, if we use the 2.x version of the Servlet API</a:t>
-            </a:r>
-          </a:p>
-          <a:p>
-            <a:endParaRPr lang="en-US" dirty="0" smtClean="0"/>
-          </a:p>
-          <a:p>
-            <a:r>
-              <a:rPr lang="en-US" dirty="0" smtClean="0"/>
-              <a:t>They are portable because they are written in JAVA</a:t>
-            </a:r>
-          </a:p>
-          <a:p>
-            <a:endParaRPr lang="en-US" dirty="0"/>
+            <a:endParaRPr lang="ro-RO" dirty="0"/>
           </a:p>
         </p:txBody>
       </p:sp>
@@ -1165,7 +1106,7 @@
           <a:p>
             <a:fld id="{84377D70-F193-4353-836F-31B604DF4B77}" type="slidenum">
               <a:rPr lang="en-US" smtClean="0"/>
-              <a:t>17</a:t>
+              <a:t>14</a:t>
             </a:fld>
             <a:endParaRPr lang="en-US"/>
           </a:p>
@@ -1174,7 +1115,7 @@
     </p:spTree>
     <p:extLst>
       <p:ext uri="{BB962C8B-B14F-4D97-AF65-F5344CB8AC3E}">
-        <p14:creationId xmlns:p14="http://schemas.microsoft.com/office/powerpoint/2010/main" val="2440278970"/>
+        <p14:creationId xmlns:p14="http://schemas.microsoft.com/office/powerpoint/2010/main" val="353049904"/>
       </p:ext>
     </p:extLst>
   </p:cSld>
@@ -1228,7 +1169,7 @@
           <a:bodyPr/>
           <a:lstStyle/>
           <a:p>
-            <a:endParaRPr lang="ro-RO" dirty="0"/>
+            <a:endParaRPr lang="ro-RO"/>
           </a:p>
         </p:txBody>
       </p:sp>
@@ -1249,7 +1190,7 @@
           <a:p>
             <a:fld id="{84377D70-F193-4353-836F-31B604DF4B77}" type="slidenum">
               <a:rPr lang="en-US" smtClean="0"/>
-              <a:t>18</a:t>
+              <a:t>15</a:t>
             </a:fld>
             <a:endParaRPr lang="en-US"/>
           </a:p>
@@ -1258,7 +1199,7 @@
     </p:spTree>
     <p:extLst>
       <p:ext uri="{BB962C8B-B14F-4D97-AF65-F5344CB8AC3E}">
-        <p14:creationId xmlns:p14="http://schemas.microsoft.com/office/powerpoint/2010/main" val="3194539832"/>
+        <p14:creationId xmlns:p14="http://schemas.microsoft.com/office/powerpoint/2010/main" val="1175225569"/>
       </p:ext>
     </p:extLst>
   </p:cSld>
@@ -1312,7 +1253,66 @@
           <a:bodyPr/>
           <a:lstStyle/>
           <a:p>
-            <a:endParaRPr lang="ro-RO"/>
+            <a:r>
+              <a:rPr lang="en-US" dirty="0" smtClean="0"/>
+              <a:t>The web applications that are deployed in our container are archives with the “.war” extension</a:t>
+            </a:r>
+          </a:p>
+          <a:p>
+            <a:endParaRPr lang="en-US" dirty="0" smtClean="0"/>
+          </a:p>
+          <a:p>
+            <a:r>
+              <a:rPr lang="en-US" dirty="0" smtClean="0"/>
+              <a:t>It is mandatory that the web archive contains the folder /WEB-INF in the structure</a:t>
+            </a:r>
+          </a:p>
+          <a:p>
+            <a:endParaRPr lang="en-US" dirty="0" smtClean="0"/>
+          </a:p>
+          <a:p>
+            <a:r>
+              <a:rPr lang="en-US" dirty="0" smtClean="0"/>
+              <a:t>Under WEB-INF folder we’ll have another folder named /lib where we’ll find all the “.jar” dependencies of our web application</a:t>
+            </a:r>
+          </a:p>
+          <a:p>
+            <a:endParaRPr lang="en-US" dirty="0" smtClean="0"/>
+          </a:p>
+          <a:p>
+            <a:r>
+              <a:rPr lang="en-US" dirty="0" smtClean="0"/>
+              <a:t>Under WEB-INF folder we’ll have another folder named /classes where we’ll find all the compiled classes of our application</a:t>
+            </a:r>
+          </a:p>
+          <a:p>
+            <a:endParaRPr lang="en-US" dirty="0" smtClean="0"/>
+          </a:p>
+          <a:p>
+            <a:r>
+              <a:rPr lang="en-US" dirty="0" smtClean="0"/>
+              <a:t>Under WEB-INF folder we’ll find a file named </a:t>
+            </a:r>
+            <a:r>
+              <a:rPr lang="en-US" b="1" dirty="0" smtClean="0"/>
+              <a:t>web.xml</a:t>
+            </a:r>
+            <a:r>
+              <a:rPr lang="en-US" dirty="0" smtClean="0"/>
+              <a:t>, if we use the 2.x version of the Servlet API</a:t>
+            </a:r>
+          </a:p>
+          <a:p>
+            <a:endParaRPr lang="en-US" dirty="0" smtClean="0"/>
+          </a:p>
+          <a:p>
+            <a:r>
+              <a:rPr lang="en-US" dirty="0" smtClean="0"/>
+              <a:t>They are portable because they are written in JAVA</a:t>
+            </a:r>
+          </a:p>
+          <a:p>
+            <a:endParaRPr lang="en-US" dirty="0"/>
           </a:p>
         </p:txBody>
       </p:sp>
@@ -1333,7 +1333,7 @@
           <a:p>
             <a:fld id="{84377D70-F193-4353-836F-31B604DF4B77}" type="slidenum">
               <a:rPr lang="en-US" smtClean="0"/>
-              <a:t>19</a:t>
+              <a:t>17</a:t>
             </a:fld>
             <a:endParaRPr lang="en-US"/>
           </a:p>
@@ -1342,7 +1342,7 @@
     </p:spTree>
     <p:extLst>
       <p:ext uri="{BB962C8B-B14F-4D97-AF65-F5344CB8AC3E}">
-        <p14:creationId xmlns:p14="http://schemas.microsoft.com/office/powerpoint/2010/main" val="3840969305"/>
+        <p14:creationId xmlns:p14="http://schemas.microsoft.com/office/powerpoint/2010/main" val="2440278970"/>
       </p:ext>
     </p:extLst>
   </p:cSld>
@@ -1396,84 +1396,7 @@
           <a:bodyPr/>
           <a:lstStyle/>
           <a:p>
-            <a:r>
-              <a:rPr lang="en-US" dirty="0" smtClean="0"/>
-              <a:t>W</a:t>
-            </a:r>
-            <a:r>
-              <a:rPr lang="en-US" b="1" dirty="0" smtClean="0"/>
-              <a:t>eb browser</a:t>
-            </a:r>
-            <a:r>
-              <a:rPr lang="en-US" dirty="0" smtClean="0"/>
-              <a:t> </a:t>
-            </a:r>
-          </a:p>
-          <a:p>
-            <a:pPr lvl="1"/>
-            <a:r>
-              <a:rPr lang="en-US" dirty="0" smtClean="0"/>
-              <a:t>may be the </a:t>
-            </a:r>
-            <a:r>
-              <a:rPr lang="en-US" i="1" dirty="0" smtClean="0"/>
-              <a:t>client</a:t>
-            </a:r>
-            <a:r>
-              <a:rPr lang="en-US" dirty="0" smtClean="0"/>
-              <a:t> and an application running on a computer hosting a web site may be the </a:t>
-            </a:r>
-            <a:r>
-              <a:rPr lang="en-US" i="1" dirty="0" smtClean="0"/>
-              <a:t>server</a:t>
-            </a:r>
-            <a:r>
-              <a:rPr lang="en-US" dirty="0" smtClean="0"/>
-              <a:t>. The client submits an HTTP </a:t>
-            </a:r>
-            <a:r>
-              <a:rPr lang="en-US" i="1" dirty="0" smtClean="0"/>
-              <a:t>request</a:t>
-            </a:r>
-            <a:r>
-              <a:rPr lang="en-US" dirty="0" smtClean="0"/>
-              <a:t> message to the server. The server, which provides </a:t>
-            </a:r>
-            <a:r>
-              <a:rPr lang="en-US" i="1" dirty="0" smtClean="0"/>
-              <a:t>resources</a:t>
-            </a:r>
-            <a:r>
-              <a:rPr lang="en-US" dirty="0" smtClean="0"/>
-              <a:t> such as HTML files and other content, or performs other functions on behalf of the client, returns a </a:t>
-            </a:r>
-            <a:r>
-              <a:rPr lang="en-US" i="1" dirty="0" smtClean="0"/>
-              <a:t>response</a:t>
-            </a:r>
-            <a:r>
-              <a:rPr lang="en-US" dirty="0" smtClean="0"/>
-              <a:t> message to the client. </a:t>
-            </a:r>
-            <a:r>
-              <a:rPr lang="en-US" dirty="0" smtClean="0">
-                <a:solidFill>
-                  <a:schemeClr val="tx1"/>
-                </a:solidFill>
-              </a:rPr>
-              <a:t>The response contains completion status information about the request and may also contain requested conte</a:t>
-            </a:r>
-            <a:r>
-              <a:rPr lang="en-US" dirty="0" smtClean="0"/>
-              <a:t>nt in its message body.</a:t>
-            </a:r>
-            <a:endParaRPr lang="ro-RO" dirty="0" smtClean="0"/>
-          </a:p>
-          <a:p>
-            <a:endParaRPr lang="en-US" dirty="0" smtClean="0"/>
-          </a:p>
-          <a:p>
-            <a:endParaRPr lang="en-US" dirty="0"/>
+            <a:endParaRPr lang="ro-RO" dirty="0"/>
           </a:p>
         </p:txBody>
       </p:sp>
@@ -1494,7 +1417,7 @@
           <a:p>
             <a:fld id="{84377D70-F193-4353-836F-31B604DF4B77}" type="slidenum">
               <a:rPr lang="en-US" smtClean="0"/>
-              <a:t>21</a:t>
+              <a:t>18</a:t>
             </a:fld>
             <a:endParaRPr lang="en-US"/>
           </a:p>
@@ -1503,7 +1426,7 @@
     </p:spTree>
     <p:extLst>
       <p:ext uri="{BB962C8B-B14F-4D97-AF65-F5344CB8AC3E}">
-        <p14:creationId xmlns:p14="http://schemas.microsoft.com/office/powerpoint/2010/main" val="806806364"/>
+        <p14:creationId xmlns:p14="http://schemas.microsoft.com/office/powerpoint/2010/main" val="3194539832"/>
       </p:ext>
     </p:extLst>
   </p:cSld>
@@ -1557,7 +1480,7 @@
           <a:bodyPr/>
           <a:lstStyle/>
           <a:p>
-            <a:endParaRPr lang="en-US" dirty="0"/>
+            <a:endParaRPr lang="ro-RO"/>
           </a:p>
         </p:txBody>
       </p:sp>
@@ -1578,7 +1501,7 @@
           <a:p>
             <a:fld id="{84377D70-F193-4353-836F-31B604DF4B77}" type="slidenum">
               <a:rPr lang="en-US" smtClean="0"/>
-              <a:t>22</a:t>
+              <a:t>19</a:t>
             </a:fld>
             <a:endParaRPr lang="en-US"/>
           </a:p>
@@ -1587,7 +1510,7 @@
     </p:spTree>
     <p:extLst>
       <p:ext uri="{BB962C8B-B14F-4D97-AF65-F5344CB8AC3E}">
-        <p14:creationId xmlns:p14="http://schemas.microsoft.com/office/powerpoint/2010/main" val="2000904991"/>
+        <p14:creationId xmlns:p14="http://schemas.microsoft.com/office/powerpoint/2010/main" val="3840969305"/>
       </p:ext>
     </p:extLst>
   </p:cSld>
@@ -1641,7 +1564,84 @@
           <a:bodyPr/>
           <a:lstStyle/>
           <a:p>
-            <a:endParaRPr lang="ro-RO"/>
+            <a:r>
+              <a:rPr lang="en-US" dirty="0" smtClean="0"/>
+              <a:t>W</a:t>
+            </a:r>
+            <a:r>
+              <a:rPr lang="en-US" b="1" dirty="0" smtClean="0"/>
+              <a:t>eb browser</a:t>
+            </a:r>
+            <a:r>
+              <a:rPr lang="en-US" dirty="0" smtClean="0"/>
+              <a:t> </a:t>
+            </a:r>
+          </a:p>
+          <a:p>
+            <a:pPr lvl="1"/>
+            <a:r>
+              <a:rPr lang="en-US" dirty="0" smtClean="0"/>
+              <a:t>may be the </a:t>
+            </a:r>
+            <a:r>
+              <a:rPr lang="en-US" i="1" dirty="0" smtClean="0"/>
+              <a:t>client</a:t>
+            </a:r>
+            <a:r>
+              <a:rPr lang="en-US" dirty="0" smtClean="0"/>
+              <a:t> and an application running on a computer hosting a web site may be the </a:t>
+            </a:r>
+            <a:r>
+              <a:rPr lang="en-US" i="1" dirty="0" smtClean="0"/>
+              <a:t>server</a:t>
+            </a:r>
+            <a:r>
+              <a:rPr lang="en-US" dirty="0" smtClean="0"/>
+              <a:t>. The client submits an HTTP </a:t>
+            </a:r>
+            <a:r>
+              <a:rPr lang="en-US" i="1" dirty="0" smtClean="0"/>
+              <a:t>request</a:t>
+            </a:r>
+            <a:r>
+              <a:rPr lang="en-US" dirty="0" smtClean="0"/>
+              <a:t> message to the server. The server, which provides </a:t>
+            </a:r>
+            <a:r>
+              <a:rPr lang="en-US" i="1" dirty="0" smtClean="0"/>
+              <a:t>resources</a:t>
+            </a:r>
+            <a:r>
+              <a:rPr lang="en-US" dirty="0" smtClean="0"/>
+              <a:t> such as HTML files and other content, or performs other functions on behalf of the client, returns a </a:t>
+            </a:r>
+            <a:r>
+              <a:rPr lang="en-US" i="1" dirty="0" smtClean="0"/>
+              <a:t>response</a:t>
+            </a:r>
+            <a:r>
+              <a:rPr lang="en-US" dirty="0" smtClean="0"/>
+              <a:t> message to the client. </a:t>
+            </a:r>
+            <a:r>
+              <a:rPr lang="en-US" dirty="0" smtClean="0">
+                <a:solidFill>
+                  <a:schemeClr val="tx1"/>
+                </a:solidFill>
+              </a:rPr>
+              <a:t>The response contains completion status information about the request and may also contain requested conte</a:t>
+            </a:r>
+            <a:r>
+              <a:rPr lang="en-US" dirty="0" smtClean="0"/>
+              <a:t>nt in its message body.</a:t>
+            </a:r>
+            <a:endParaRPr lang="ro-RO" dirty="0" smtClean="0"/>
+          </a:p>
+          <a:p>
+            <a:endParaRPr lang="en-US" dirty="0" smtClean="0"/>
+          </a:p>
+          <a:p>
+            <a:endParaRPr lang="en-US" dirty="0"/>
           </a:p>
         </p:txBody>
       </p:sp>
@@ -1662,7 +1662,7 @@
           <a:p>
             <a:fld id="{84377D70-F193-4353-836F-31B604DF4B77}" type="slidenum">
               <a:rPr lang="en-US" smtClean="0"/>
-              <a:t>23</a:t>
+              <a:t>21</a:t>
             </a:fld>
             <a:endParaRPr lang="en-US"/>
           </a:p>
@@ -1671,7 +1671,7 @@
     </p:spTree>
     <p:extLst>
       <p:ext uri="{BB962C8B-B14F-4D97-AF65-F5344CB8AC3E}">
-        <p14:creationId xmlns:p14="http://schemas.microsoft.com/office/powerpoint/2010/main" val="445715538"/>
+        <p14:creationId xmlns:p14="http://schemas.microsoft.com/office/powerpoint/2010/main" val="806806364"/>
       </p:ext>
     </p:extLst>
   </p:cSld>
@@ -1746,7 +1746,7 @@
           <a:p>
             <a:fld id="{84377D70-F193-4353-836F-31B604DF4B77}" type="slidenum">
               <a:rPr lang="en-US" smtClean="0"/>
-              <a:t>24</a:t>
+              <a:t>22</a:t>
             </a:fld>
             <a:endParaRPr lang="en-US"/>
           </a:p>
@@ -1755,7 +1755,7 @@
     </p:spTree>
     <p:extLst>
       <p:ext uri="{BB962C8B-B14F-4D97-AF65-F5344CB8AC3E}">
-        <p14:creationId xmlns:p14="http://schemas.microsoft.com/office/powerpoint/2010/main" val="2738889532"/>
+        <p14:creationId xmlns:p14="http://schemas.microsoft.com/office/powerpoint/2010/main" val="2000904991"/>
       </p:ext>
     </p:extLst>
   </p:cSld>
@@ -1893,7 +1893,7 @@
           <a:bodyPr/>
           <a:lstStyle/>
           <a:p>
-            <a:endParaRPr lang="en-US" dirty="0"/>
+            <a:endParaRPr lang="ro-RO"/>
           </a:p>
         </p:txBody>
       </p:sp>
@@ -1914,7 +1914,7 @@
           <a:p>
             <a:fld id="{84377D70-F193-4353-836F-31B604DF4B77}" type="slidenum">
               <a:rPr lang="en-US" smtClean="0"/>
-              <a:t>25</a:t>
+              <a:t>23</a:t>
             </a:fld>
             <a:endParaRPr lang="en-US"/>
           </a:p>
@@ -1923,7 +1923,7 @@
     </p:spTree>
     <p:extLst>
       <p:ext uri="{BB962C8B-B14F-4D97-AF65-F5344CB8AC3E}">
-        <p14:creationId xmlns:p14="http://schemas.microsoft.com/office/powerpoint/2010/main" val="3755507983"/>
+        <p14:creationId xmlns:p14="http://schemas.microsoft.com/office/powerpoint/2010/main" val="445715538"/>
       </p:ext>
     </p:extLst>
   </p:cSld>
@@ -1977,198 +1977,6 @@
           <a:bodyPr/>
           <a:lstStyle/>
           <a:p>
-            <a:r>
-              <a:rPr lang="en-US" dirty="0" smtClean="0"/>
-              <a:t>The most commonly used are : </a:t>
-            </a:r>
-            <a:r>
-              <a:rPr lang="en-US" b="1" dirty="0" smtClean="0"/>
-              <a:t>GET</a:t>
-            </a:r>
-            <a:r>
-              <a:rPr lang="en-US" dirty="0" smtClean="0"/>
-              <a:t>, </a:t>
-            </a:r>
-            <a:r>
-              <a:rPr lang="en-US" b="1" dirty="0" smtClean="0"/>
-              <a:t>POST</a:t>
-            </a:r>
-            <a:r>
-              <a:rPr lang="en-US" dirty="0" smtClean="0"/>
-              <a:t>, </a:t>
-            </a:r>
-            <a:r>
-              <a:rPr lang="en-US" b="1" dirty="0" smtClean="0"/>
-              <a:t>PUT</a:t>
-            </a:r>
-            <a:r>
-              <a:rPr lang="en-US" dirty="0" smtClean="0"/>
-              <a:t> and </a:t>
-            </a:r>
-            <a:r>
-              <a:rPr lang="en-US" b="1" dirty="0" smtClean="0"/>
-              <a:t>DELETE</a:t>
-            </a:r>
-          </a:p>
-          <a:p>
-            <a:endParaRPr lang="en-US" b="1" dirty="0" smtClean="0"/>
-          </a:p>
-          <a:p>
-            <a:r>
-              <a:rPr lang="en-US" b="1" dirty="0" smtClean="0"/>
-              <a:t>GET</a:t>
-            </a:r>
-            <a:r>
-              <a:rPr lang="en-US" dirty="0" smtClean="0"/>
-              <a:t> - Requests a representation of the specified resource. </a:t>
-            </a:r>
-          </a:p>
-          <a:p>
-            <a:endParaRPr lang="en-US" dirty="0" smtClean="0"/>
-          </a:p>
-          <a:p>
-            <a:r>
-              <a:rPr lang="en-US" dirty="0" smtClean="0"/>
-              <a:t>Requests using GET should only </a:t>
-            </a:r>
-            <a:r>
-              <a:rPr lang="en-US" dirty="0" smtClean="0">
-                <a:hlinkClick r:id="rId3" tooltip="Data retrieval"/>
-              </a:rPr>
-              <a:t>retrieve data</a:t>
-            </a:r>
-            <a:r>
-              <a:rPr lang="en-US" dirty="0" smtClean="0"/>
-              <a:t> and should have no other effect. </a:t>
-            </a:r>
-          </a:p>
-          <a:p>
-            <a:endParaRPr lang="en-US" dirty="0" smtClean="0"/>
-          </a:p>
-          <a:p>
-            <a:r>
-              <a:rPr lang="en-US" dirty="0" smtClean="0"/>
-              <a:t>Using GET client data is transmitted to server in URL as query strings(</a:t>
-            </a:r>
-            <a:r>
-              <a:rPr lang="ro-RO" b="1" dirty="0" smtClean="0"/>
-              <a:t>name/value pairs</a:t>
-            </a:r>
-            <a:r>
-              <a:rPr lang="en-US" dirty="0" smtClean="0"/>
-              <a:t>)</a:t>
-            </a:r>
-          </a:p>
-          <a:p>
-            <a:endParaRPr lang="en-US" dirty="0" smtClean="0"/>
-          </a:p>
-          <a:p>
-            <a:r>
-              <a:rPr lang="en-US" b="1" dirty="0" smtClean="0"/>
-              <a:t>Query String </a:t>
-            </a:r>
-            <a:r>
-              <a:rPr lang="en-US" dirty="0" smtClean="0"/>
-              <a:t>is the part from URL that proceed “?” character</a:t>
-            </a:r>
-            <a:endParaRPr lang="en-US" b="1" dirty="0" smtClean="0"/>
-          </a:p>
-          <a:p>
-            <a:endParaRPr lang="en-US" b="1" dirty="0" smtClean="0"/>
-          </a:p>
-          <a:p>
-            <a:pPr algn="l"/>
-            <a:r>
-              <a:rPr lang="en-US" dirty="0" smtClean="0"/>
-              <a:t>A </a:t>
-            </a:r>
-            <a:r>
-              <a:rPr lang="en-US" b="1" dirty="0" smtClean="0"/>
-              <a:t>GET</a:t>
-            </a:r>
-            <a:r>
-              <a:rPr lang="en-US" dirty="0" smtClean="0"/>
-              <a:t> Example</a:t>
-            </a:r>
-            <a:r>
-              <a:rPr lang="ro-RO" dirty="0" smtClean="0"/>
-              <a:t> /test/demo_form.</a:t>
-            </a:r>
-            <a:r>
-              <a:rPr lang="en-US" dirty="0" err="1" smtClean="0"/>
-              <a:t>jsp</a:t>
-            </a:r>
-            <a:r>
-              <a:rPr lang="ro-RO" b="1" dirty="0" smtClean="0"/>
-              <a:t>?name1=value1&amp;name2=value2</a:t>
-            </a:r>
-            <a:endParaRPr lang="en-US" dirty="0" smtClean="0"/>
-          </a:p>
-          <a:p>
-            <a:pPr algn="l"/>
-            <a:endParaRPr lang="en-US" dirty="0" smtClean="0"/>
-          </a:p>
-          <a:p>
-            <a:pPr algn="l"/>
-            <a:r>
-              <a:rPr lang="en-US" b="1" dirty="0" smtClean="0"/>
-              <a:t>POST </a:t>
-            </a:r>
-            <a:r>
-              <a:rPr lang="en-US" dirty="0" smtClean="0"/>
-              <a:t>– Submits data to be processed to a specified resource</a:t>
-            </a:r>
-          </a:p>
-          <a:p>
-            <a:pPr algn="l"/>
-            <a:r>
-              <a:rPr lang="en-US" dirty="0" smtClean="0"/>
-              <a:t>Using </a:t>
-            </a:r>
-            <a:r>
-              <a:rPr lang="en-US" b="1" dirty="0" smtClean="0"/>
-              <a:t>POST</a:t>
-            </a:r>
-            <a:r>
-              <a:rPr lang="en-US" dirty="0" smtClean="0"/>
-              <a:t> data is transmitted to server in request body</a:t>
-            </a:r>
-          </a:p>
-          <a:p>
-            <a:pPr algn="l"/>
-            <a:endParaRPr lang="en-US" dirty="0" smtClean="0"/>
-          </a:p>
-          <a:p>
-            <a:pPr algn="l"/>
-            <a:r>
-              <a:rPr lang="en-US" dirty="0" smtClean="0"/>
-              <a:t>POST /test/</a:t>
-            </a:r>
-            <a:r>
-              <a:rPr lang="en-US" dirty="0" err="1" smtClean="0"/>
-              <a:t>demo_form.jsp</a:t>
-            </a:r>
-            <a:r>
-              <a:rPr lang="en-US" dirty="0" smtClean="0"/>
-              <a:t> HTTP/1.1</a:t>
-            </a:r>
-            <a:br>
-              <a:rPr lang="en-US" dirty="0" smtClean="0"/>
-            </a:br>
-            <a:r>
-              <a:rPr lang="en-US" dirty="0" smtClean="0"/>
-              <a:t>Host: w3schools.com</a:t>
-            </a:r>
-            <a:br>
-              <a:rPr lang="en-US" dirty="0" smtClean="0"/>
-            </a:br>
-            <a:r>
-              <a:rPr lang="en-US" b="1" dirty="0" smtClean="0"/>
-              <a:t>name1=value1&amp;name2=value2</a:t>
-            </a:r>
-            <a:endParaRPr lang="ro-RO" dirty="0" smtClean="0"/>
-          </a:p>
-          <a:p>
             <a:endParaRPr lang="en-US" dirty="0"/>
           </a:p>
         </p:txBody>
@@ -2190,7 +1998,7 @@
           <a:p>
             <a:fld id="{84377D70-F193-4353-836F-31B604DF4B77}" type="slidenum">
               <a:rPr lang="en-US" smtClean="0"/>
-              <a:t>26</a:t>
+              <a:t>24</a:t>
             </a:fld>
             <a:endParaRPr lang="en-US"/>
           </a:p>
@@ -2199,7 +2007,7 @@
     </p:spTree>
     <p:extLst>
       <p:ext uri="{BB962C8B-B14F-4D97-AF65-F5344CB8AC3E}">
-        <p14:creationId xmlns:p14="http://schemas.microsoft.com/office/powerpoint/2010/main" val="1147713444"/>
+        <p14:creationId xmlns:p14="http://schemas.microsoft.com/office/powerpoint/2010/main" val="2738889532"/>
       </p:ext>
     </p:extLst>
   </p:cSld>
@@ -2253,7 +2061,7 @@
           <a:bodyPr/>
           <a:lstStyle/>
           <a:p>
-            <a:endParaRPr lang="ro-RO"/>
+            <a:endParaRPr lang="en-US" dirty="0"/>
           </a:p>
         </p:txBody>
       </p:sp>
@@ -2274,7 +2082,7 @@
           <a:p>
             <a:fld id="{84377D70-F193-4353-836F-31B604DF4B77}" type="slidenum">
               <a:rPr lang="en-US" smtClean="0"/>
-              <a:t>29</a:t>
+              <a:t>25</a:t>
             </a:fld>
             <a:endParaRPr lang="en-US"/>
           </a:p>
@@ -2283,7 +2091,7 @@
     </p:spTree>
     <p:extLst>
       <p:ext uri="{BB962C8B-B14F-4D97-AF65-F5344CB8AC3E}">
-        <p14:creationId xmlns:p14="http://schemas.microsoft.com/office/powerpoint/2010/main" val="2011912214"/>
+        <p14:creationId xmlns:p14="http://schemas.microsoft.com/office/powerpoint/2010/main" val="3755507983"/>
       </p:ext>
     </p:extLst>
   </p:cSld>
@@ -2339,7 +2147,48 @@
           <a:p>
             <a:r>
               <a:rPr lang="en-US" dirty="0" smtClean="0"/>
-              <a:t>Servlets are shy little creatures. They sit on the hard drive just minding their own business, and don’t bother anyone until they've been invoked. However, feed a few drinks to those Servlets – get them loaded – and they remain resident in memory until the party ends, which happens when someone pulls the plug on the application server.</a:t>
+              <a:t>The most commonly used are : </a:t>
+            </a:r>
+            <a:r>
+              <a:rPr lang="en-US" b="1" dirty="0" smtClean="0"/>
+              <a:t>GET</a:t>
+            </a:r>
+            <a:r>
+              <a:rPr lang="en-US" dirty="0" smtClean="0"/>
+              <a:t>, </a:t>
+            </a:r>
+            <a:r>
+              <a:rPr lang="en-US" b="1" dirty="0" smtClean="0"/>
+              <a:t>POST</a:t>
+            </a:r>
+            <a:r>
+              <a:rPr lang="en-US" dirty="0" smtClean="0"/>
+              <a:t>, </a:t>
+            </a:r>
+            <a:r>
+              <a:rPr lang="en-US" b="1" dirty="0" smtClean="0"/>
+              <a:t>PUT</a:t>
+            </a:r>
+            <a:r>
+              <a:rPr lang="en-US" dirty="0" smtClean="0"/>
+              <a:t> and </a:t>
+            </a:r>
+            <a:r>
+              <a:rPr lang="en-US" b="1" dirty="0" smtClean="0"/>
+              <a:t>DELETE</a:t>
+            </a:r>
+          </a:p>
+          <a:p>
+            <a:endParaRPr lang="en-US" b="1" dirty="0" smtClean="0"/>
+          </a:p>
+          <a:p>
+            <a:r>
+              <a:rPr lang="en-US" b="1" dirty="0" smtClean="0"/>
+              <a:t>GET</a:t>
+            </a:r>
+            <a:r>
+              <a:rPr lang="en-US" dirty="0" smtClean="0"/>
+              <a:t> - Requests a representation of the specified resource. </a:t>
             </a:r>
           </a:p>
           <a:p>
@@ -2348,8 +2197,146 @@
           <a:p>
             <a:r>
               <a:rPr lang="en-US" dirty="0" smtClean="0"/>
-              <a:t>If the Servlet hasn’t been called before, the JVM loads the Servlet and then generates a thread to handle the request.</a:t>
-            </a:r>
+              <a:t>Requests using GET should only </a:t>
+            </a:r>
+            <a:r>
+              <a:rPr lang="en-US" dirty="0" smtClean="0">
+                <a:hlinkClick r:id="rId3" tooltip="Data retrieval"/>
+              </a:rPr>
+              <a:t>retrieve data</a:t>
+            </a:r>
+            <a:r>
+              <a:rPr lang="en-US" dirty="0" smtClean="0"/>
+              <a:t> and should have no other effect. </a:t>
+            </a:r>
+          </a:p>
+          <a:p>
+            <a:endParaRPr lang="en-US" dirty="0" smtClean="0"/>
+          </a:p>
+          <a:p>
+            <a:r>
+              <a:rPr lang="en-US" dirty="0" smtClean="0"/>
+              <a:t>Using GET client data is transmitted to server in URL as query strings(</a:t>
+            </a:r>
+            <a:r>
+              <a:rPr lang="ro-RO" b="1" dirty="0" smtClean="0"/>
+              <a:t>name/value pairs</a:t>
+            </a:r>
+            <a:r>
+              <a:rPr lang="en-US" dirty="0" smtClean="0"/>
+              <a:t>)</a:t>
+            </a:r>
+          </a:p>
+          <a:p>
+            <a:endParaRPr lang="en-US" dirty="0" smtClean="0"/>
+          </a:p>
+          <a:p>
+            <a:r>
+              <a:rPr lang="en-US" b="1" dirty="0" smtClean="0"/>
+              <a:t>Query String </a:t>
+            </a:r>
+            <a:r>
+              <a:rPr lang="en-US" dirty="0" smtClean="0"/>
+              <a:t>is the part from URL that proceed “?” character</a:t>
+            </a:r>
+            <a:endParaRPr lang="en-US" b="1" dirty="0" smtClean="0"/>
+          </a:p>
+          <a:p>
+            <a:endParaRPr lang="en-US" b="1" dirty="0" smtClean="0"/>
+          </a:p>
+          <a:p>
+            <a:pPr algn="l"/>
+            <a:r>
+              <a:rPr lang="en-US" dirty="0" smtClean="0"/>
+              <a:t>A </a:t>
+            </a:r>
+            <a:r>
+              <a:rPr lang="en-US" b="1" dirty="0" smtClean="0"/>
+              <a:t>GET</a:t>
+            </a:r>
+            <a:r>
+              <a:rPr lang="en-US" dirty="0" smtClean="0"/>
+              <a:t> Example</a:t>
+            </a:r>
+            <a:r>
+              <a:rPr lang="ro-RO" dirty="0" smtClean="0"/>
+              <a:t> /test/demo_form.</a:t>
+            </a:r>
+            <a:r>
+              <a:rPr lang="en-US" dirty="0" err="1" smtClean="0"/>
+              <a:t>jsp</a:t>
+            </a:r>
+            <a:r>
+              <a:rPr lang="ro-RO" b="1" dirty="0" smtClean="0"/>
+              <a:t>?name1=value1&amp;name2=value2</a:t>
+            </a:r>
+            <a:endParaRPr lang="en-US" dirty="0" smtClean="0"/>
+          </a:p>
+          <a:p>
+            <a:pPr algn="l"/>
+            <a:endParaRPr lang="en-US" dirty="0" smtClean="0"/>
+          </a:p>
+          <a:p>
+            <a:pPr algn="l"/>
+            <a:r>
+              <a:rPr lang="en-US" b="1" dirty="0" smtClean="0"/>
+              <a:t>POST </a:t>
+            </a:r>
+            <a:r>
+              <a:rPr lang="en-US" dirty="0" smtClean="0"/>
+              <a:t>– Submits data to be processed to a specified resource</a:t>
+            </a:r>
+          </a:p>
+          <a:p>
+            <a:pPr algn="l"/>
+            <a:r>
+              <a:rPr lang="en-US" dirty="0" smtClean="0"/>
+              <a:t>Using </a:t>
+            </a:r>
+            <a:r>
+              <a:rPr lang="en-US" b="1" dirty="0" smtClean="0"/>
+              <a:t>POST</a:t>
+            </a:r>
+            <a:r>
+              <a:rPr lang="en-US" dirty="0" smtClean="0"/>
+              <a:t> data is transmitted to server in request body</a:t>
+            </a:r>
+          </a:p>
+          <a:p>
+            <a:pPr algn="l"/>
+            <a:endParaRPr lang="en-US" dirty="0" smtClean="0"/>
+          </a:p>
+          <a:p>
+            <a:pPr algn="l"/>
+            <a:r>
+              <a:rPr lang="en-US" dirty="0" smtClean="0"/>
+              <a:t>POST /test/</a:t>
+            </a:r>
+            <a:r>
+              <a:rPr lang="en-US" dirty="0" err="1" smtClean="0"/>
+              <a:t>demo_form.jsp</a:t>
+            </a:r>
+            <a:r>
+              <a:rPr lang="en-US" dirty="0" smtClean="0"/>
+              <a:t> HTTP/1.1</a:t>
+            </a:r>
+            <a:br>
+              <a:rPr lang="en-US" dirty="0" smtClean="0"/>
+            </a:br>
+            <a:r>
+              <a:rPr lang="en-US" dirty="0" smtClean="0"/>
+              <a:t>Host: w3schools.com</a:t>
+            </a:r>
+            <a:br>
+              <a:rPr lang="en-US" dirty="0" smtClean="0"/>
+            </a:br>
+            <a:r>
+              <a:rPr lang="en-US" b="1" dirty="0" smtClean="0"/>
+              <a:t>name1=value1&amp;name2=value2</a:t>
+            </a:r>
+            <a:endParaRPr lang="ro-RO" dirty="0" smtClean="0"/>
+          </a:p>
+          <a:p>
             <a:endParaRPr lang="en-US" dirty="0"/>
           </a:p>
         </p:txBody>
@@ -2371,7 +2358,7 @@
           <a:p>
             <a:fld id="{84377D70-F193-4353-836F-31B604DF4B77}" type="slidenum">
               <a:rPr lang="en-US" smtClean="0"/>
-              <a:t>30</a:t>
+              <a:t>26</a:t>
             </a:fld>
             <a:endParaRPr lang="en-US"/>
           </a:p>
@@ -2380,7 +2367,7 @@
     </p:spTree>
     <p:extLst>
       <p:ext uri="{BB962C8B-B14F-4D97-AF65-F5344CB8AC3E}">
-        <p14:creationId xmlns:p14="http://schemas.microsoft.com/office/powerpoint/2010/main" val="65870709"/>
+        <p14:creationId xmlns:p14="http://schemas.microsoft.com/office/powerpoint/2010/main" val="1147713444"/>
       </p:ext>
     </p:extLst>
   </p:cSld>
@@ -2434,83 +2421,7 @@
           <a:bodyPr/>
           <a:lstStyle/>
           <a:p>
-            <a:r>
-              <a:rPr lang="en-US" b="1" dirty="0" smtClean="0"/>
-              <a:t>From Web Server to Application Server</a:t>
-            </a:r>
-            <a:endParaRPr lang="en-US" dirty="0" smtClean="0"/>
-          </a:p>
-          <a:p>
-            <a:r>
-              <a:rPr lang="en-US" dirty="0" smtClean="0"/>
-              <a:t>When a client makes a request for a JSP or a Servlet, the request initially goes to the Web server. The Web server reads the special XML file the </a:t>
-            </a:r>
-            <a:r>
-              <a:rPr lang="en-US" dirty="0" smtClean="0">
-                <a:hlinkClick r:id="rId3"/>
-              </a:rPr>
-              <a:t>application server</a:t>
-            </a:r>
-            <a:r>
-              <a:rPr lang="en-US" dirty="0" smtClean="0"/>
-              <a:t> provides, and realizes that the request that came in should be sent to the application server for processing.</a:t>
-            </a:r>
-          </a:p>
-          <a:p>
-            <a:r>
-              <a:rPr lang="en-US" dirty="0" smtClean="0"/>
-              <a:t>The special XML file also provides the IP address/port combination of listening application servers. The Web server, using </a:t>
-            </a:r>
-            <a:r>
-              <a:rPr lang="en-US" dirty="0" smtClean="0">
-                <a:hlinkClick r:id="rId4"/>
-              </a:rPr>
-              <a:t>the http protocol</a:t>
-            </a:r>
-            <a:r>
-              <a:rPr lang="en-US" dirty="0" smtClean="0"/>
-              <a:t>, then sends the request to the Application server JVM listening on the appropriate port.</a:t>
-            </a:r>
-          </a:p>
-          <a:p>
-            <a:r>
-              <a:rPr lang="en-US" dirty="0" smtClean="0"/>
-              <a:t>The JVM listening on the appropriate port represents our application server, and the port the JVM listens on can be configured through that JVM’s Web container.</a:t>
-            </a:r>
-          </a:p>
-          <a:p>
-            <a:r>
-              <a:rPr lang="en-US" dirty="0" smtClean="0"/>
-              <a:t>The Web server handles the incoming request, and matches that request to the application server set up to handle the given Servlet or JSP.</a:t>
-            </a:r>
-          </a:p>
-          <a:p>
-            <a:endParaRPr lang="en-US" dirty="0" smtClean="0"/>
-          </a:p>
-          <a:p>
-            <a:r>
-              <a:rPr lang="en-US" b="1" dirty="0" smtClean="0"/>
-              <a:t>Inside the Web Container</a:t>
-            </a:r>
-            <a:endParaRPr lang="en-US" dirty="0" smtClean="0"/>
-          </a:p>
-          <a:p>
-            <a:r>
-              <a:rPr lang="en-US" dirty="0" smtClean="0"/>
-              <a:t>If the Servlet hasn’t been called before, the JVM loads the Servlet and then generates a thread to handle the request.</a:t>
-            </a:r>
-          </a:p>
-          <a:p>
-            <a:r>
-              <a:rPr lang="en-US" dirty="0" smtClean="0"/>
-              <a:t>So, the request gets sent from the client, to the Web server, and the Web server passes the request to the application server, who in turn invokes and threads the appropriate Servlet.</a:t>
-            </a:r>
-          </a:p>
-          <a:p>
-            <a:endParaRPr lang="en-US" dirty="0" smtClean="0"/>
-          </a:p>
-          <a:p>
-            <a:endParaRPr lang="en-US" dirty="0"/>
+            <a:endParaRPr lang="ro-RO"/>
           </a:p>
         </p:txBody>
       </p:sp>
@@ -2531,7 +2442,7 @@
           <a:p>
             <a:fld id="{84377D70-F193-4353-836F-31B604DF4B77}" type="slidenum">
               <a:rPr lang="en-US" smtClean="0"/>
-              <a:t>33</a:t>
+              <a:t>29</a:t>
             </a:fld>
             <a:endParaRPr lang="en-US"/>
           </a:p>
@@ -2540,7 +2451,7 @@
     </p:spTree>
     <p:extLst>
       <p:ext uri="{BB962C8B-B14F-4D97-AF65-F5344CB8AC3E}">
-        <p14:creationId xmlns:p14="http://schemas.microsoft.com/office/powerpoint/2010/main" val="543323171"/>
+        <p14:creationId xmlns:p14="http://schemas.microsoft.com/office/powerpoint/2010/main" val="2011912214"/>
       </p:ext>
     </p:extLst>
   </p:cSld>
@@ -2595,30 +2506,18 @@
           <a:lstStyle/>
           <a:p>
             <a:r>
-              <a:rPr lang="en-US" b="1" dirty="0" smtClean="0"/>
-              <a:t>What does our Servlet do?</a:t>
-            </a:r>
+              <a:rPr lang="en-US" dirty="0" smtClean="0"/>
+              <a:t>Servlets are shy little creatures. They sit on the hard drive just minding their own business, and don’t bother anyone until they've been invoked. However, feed a few drinks to those Servlets – get them loaded – and they remain resident in memory until the party ends, which happens when someone pulls the plug on the application server.</a:t>
+            </a:r>
+          </a:p>
+          <a:p>
             <a:endParaRPr lang="en-US" dirty="0" smtClean="0"/>
           </a:p>
           <a:p>
             <a:r>
               <a:rPr lang="en-US" dirty="0" smtClean="0"/>
-              <a:t>Well, the Servlet can do pretty much anything the developer wants it to do. When programming Servlets, a developer is only limited by their creativity, and more likely, their Java programming skills.</a:t>
-            </a:r>
-          </a:p>
-          <a:p>
-            <a:r>
-              <a:rPr lang="en-US" dirty="0" smtClean="0"/>
-              <a:t>Typically, a Servlet implements some control logic. For example, a Servlet might figure out what a user typed into some text fields in a web-based form. It might then take that information and save it to a database.</a:t>
-            </a:r>
-          </a:p>
-          <a:p>
-            <a:r>
-              <a:rPr lang="en-US" dirty="0" smtClean="0"/>
-              <a:t>Servlets are intended to be controllers. While Servlets can interact directly with a database, they’re not really supposed to. Instead, Servlets are supposed to delegate to a JavaBean or an EJB to do such things.</a:t>
-            </a:r>
-          </a:p>
-          <a:p>
+              <a:t>If the Servlet hasn’t been called before, the JVM loads the Servlet and then generates a thread to handle the request.</a:t>
+            </a:r>
             <a:endParaRPr lang="en-US" dirty="0"/>
           </a:p>
         </p:txBody>
@@ -2640,7 +2539,7 @@
           <a:p>
             <a:fld id="{84377D70-F193-4353-836F-31B604DF4B77}" type="slidenum">
               <a:rPr lang="en-US" smtClean="0"/>
-              <a:t>34</a:t>
+              <a:t>30</a:t>
             </a:fld>
             <a:endParaRPr lang="en-US"/>
           </a:p>
@@ -2649,7 +2548,7 @@
     </p:spTree>
     <p:extLst>
       <p:ext uri="{BB962C8B-B14F-4D97-AF65-F5344CB8AC3E}">
-        <p14:creationId xmlns:p14="http://schemas.microsoft.com/office/powerpoint/2010/main" val="710014292"/>
+        <p14:creationId xmlns:p14="http://schemas.microsoft.com/office/powerpoint/2010/main" val="65870709"/>
       </p:ext>
     </p:extLst>
   </p:cSld>
@@ -2704,8 +2603,53 @@
           <a:lstStyle/>
           <a:p>
             <a:r>
+              <a:rPr lang="en-US" b="1" dirty="0" smtClean="0"/>
+              <a:t>From Web Server to Application Server</a:t>
+            </a:r>
+            <a:endParaRPr lang="en-US" dirty="0" smtClean="0"/>
+          </a:p>
+          <a:p>
+            <a:r>
               <a:rPr lang="en-US" dirty="0" smtClean="0"/>
-              <a:t>The web applications that are deployed in our container are archives with the “.war” extension</a:t>
+              <a:t>When a client makes a request for a JSP or a Servlet, the request initially goes to the Web server. The Web server reads the special XML file the </a:t>
+            </a:r>
+            <a:r>
+              <a:rPr lang="en-US" dirty="0" smtClean="0">
+                <a:hlinkClick r:id="rId3"/>
+              </a:rPr>
+              <a:t>application server</a:t>
+            </a:r>
+            <a:r>
+              <a:rPr lang="en-US" dirty="0" smtClean="0"/>
+              <a:t> provides, and realizes that the request that came in should be sent to the application server for processing.</a:t>
+            </a:r>
+          </a:p>
+          <a:p>
+            <a:r>
+              <a:rPr lang="en-US" dirty="0" smtClean="0"/>
+              <a:t>The special XML file also provides the IP address/port combination of listening application servers. The Web server, using </a:t>
+            </a:r>
+            <a:r>
+              <a:rPr lang="en-US" dirty="0" smtClean="0">
+                <a:hlinkClick r:id="rId4"/>
+              </a:rPr>
+              <a:t>the http protocol</a:t>
+            </a:r>
+            <a:r>
+              <a:rPr lang="en-US" dirty="0" smtClean="0"/>
+              <a:t>, then sends the request to the Application server JVM listening on the appropriate port.</a:t>
+            </a:r>
+          </a:p>
+          <a:p>
+            <a:r>
+              <a:rPr lang="en-US" dirty="0" smtClean="0"/>
+              <a:t>The JVM listening on the appropriate port represents our application server, and the port the JVM listens on can be configured through that JVM’s Web container.</a:t>
+            </a:r>
+          </a:p>
+          <a:p>
+            <a:r>
+              <a:rPr lang="en-US" dirty="0" smtClean="0"/>
+              <a:t>The Web server handles the incoming request, and matches that request to the application server set up to handle the given Servlet or JSP.</a:t>
             </a:r>
           </a:p>
           <a:p>
@@ -2713,53 +2657,25 @@
           </a:p>
           <a:p>
             <a:r>
+              <a:rPr lang="en-US" b="1" dirty="0" smtClean="0"/>
+              <a:t>Inside the Web Container</a:t>
+            </a:r>
+            <a:endParaRPr lang="en-US" dirty="0" smtClean="0"/>
+          </a:p>
+          <a:p>
+            <a:r>
               <a:rPr lang="en-US" dirty="0" smtClean="0"/>
-              <a:t>It is mandatory that the web archive contains the folder /WEB-INF in the structure</a:t>
+              <a:t>If the Servlet hasn’t been called before, the JVM loads the Servlet and then generates a thread to handle the request.</a:t>
+            </a:r>
+          </a:p>
+          <a:p>
+            <a:r>
+              <a:rPr lang="en-US" dirty="0" smtClean="0"/>
+              <a:t>So, the request gets sent from the client, to the Web server, and the Web server passes the request to the application server, who in turn invokes and threads the appropriate Servlet.</a:t>
             </a:r>
           </a:p>
           <a:p>
             <a:endParaRPr lang="en-US" dirty="0" smtClean="0"/>
-          </a:p>
-          <a:p>
-            <a:r>
-              <a:rPr lang="en-US" dirty="0" smtClean="0"/>
-              <a:t>Under WEB-INF folder we’ll have another folder named /lib where we’ll find all the “.jar” dependencies of our web application</a:t>
-            </a:r>
-          </a:p>
-          <a:p>
-            <a:endParaRPr lang="en-US" dirty="0" smtClean="0"/>
-          </a:p>
-          <a:p>
-            <a:r>
-              <a:rPr lang="en-US" dirty="0" smtClean="0"/>
-              <a:t>Under WEB-INF folder we’ll have another folder named /classes where we’ll find all the compiled classes of our application</a:t>
-            </a:r>
-          </a:p>
-          <a:p>
-            <a:endParaRPr lang="en-US" dirty="0" smtClean="0"/>
-          </a:p>
-          <a:p>
-            <a:r>
-              <a:rPr lang="en-US" dirty="0" smtClean="0"/>
-              <a:t>Under WEB-INF folder we’ll find a file named </a:t>
-            </a:r>
-            <a:r>
-              <a:rPr lang="en-US" b="1" dirty="0" smtClean="0"/>
-              <a:t>web.xml</a:t>
-            </a:r>
-            <a:r>
-              <a:rPr lang="en-US" dirty="0" smtClean="0"/>
-              <a:t>, if we use the 2.x version of the Servlet API</a:t>
-            </a:r>
-          </a:p>
-          <a:p>
-            <a:endParaRPr lang="en-US" dirty="0" smtClean="0"/>
-          </a:p>
-          <a:p>
-            <a:r>
-              <a:rPr lang="en-US" dirty="0" smtClean="0"/>
-              <a:t>They are portable because they are written in JAVA</a:t>
-            </a:r>
           </a:p>
           <a:p>
             <a:endParaRPr lang="en-US" dirty="0"/>
@@ -2783,7 +2699,7 @@
           <a:p>
             <a:fld id="{84377D70-F193-4353-836F-31B604DF4B77}" type="slidenum">
               <a:rPr lang="en-US" smtClean="0"/>
-              <a:t>35</a:t>
+              <a:t>33</a:t>
             </a:fld>
             <a:endParaRPr lang="en-US"/>
           </a:p>
@@ -2792,7 +2708,7 @@
     </p:spTree>
     <p:extLst>
       <p:ext uri="{BB962C8B-B14F-4D97-AF65-F5344CB8AC3E}">
-        <p14:creationId xmlns:p14="http://schemas.microsoft.com/office/powerpoint/2010/main" val="216062638"/>
+        <p14:creationId xmlns:p14="http://schemas.microsoft.com/office/powerpoint/2010/main" val="543323171"/>
       </p:ext>
     </p:extLst>
   </p:cSld>
@@ -2847,76 +2763,31 @@
           <a:lstStyle/>
           <a:p>
             <a:r>
-              <a:rPr lang="ro-RO" b="1" dirty="0" smtClean="0"/>
-              <a:t>public interface Servlet {</a:t>
-            </a:r>
-            <a:r>
               <a:rPr lang="en-US" b="1" dirty="0" smtClean="0"/>
-              <a:t>…}</a:t>
-            </a:r>
-          </a:p>
-          <a:p>
+              <a:t>What does our Servlet do?</a:t>
+            </a:r>
             <a:endParaRPr lang="en-US" dirty="0" smtClean="0"/>
           </a:p>
           <a:p>
             <a:r>
-              <a:rPr lang="ro-RO" b="1" dirty="0" smtClean="0"/>
-              <a:t>public abstract class HttpServlet extends GenericServlet</a:t>
-            </a:r>
-          </a:p>
-          <a:p>
-            <a:pPr marL="0" indent="0">
-              <a:buNone/>
-            </a:pPr>
-            <a:r>
-              <a:rPr lang="ro-RO" b="1" dirty="0" smtClean="0"/>
-              <a:t>    </a:t>
-            </a:r>
-            <a:r>
-              <a:rPr lang="en-US" b="1" dirty="0" smtClean="0"/>
-              <a:t>	</a:t>
-            </a:r>
-            <a:r>
-              <a:rPr lang="ro-RO" b="1" dirty="0" smtClean="0"/>
-              <a:t>implements java.io.Serializable{</a:t>
-            </a:r>
-            <a:r>
-              <a:rPr lang="en-US" b="1" dirty="0" smtClean="0"/>
-              <a:t>…}</a:t>
-            </a:r>
-          </a:p>
-          <a:p>
-            <a:endParaRPr lang="en-US" b="1" dirty="0" smtClean="0"/>
-          </a:p>
-          <a:p>
-            <a:r>
               <a:rPr lang="en-US" dirty="0" smtClean="0"/>
-              <a:t>To create your own servlet you must extend </a:t>
-            </a:r>
-            <a:r>
-              <a:rPr lang="en-US" dirty="0" err="1" smtClean="0"/>
-              <a:t>HttpServlet</a:t>
-            </a:r>
+              <a:t>Well, the Servlet can do pretty much anything the developer wants it to do. When programming Servlets, a developer is only limited by their creativity, and more likely, their Java programming skills.</a:t>
+            </a:r>
+          </a:p>
+          <a:p>
             <a:r>
               <a:rPr lang="en-US" dirty="0" smtClean="0"/>
-              <a:t> and override </a:t>
-            </a:r>
-            <a:r>
-              <a:rPr lang="en-US" dirty="0" err="1" smtClean="0"/>
-              <a:t>doGet</a:t>
-            </a:r>
+              <a:t>Typically, a Servlet implements some control logic. For example, a Servlet might figure out what a user typed into some text fields in a web-based form. It might then take that information and save it to a database.</a:t>
+            </a:r>
+          </a:p>
+          <a:p>
             <a:r>
               <a:rPr lang="en-US" dirty="0" smtClean="0"/>
-              <a:t> or </a:t>
-            </a:r>
-            <a:r>
-              <a:rPr lang="en-US" dirty="0" err="1" smtClean="0"/>
-              <a:t>doPost</a:t>
-            </a:r>
-            <a:r>
-              <a:rPr lang="en-US" dirty="0" smtClean="0"/>
-              <a:t> method</a:t>
-            </a:r>
+              <a:t>Servlets are intended to be controllers. While Servlets can interact directly with a database, they’re not really supposed to. Instead, Servlets are supposed to delegate to a JavaBean or an EJB to do such things.</a:t>
+            </a:r>
+          </a:p>
+          <a:p>
+            <a:endParaRPr lang="en-US" dirty="0"/>
           </a:p>
         </p:txBody>
       </p:sp>
@@ -2937,7 +2808,7 @@
           <a:p>
             <a:fld id="{84377D70-F193-4353-836F-31B604DF4B77}" type="slidenum">
               <a:rPr lang="en-US" smtClean="0"/>
-              <a:t>36</a:t>
+              <a:t>34</a:t>
             </a:fld>
             <a:endParaRPr lang="en-US"/>
           </a:p>
@@ -2946,7 +2817,7 @@
     </p:spTree>
     <p:extLst>
       <p:ext uri="{BB962C8B-B14F-4D97-AF65-F5344CB8AC3E}">
-        <p14:creationId xmlns:p14="http://schemas.microsoft.com/office/powerpoint/2010/main" val="2932503877"/>
+        <p14:creationId xmlns:p14="http://schemas.microsoft.com/office/powerpoint/2010/main" val="710014292"/>
       </p:ext>
     </p:extLst>
   </p:cSld>
@@ -3000,6 +2871,65 @@
           <a:bodyPr/>
           <a:lstStyle/>
           <a:p>
+            <a:r>
+              <a:rPr lang="en-US" dirty="0" smtClean="0"/>
+              <a:t>The web applications that are deployed in our container are archives with the “.war” extension</a:t>
+            </a:r>
+          </a:p>
+          <a:p>
+            <a:endParaRPr lang="en-US" dirty="0" smtClean="0"/>
+          </a:p>
+          <a:p>
+            <a:r>
+              <a:rPr lang="en-US" dirty="0" smtClean="0"/>
+              <a:t>It is mandatory that the web archive contains the folder /WEB-INF in the structure</a:t>
+            </a:r>
+          </a:p>
+          <a:p>
+            <a:endParaRPr lang="en-US" dirty="0" smtClean="0"/>
+          </a:p>
+          <a:p>
+            <a:r>
+              <a:rPr lang="en-US" dirty="0" smtClean="0"/>
+              <a:t>Under WEB-INF folder we’ll have another folder named /lib where we’ll find all the “.jar” dependencies of our web application</a:t>
+            </a:r>
+          </a:p>
+          <a:p>
+            <a:endParaRPr lang="en-US" dirty="0" smtClean="0"/>
+          </a:p>
+          <a:p>
+            <a:r>
+              <a:rPr lang="en-US" dirty="0" smtClean="0"/>
+              <a:t>Under WEB-INF folder we’ll have another folder named /classes where we’ll find all the compiled classes of our application</a:t>
+            </a:r>
+          </a:p>
+          <a:p>
+            <a:endParaRPr lang="en-US" dirty="0" smtClean="0"/>
+          </a:p>
+          <a:p>
+            <a:r>
+              <a:rPr lang="en-US" dirty="0" smtClean="0"/>
+              <a:t>Under WEB-INF folder we’ll find a file named </a:t>
+            </a:r>
+            <a:r>
+              <a:rPr lang="en-US" b="1" dirty="0" smtClean="0"/>
+              <a:t>web.xml</a:t>
+            </a:r>
+            <a:r>
+              <a:rPr lang="en-US" dirty="0" smtClean="0"/>
+              <a:t>, if we use the 2.x version of the Servlet API</a:t>
+            </a:r>
+          </a:p>
+          <a:p>
+            <a:endParaRPr lang="en-US" dirty="0" smtClean="0"/>
+          </a:p>
+          <a:p>
+            <a:r>
+              <a:rPr lang="en-US" dirty="0" smtClean="0"/>
+              <a:t>They are portable because they are written in JAVA</a:t>
+            </a:r>
+          </a:p>
+          <a:p>
             <a:endParaRPr lang="en-US" dirty="0"/>
           </a:p>
         </p:txBody>
@@ -3021,7 +2951,7 @@
           <a:p>
             <a:fld id="{84377D70-F193-4353-836F-31B604DF4B77}" type="slidenum">
               <a:rPr lang="en-US" smtClean="0"/>
-              <a:t>37</a:t>
+              <a:t>35</a:t>
             </a:fld>
             <a:endParaRPr lang="en-US"/>
           </a:p>
@@ -3030,7 +2960,7 @@
     </p:spTree>
     <p:extLst>
       <p:ext uri="{BB962C8B-B14F-4D97-AF65-F5344CB8AC3E}">
-        <p14:creationId xmlns:p14="http://schemas.microsoft.com/office/powerpoint/2010/main" val="1818067713"/>
+        <p14:creationId xmlns:p14="http://schemas.microsoft.com/office/powerpoint/2010/main" val="216062638"/>
       </p:ext>
     </p:extLst>
   </p:cSld>
@@ -3084,7 +3014,7 @@
           <a:bodyPr/>
           <a:lstStyle/>
           <a:p>
-            <a:endParaRPr lang="ro-RO" dirty="0"/>
+            <a:endParaRPr lang="en-US" dirty="0"/>
           </a:p>
         </p:txBody>
       </p:sp>
@@ -3105,7 +3035,7 @@
           <a:p>
             <a:fld id="{84377D70-F193-4353-836F-31B604DF4B77}" type="slidenum">
               <a:rPr lang="en-US" smtClean="0"/>
-              <a:t>41</a:t>
+              <a:t>36</a:t>
             </a:fld>
             <a:endParaRPr lang="en-US"/>
           </a:p>
@@ -3114,7 +3044,7 @@
     </p:spTree>
     <p:extLst>
       <p:ext uri="{BB962C8B-B14F-4D97-AF65-F5344CB8AC3E}">
-        <p14:creationId xmlns:p14="http://schemas.microsoft.com/office/powerpoint/2010/main" val="1709539500"/>
+        <p14:creationId xmlns:p14="http://schemas.microsoft.com/office/powerpoint/2010/main" val="1818067713"/>
       </p:ext>
     </p:extLst>
   </p:cSld>
@@ -3355,6 +3285,244 @@
     <p:extLst>
       <p:ext uri="{BB962C8B-B14F-4D97-AF65-F5344CB8AC3E}">
         <p14:creationId xmlns:p14="http://schemas.microsoft.com/office/powerpoint/2010/main" val="1505143047"/>
+      </p:ext>
+    </p:extLst>
+  </p:cSld>
+  <p:clrMapOvr>
+    <a:masterClrMapping/>
+  </p:clrMapOvr>
+</p:notes>
+</file>
+
+<file path=ppt/notesSlides/notesSlide30.xml><?xml version="1.0" encoding="utf-8"?>
+<p:notes xmlns:a="http://schemas.openxmlformats.org/drawingml/2006/main" xmlns:r="http://schemas.openxmlformats.org/officeDocument/2006/relationships" xmlns:p="http://schemas.openxmlformats.org/presentationml/2006/main">
+  <p:cSld>
+    <p:spTree>
+      <p:nvGrpSpPr>
+        <p:cNvPr id="1" name=""/>
+        <p:cNvGrpSpPr/>
+        <p:nvPr/>
+      </p:nvGrpSpPr>
+      <p:grpSpPr>
+        <a:xfrm>
+          <a:off x="0" y="0"/>
+          <a:ext cx="0" cy="0"/>
+          <a:chOff x="0" y="0"/>
+          <a:chExt cx="0" cy="0"/>
+        </a:xfrm>
+      </p:grpSpPr>
+      <p:sp>
+        <p:nvSpPr>
+          <p:cNvPr id="2" name="Slide Image Placeholder 1"/>
+          <p:cNvSpPr>
+            <a:spLocks noGrp="1" noRot="1" noChangeAspect="1"/>
+          </p:cNvSpPr>
+          <p:nvPr>
+            <p:ph type="sldImg"/>
+          </p:nvPr>
+        </p:nvSpPr>
+        <p:spPr/>
+      </p:sp>
+      <p:sp>
+        <p:nvSpPr>
+          <p:cNvPr id="3" name="Notes Placeholder 2"/>
+          <p:cNvSpPr>
+            <a:spLocks noGrp="1"/>
+          </p:cNvSpPr>
+          <p:nvPr>
+            <p:ph type="body" idx="1"/>
+          </p:nvPr>
+        </p:nvSpPr>
+        <p:spPr/>
+        <p:txBody>
+          <a:bodyPr/>
+          <a:lstStyle/>
+          <a:p>
+            <a:r>
+              <a:rPr lang="ro-RO" b="1" dirty="0" smtClean="0"/>
+              <a:t>public interface Servlet {</a:t>
+            </a:r>
+            <a:r>
+              <a:rPr lang="en-US" b="1" dirty="0" smtClean="0"/>
+              <a:t>…}</a:t>
+            </a:r>
+          </a:p>
+          <a:p>
+            <a:endParaRPr lang="en-US" dirty="0" smtClean="0"/>
+          </a:p>
+          <a:p>
+            <a:r>
+              <a:rPr lang="ro-RO" b="1" dirty="0" smtClean="0"/>
+              <a:t>public abstract class HttpServlet extends GenericServlet</a:t>
+            </a:r>
+          </a:p>
+          <a:p>
+            <a:pPr marL="0" indent="0">
+              <a:buNone/>
+            </a:pPr>
+            <a:r>
+              <a:rPr lang="ro-RO" b="1" dirty="0" smtClean="0"/>
+              <a:t>    </a:t>
+            </a:r>
+            <a:r>
+              <a:rPr lang="en-US" b="1" dirty="0" smtClean="0"/>
+              <a:t>	</a:t>
+            </a:r>
+            <a:r>
+              <a:rPr lang="ro-RO" b="1" dirty="0" smtClean="0"/>
+              <a:t>implements java.io.Serializable{</a:t>
+            </a:r>
+            <a:r>
+              <a:rPr lang="en-US" b="1" dirty="0" smtClean="0"/>
+              <a:t>…}</a:t>
+            </a:r>
+          </a:p>
+          <a:p>
+            <a:endParaRPr lang="en-US" b="1" dirty="0" smtClean="0"/>
+          </a:p>
+          <a:p>
+            <a:r>
+              <a:rPr lang="en-US" dirty="0" smtClean="0"/>
+              <a:t>To create your own servlet you must extend </a:t>
+            </a:r>
+            <a:r>
+              <a:rPr lang="en-US" dirty="0" err="1" smtClean="0"/>
+              <a:t>HttpServlet</a:t>
+            </a:r>
+            <a:r>
+              <a:rPr lang="en-US" dirty="0" smtClean="0"/>
+              <a:t> and override </a:t>
+            </a:r>
+            <a:r>
+              <a:rPr lang="en-US" dirty="0" err="1" smtClean="0"/>
+              <a:t>doGet</a:t>
+            </a:r>
+            <a:r>
+              <a:rPr lang="en-US" dirty="0" smtClean="0"/>
+              <a:t> or </a:t>
+            </a:r>
+            <a:r>
+              <a:rPr lang="en-US" dirty="0" err="1" smtClean="0"/>
+              <a:t>doPost</a:t>
+            </a:r>
+            <a:r>
+              <a:rPr lang="en-US" dirty="0" smtClean="0"/>
+              <a:t> method</a:t>
+            </a:r>
+          </a:p>
+        </p:txBody>
+      </p:sp>
+      <p:sp>
+        <p:nvSpPr>
+          <p:cNvPr id="4" name="Slide Number Placeholder 3"/>
+          <p:cNvSpPr>
+            <a:spLocks noGrp="1"/>
+          </p:cNvSpPr>
+          <p:nvPr>
+            <p:ph type="sldNum" sz="quarter" idx="10"/>
+          </p:nvPr>
+        </p:nvSpPr>
+        <p:spPr/>
+        <p:txBody>
+          <a:bodyPr/>
+          <a:lstStyle/>
+          <a:p>
+            <a:fld id="{84377D70-F193-4353-836F-31B604DF4B77}" type="slidenum">
+              <a:rPr lang="en-US" smtClean="0"/>
+              <a:t>37</a:t>
+            </a:fld>
+            <a:endParaRPr lang="en-US"/>
+          </a:p>
+        </p:txBody>
+      </p:sp>
+    </p:spTree>
+    <p:extLst>
+      <p:ext uri="{BB962C8B-B14F-4D97-AF65-F5344CB8AC3E}">
+        <p14:creationId xmlns:p14="http://schemas.microsoft.com/office/powerpoint/2010/main" val="2932503877"/>
+      </p:ext>
+    </p:extLst>
+  </p:cSld>
+  <p:clrMapOvr>
+    <a:masterClrMapping/>
+  </p:clrMapOvr>
+</p:notes>
+</file>
+
+<file path=ppt/notesSlides/notesSlide31.xml><?xml version="1.0" encoding="utf-8"?>
+<p:notes xmlns:a="http://schemas.openxmlformats.org/drawingml/2006/main" xmlns:r="http://schemas.openxmlformats.org/officeDocument/2006/relationships" xmlns:p="http://schemas.openxmlformats.org/presentationml/2006/main">
+  <p:cSld>
+    <p:spTree>
+      <p:nvGrpSpPr>
+        <p:cNvPr id="1" name=""/>
+        <p:cNvGrpSpPr/>
+        <p:nvPr/>
+      </p:nvGrpSpPr>
+      <p:grpSpPr>
+        <a:xfrm>
+          <a:off x="0" y="0"/>
+          <a:ext cx="0" cy="0"/>
+          <a:chOff x="0" y="0"/>
+          <a:chExt cx="0" cy="0"/>
+        </a:xfrm>
+      </p:grpSpPr>
+      <p:sp>
+        <p:nvSpPr>
+          <p:cNvPr id="2" name="Slide Image Placeholder 1"/>
+          <p:cNvSpPr>
+            <a:spLocks noGrp="1" noRot="1" noChangeAspect="1"/>
+          </p:cNvSpPr>
+          <p:nvPr>
+            <p:ph type="sldImg"/>
+          </p:nvPr>
+        </p:nvSpPr>
+        <p:spPr/>
+      </p:sp>
+      <p:sp>
+        <p:nvSpPr>
+          <p:cNvPr id="3" name="Notes Placeholder 2"/>
+          <p:cNvSpPr>
+            <a:spLocks noGrp="1"/>
+          </p:cNvSpPr>
+          <p:nvPr>
+            <p:ph type="body" idx="1"/>
+          </p:nvPr>
+        </p:nvSpPr>
+        <p:spPr/>
+        <p:txBody>
+          <a:bodyPr/>
+          <a:lstStyle/>
+          <a:p>
+            <a:endParaRPr lang="ro-RO" dirty="0"/>
+          </a:p>
+        </p:txBody>
+      </p:sp>
+      <p:sp>
+        <p:nvSpPr>
+          <p:cNvPr id="4" name="Slide Number Placeholder 3"/>
+          <p:cNvSpPr>
+            <a:spLocks noGrp="1"/>
+          </p:cNvSpPr>
+          <p:nvPr>
+            <p:ph type="sldNum" sz="quarter" idx="10"/>
+          </p:nvPr>
+        </p:nvSpPr>
+        <p:spPr/>
+        <p:txBody>
+          <a:bodyPr/>
+          <a:lstStyle/>
+          <a:p>
+            <a:fld id="{84377D70-F193-4353-836F-31B604DF4B77}" type="slidenum">
+              <a:rPr lang="en-US" smtClean="0"/>
+              <a:t>41</a:t>
+            </a:fld>
+            <a:endParaRPr lang="en-US"/>
+          </a:p>
+        </p:txBody>
+      </p:sp>
+    </p:spTree>
+    <p:extLst>
+      <p:ext uri="{BB962C8B-B14F-4D97-AF65-F5344CB8AC3E}">
+        <p14:creationId xmlns:p14="http://schemas.microsoft.com/office/powerpoint/2010/main" val="1709539500"/>
       </p:ext>
     </p:extLst>
   </p:cSld>
@@ -3873,133 +4041,189 @@
           <a:lstStyle/>
           <a:p>
             <a:r>
-              <a:rPr lang="en-US" b="1" dirty="0" smtClean="0"/>
-              <a:t>Web container</a:t>
-            </a:r>
-            <a:r>
-              <a:rPr lang="en-US" dirty="0" smtClean="0"/>
-              <a:t> (also known as a Servlet container) is the component of a </a:t>
-            </a:r>
-            <a:r>
-              <a:rPr lang="en-US" dirty="0" smtClean="0">
-                <a:hlinkClick r:id="rId3" tooltip="Web server"/>
+              <a:rPr lang="en-US" sz="1200" b="0" i="0" kern="1200" dirty="0" smtClean="0">
+                <a:solidFill>
+                  <a:schemeClr val="tx1"/>
+                </a:solidFill>
+                <a:effectLst/>
+                <a:latin typeface="+mn-lt"/>
+                <a:ea typeface="+mn-ea"/>
+                <a:cs typeface="+mn-cs"/>
               </a:rPr>
-              <a:t>web server</a:t>
-            </a:r>
-            <a:r>
-              <a:rPr lang="en-US" dirty="0" smtClean="0"/>
-              <a:t> that interacts with </a:t>
-            </a:r>
-            <a:r>
-              <a:rPr lang="en-US" dirty="0" smtClean="0">
-                <a:hlinkClick r:id="rId4" tooltip="Java (programming language)"/>
+              <a:t>Servlet doesn’t contain any main method. So who will initiate and run the method of Servlet? It’s Container who has the full control of Servlets. It is container which is responsible to manage the life-cycle of servlet. Web server hands the request to web container in which servlet is deployed and not to Servlet itself. Then container provides request and response to servlet. It is container which calls the servlet’s method. </a:t>
+            </a:r>
+          </a:p>
+          <a:p>
+            <a:r>
+              <a:rPr lang="en-US" sz="1200" b="0" i="0" kern="1200" dirty="0" smtClean="0">
+                <a:solidFill>
+                  <a:schemeClr val="tx1"/>
+                </a:solidFill>
+                <a:effectLst/>
+                <a:latin typeface="+mn-lt"/>
+                <a:ea typeface="+mn-ea"/>
+                <a:cs typeface="+mn-cs"/>
               </a:rPr>
-              <a:t>Java</a:t>
-            </a:r>
-            <a:r>
-              <a:rPr lang="en-US" dirty="0" smtClean="0"/>
+              <a:t>Tomcat is the example of Servlet container.</a:t>
+            </a:r>
+          </a:p>
+          <a:p>
+            <a:endParaRPr lang="en-US" sz="1200" b="0" i="0" kern="1200" dirty="0" smtClean="0">
+              <a:solidFill>
+                <a:schemeClr val="tx1"/>
+              </a:solidFill>
+              <a:effectLst/>
+              <a:latin typeface="+mn-lt"/>
+              <a:ea typeface="+mn-ea"/>
+              <a:cs typeface="+mn-cs"/>
+            </a:endParaRPr>
+          </a:p>
+          <a:p>
+            <a:r>
+              <a:rPr lang="en-US" sz="1200" b="0" i="0" kern="1200" dirty="0" smtClean="0">
+                <a:solidFill>
+                  <a:schemeClr val="tx1"/>
+                </a:solidFill>
+                <a:effectLst/>
+                <a:latin typeface="+mn-lt"/>
+                <a:ea typeface="+mn-ea"/>
+                <a:cs typeface="+mn-cs"/>
+              </a:rPr>
+              <a:t>When ever user request for any resource from Server Web server(</a:t>
+            </a:r>
+            <a:r>
+              <a:rPr lang="en-US" sz="1200" b="0" i="1" kern="1200" dirty="0" smtClean="0">
+                <a:solidFill>
+                  <a:schemeClr val="tx1"/>
+                </a:solidFill>
+                <a:effectLst/>
+                <a:latin typeface="+mn-lt"/>
+                <a:ea typeface="+mn-ea"/>
+                <a:cs typeface="+mn-cs"/>
+              </a:rPr>
+              <a:t>Apache</a:t>
+            </a:r>
+            <a:r>
+              <a:rPr lang="en-US" sz="1200" b="0" i="0" kern="1200" dirty="0" smtClean="0">
+                <a:solidFill>
+                  <a:schemeClr val="tx1"/>
+                </a:solidFill>
+                <a:effectLst/>
+                <a:latin typeface="+mn-lt"/>
+                <a:ea typeface="+mn-ea"/>
+                <a:cs typeface="+mn-cs"/>
+              </a:rPr>
+              <a:t>) will pass the request to Servlet Container(</a:t>
+            </a:r>
+            <a:r>
+              <a:rPr lang="en-US" sz="1200" b="0" i="1" u="sng" kern="1200" dirty="0" smtClean="0">
+                <a:solidFill>
+                  <a:schemeClr val="tx1"/>
+                </a:solidFill>
+                <a:effectLst/>
+                <a:latin typeface="+mn-lt"/>
+                <a:ea typeface="+mn-ea"/>
+                <a:cs typeface="+mn-cs"/>
+              </a:rPr>
+              <a:t>Tomcat</a:t>
+            </a:r>
+            <a:r>
+              <a:rPr lang="en-US" sz="1200" b="0" i="0" kern="1200" dirty="0" smtClean="0">
+                <a:solidFill>
+                  <a:schemeClr val="tx1"/>
+                </a:solidFill>
+                <a:effectLst/>
+                <a:latin typeface="+mn-lt"/>
+                <a:ea typeface="+mn-ea"/>
+                <a:cs typeface="+mn-cs"/>
+              </a:rPr>
+              <a:t>) instead of directly to servlet. It is container who will create request and response Object and then pass it to Servlet eligible for asked resource and invoke service method of Servlet.</a:t>
+            </a:r>
+          </a:p>
+          <a:p>
+            <a:endParaRPr lang="en-US" sz="1200" b="0" i="0" kern="1200" dirty="0" smtClean="0">
+              <a:solidFill>
+                <a:schemeClr val="tx1"/>
+              </a:solidFill>
+              <a:effectLst/>
+              <a:latin typeface="+mn-lt"/>
+              <a:ea typeface="+mn-ea"/>
+              <a:cs typeface="+mn-cs"/>
+            </a:endParaRPr>
+          </a:p>
+          <a:p>
+            <a:r>
+              <a:rPr lang="en-US" sz="1200" b="1" i="0" kern="1200" dirty="0" smtClean="0">
+                <a:solidFill>
+                  <a:schemeClr val="tx1"/>
+                </a:solidFill>
+                <a:effectLst/>
+                <a:latin typeface="+mn-lt"/>
+                <a:ea typeface="+mn-ea"/>
+                <a:cs typeface="+mn-cs"/>
+              </a:rPr>
+              <a:t>Note:</a:t>
+            </a:r>
+            <a:r>
+              <a:rPr lang="en-US" sz="1200" b="0" i="0" kern="1200" dirty="0" smtClean="0">
+                <a:solidFill>
+                  <a:schemeClr val="tx1"/>
+                </a:solidFill>
+                <a:effectLst/>
+                <a:latin typeface="+mn-lt"/>
+                <a:ea typeface="+mn-ea"/>
+                <a:cs typeface="+mn-cs"/>
+              </a:rPr>
               <a:t> </a:t>
             </a:r>
             <a:r>
-              <a:rPr lang="en-US" dirty="0" smtClean="0">
-                <a:hlinkClick r:id="rId5" tooltip="Servlet"/>
+              <a:rPr lang="en-US" sz="1200" b="0" i="0" kern="1200" dirty="0" err="1" smtClean="0">
+                <a:solidFill>
+                  <a:schemeClr val="tx1"/>
+                </a:solidFill>
+                <a:effectLst/>
+                <a:latin typeface="+mn-lt"/>
+                <a:ea typeface="+mn-ea"/>
+                <a:cs typeface="+mn-cs"/>
               </a:rPr>
-              <a:t>servlets</a:t>
-            </a:r>
-            <a:r>
-              <a:rPr lang="en-US" dirty="0" smtClean="0"/>
-              <a:t>. A web container is responsible for managing the lifecycle of servlets, mapping a </a:t>
-            </a:r>
-            <a:r>
-              <a:rPr lang="en-US" dirty="0" smtClean="0">
-                <a:hlinkClick r:id="rId6" tooltip="URL"/>
+              <a:t>HttpServletRequest</a:t>
+            </a:r>
+            <a:r>
+              <a:rPr lang="en-US" sz="1200" b="0" i="0" kern="1200" dirty="0" smtClean="0">
+                <a:solidFill>
+                  <a:schemeClr val="tx1"/>
+                </a:solidFill>
+                <a:effectLst/>
+                <a:latin typeface="+mn-lt"/>
+                <a:ea typeface="+mn-ea"/>
+                <a:cs typeface="+mn-cs"/>
               </a:rPr>
-              <a:t>URL</a:t>
-            </a:r>
-            <a:r>
-              <a:rPr lang="en-US" dirty="0" smtClean="0"/>
-              <a:t> to a particular servlet and ensuring that the URL requester has the correct access rights.</a:t>
-            </a:r>
-          </a:p>
-          <a:p>
-            <a:endParaRPr lang="en-US" dirty="0" smtClean="0"/>
-          </a:p>
-          <a:p>
-            <a:r>
-              <a:rPr lang="en-US" dirty="0" smtClean="0"/>
-              <a:t>A web container handles requests for servlets, Java Server Pages (JSP) files, and other types of files that include server-side code. The Web container creates servlet instances, loads and unloads servlets, creates and manages request and response objects, and performs other servlet management tasks.</a:t>
-            </a:r>
-          </a:p>
-          <a:p>
-            <a:endParaRPr lang="en-US" dirty="0" smtClean="0"/>
-          </a:p>
-          <a:p>
-            <a:r>
-              <a:rPr lang="en-US" dirty="0" smtClean="0"/>
-              <a:t>A web container implements the web component contract of the </a:t>
-            </a:r>
-            <a:r>
-              <a:rPr lang="en-US" dirty="0" smtClean="0">
-                <a:hlinkClick r:id="rId7" tooltip="Java Platform, Enterprise Edition"/>
+              <a:t> and </a:t>
+            </a:r>
+            <a:r>
+              <a:rPr lang="en-US" sz="1200" b="0" i="0" kern="1200" dirty="0" err="1" smtClean="0">
+                <a:solidFill>
+                  <a:schemeClr val="tx1"/>
+                </a:solidFill>
+                <a:effectLst/>
+                <a:latin typeface="+mn-lt"/>
+                <a:ea typeface="+mn-ea"/>
+                <a:cs typeface="+mn-cs"/>
               </a:rPr>
-              <a:t>Java EE</a:t>
-            </a:r>
-            <a:r>
-              <a:rPr lang="en-US" dirty="0" smtClean="0"/>
-              <a:t> architecture, specifying a </a:t>
-            </a:r>
-            <a:r>
-              <a:rPr lang="en-US" dirty="0" smtClean="0">
-                <a:hlinkClick r:id="rId8" tooltip="Runtime environment"/>
+              <a:t>HttpServletResponse</a:t>
+            </a:r>
+            <a:r>
+              <a:rPr lang="en-US" sz="1200" b="0" i="0" kern="1200" dirty="0" smtClean="0">
+                <a:solidFill>
+                  <a:schemeClr val="tx1"/>
+                </a:solidFill>
+                <a:effectLst/>
+                <a:latin typeface="+mn-lt"/>
+                <a:ea typeface="+mn-ea"/>
+                <a:cs typeface="+mn-cs"/>
               </a:rPr>
-              <a:t>runtime environment</a:t>
-            </a:r>
-            <a:r>
-              <a:rPr lang="en-US" dirty="0" smtClean="0"/>
-              <a:t> for web components that includes </a:t>
-            </a:r>
-            <a:r>
-              <a:rPr lang="en-US" dirty="0" smtClean="0">
-                <a:hlinkClick r:id="rId9" tooltip="Computer security"/>
-              </a:rPr>
-              <a:t>security</a:t>
-            </a:r>
-            <a:r>
-              <a:rPr lang="en-US" dirty="0" smtClean="0"/>
-              <a:t>, </a:t>
-            </a:r>
-            <a:r>
-              <a:rPr lang="en-US" dirty="0" smtClean="0">
-                <a:hlinkClick r:id="rId10" tooltip="Concurrency (computer science)"/>
-              </a:rPr>
-              <a:t>concurrency</a:t>
-            </a:r>
-            <a:r>
-              <a:rPr lang="en-US" dirty="0" smtClean="0"/>
-              <a:t>, </a:t>
-            </a:r>
-            <a:r>
-              <a:rPr lang="en-US" dirty="0" smtClean="0">
-                <a:hlinkClick r:id="rId11" tooltip="Java Servlet"/>
-              </a:rPr>
-              <a:t>lifecycle management</a:t>
-            </a:r>
-            <a:r>
-              <a:rPr lang="en-US" dirty="0" smtClean="0"/>
-              <a:t>, </a:t>
-            </a:r>
-            <a:r>
-              <a:rPr lang="en-US" dirty="0" smtClean="0">
-                <a:hlinkClick r:id="rId12" tooltip="Transaction processing"/>
-              </a:rPr>
-              <a:t>transaction</a:t>
-            </a:r>
-            <a:r>
-              <a:rPr lang="en-US" dirty="0" smtClean="0"/>
-              <a:t>, deployment, and other services.</a:t>
-            </a:r>
-          </a:p>
-          <a:p>
+              <a:t> are interfaces. It is container which implements given interface</a:t>
+            </a:r>
             <a:endParaRPr lang="en-US" dirty="0"/>
           </a:p>
         </p:txBody>
@@ -4021,7 +4245,7 @@
           <a:p>
             <a:fld id="{84377D70-F193-4353-836F-31B604DF4B77}" type="slidenum">
               <a:rPr lang="en-US" smtClean="0"/>
-              <a:t>9</a:t>
+              <a:t>8</a:t>
             </a:fld>
             <a:endParaRPr lang="en-US"/>
           </a:p>
@@ -4030,7 +4254,7 @@
     </p:spTree>
     <p:extLst>
       <p:ext uri="{BB962C8B-B14F-4D97-AF65-F5344CB8AC3E}">
-        <p14:creationId xmlns:p14="http://schemas.microsoft.com/office/powerpoint/2010/main" val="3531447439"/>
+        <p14:creationId xmlns:p14="http://schemas.microsoft.com/office/powerpoint/2010/main" val="2989463157"/>
       </p:ext>
     </p:extLst>
   </p:cSld>
@@ -4084,7 +4308,143 @@
           <a:bodyPr/>
           <a:lstStyle/>
           <a:p>
-            <a:endParaRPr lang="ro-RO"/>
+            <a:r>
+              <a:rPr lang="en-US" b="1" dirty="0" smtClean="0"/>
+              <a:t>Web container</a:t>
+            </a:r>
+            <a:r>
+              <a:rPr lang="en-US" dirty="0" smtClean="0"/>
+              <a:t> (also known as a Servlet container or </a:t>
+            </a:r>
+            <a:r>
+              <a:rPr lang="en-US" dirty="0" err="1" smtClean="0"/>
+              <a:t>webtainer</a:t>
+            </a:r>
+            <a:r>
+              <a:rPr lang="en-US" dirty="0" smtClean="0"/>
+              <a:t>) is the component of a </a:t>
+            </a:r>
+            <a:r>
+              <a:rPr lang="en-US" dirty="0" smtClean="0">
+                <a:hlinkClick r:id="rId3" tooltip="Web server"/>
+              </a:rPr>
+              <a:t>web server</a:t>
+            </a:r>
+            <a:r>
+              <a:rPr lang="en-US" dirty="0" smtClean="0"/>
+              <a:t> that interacts with </a:t>
+            </a:r>
+            <a:r>
+              <a:rPr lang="en-US" dirty="0" smtClean="0">
+                <a:hlinkClick r:id="rId4" tooltip="Java (programming language)"/>
+              </a:rPr>
+              <a:t>Java</a:t>
+            </a:r>
+            <a:r>
+              <a:rPr lang="en-US" dirty="0" smtClean="0"/>
+              <a:t> </a:t>
+            </a:r>
+            <a:r>
+              <a:rPr lang="en-US" dirty="0" smtClean="0">
+                <a:hlinkClick r:id="rId5" tooltip="Servlet"/>
+              </a:rPr>
+              <a:t>servlets</a:t>
+            </a:r>
+            <a:r>
+              <a:rPr lang="en-US" dirty="0" smtClean="0"/>
+              <a:t>. A web container is responsible for managing the lifecycle of servlets, mapping a </a:t>
+            </a:r>
+            <a:r>
+              <a:rPr lang="en-US" dirty="0" smtClean="0">
+                <a:hlinkClick r:id="rId6" tooltip="URL"/>
+              </a:rPr>
+              <a:t>URL</a:t>
+            </a:r>
+            <a:r>
+              <a:rPr lang="en-US" dirty="0" smtClean="0"/>
+              <a:t> to a particular servlet and ensuring that the URL requester has the correct access rights.</a:t>
+            </a:r>
+          </a:p>
+          <a:p>
+            <a:endParaRPr lang="en-US" dirty="0" smtClean="0"/>
+          </a:p>
+          <a:p>
+            <a:r>
+              <a:rPr lang="en-US" dirty="0" smtClean="0"/>
+              <a:t>A web container handles requests for servlets, Java Server Pages (JSP) files, and other types of files that include server-side code. The Web container creates servlet instances, loads and unloads servlets, creates and manages request and response objects, and performs other servlet management tasks.</a:t>
+            </a:r>
+          </a:p>
+          <a:p>
+            <a:endParaRPr lang="en-US" dirty="0" smtClean="0"/>
+          </a:p>
+          <a:p>
+            <a:r>
+              <a:rPr lang="en-US" dirty="0" smtClean="0"/>
+              <a:t>A web container implements the web component contract of the </a:t>
+            </a:r>
+            <a:r>
+              <a:rPr lang="en-US" dirty="0" smtClean="0">
+                <a:hlinkClick r:id="rId7" tooltip="Java Platform, Enterprise Edition"/>
+              </a:rPr>
+              <a:t>Java EE</a:t>
+            </a:r>
+            <a:r>
+              <a:rPr lang="en-US" dirty="0" smtClean="0"/>
+              <a:t> architecture, specifying a </a:t>
+            </a:r>
+            <a:r>
+              <a:rPr lang="en-US" dirty="0" smtClean="0">
+                <a:hlinkClick r:id="rId8" tooltip="Runtime environment"/>
+              </a:rPr>
+              <a:t>runtime environment</a:t>
+            </a:r>
+            <a:r>
+              <a:rPr lang="en-US" dirty="0" smtClean="0"/>
+              <a:t> for web components that includes </a:t>
+            </a:r>
+            <a:r>
+              <a:rPr lang="en-US" dirty="0" smtClean="0">
+                <a:hlinkClick r:id="rId9" tooltip="Computer security"/>
+              </a:rPr>
+              <a:t>security</a:t>
+            </a:r>
+            <a:r>
+              <a:rPr lang="en-US" dirty="0" smtClean="0"/>
+              <a:t>, </a:t>
+            </a:r>
+            <a:r>
+              <a:rPr lang="en-US" dirty="0" smtClean="0">
+                <a:hlinkClick r:id="rId10" tooltip="Concurrency (computer science)"/>
+              </a:rPr>
+              <a:t>concurrency</a:t>
+            </a:r>
+            <a:r>
+              <a:rPr lang="en-US" dirty="0" smtClean="0"/>
+              <a:t>, </a:t>
+            </a:r>
+            <a:r>
+              <a:rPr lang="en-US" dirty="0" smtClean="0">
+                <a:hlinkClick r:id="rId11" tooltip="Java Servlet"/>
+              </a:rPr>
+              <a:t>lifecycle management</a:t>
+            </a:r>
+            <a:r>
+              <a:rPr lang="en-US" dirty="0" smtClean="0"/>
+              <a:t>, </a:t>
+            </a:r>
+            <a:r>
+              <a:rPr lang="en-US" dirty="0" smtClean="0">
+                <a:hlinkClick r:id="rId12" tooltip="Transaction processing"/>
+              </a:rPr>
+              <a:t>transaction</a:t>
+            </a:r>
+            <a:r>
+              <a:rPr lang="en-US" dirty="0" smtClean="0"/>
+              <a:t>, deployment, and other services.</a:t>
+            </a:r>
+          </a:p>
+          <a:p>
+            <a:endParaRPr lang="en-US" dirty="0"/>
           </a:p>
         </p:txBody>
       </p:sp>
@@ -4105,7 +4465,7 @@
           <a:p>
             <a:fld id="{84377D70-F193-4353-836F-31B604DF4B77}" type="slidenum">
               <a:rPr lang="en-US" smtClean="0"/>
-              <a:t>12</a:t>
+              <a:t>9</a:t>
             </a:fld>
             <a:endParaRPr lang="en-US"/>
           </a:p>
@@ -4114,7 +4474,7 @@
     </p:spTree>
     <p:extLst>
       <p:ext uri="{BB962C8B-B14F-4D97-AF65-F5344CB8AC3E}">
-        <p14:creationId xmlns:p14="http://schemas.microsoft.com/office/powerpoint/2010/main" val="1385985593"/>
+        <p14:creationId xmlns:p14="http://schemas.microsoft.com/office/powerpoint/2010/main" val="3531447439"/>
       </p:ext>
     </p:extLst>
   </p:cSld>
@@ -6080,7 +6440,7 @@
             <a:fld id="{0DDD1723-F08C-BC4A-A158-087EDAF93B47}" type="datetimeFigureOut">
               <a:rPr lang="en-US"/>
               <a:pPr/>
-              <a:t>7/4/2017</a:t>
+              <a:t>7/14/2017</a:t>
             </a:fld>
             <a:endParaRPr lang="en-US"/>
           </a:p>
@@ -7005,7 +7365,7 @@
           <p:nvPr/>
         </p:nvPicPr>
         <p:blipFill>
-          <a:blip r:embed="rId2">
+          <a:blip r:embed="rId3">
             <a:extLst>
               <a:ext uri="{28A0092B-C50C-407E-A947-70E740481C1C}">
                 <a14:useLocalDpi xmlns:a14="http://schemas.microsoft.com/office/drawing/2010/main" val="0"/>
@@ -7046,7 +7406,7 @@
           <p:nvPr/>
         </p:nvPicPr>
         <p:blipFill>
-          <a:blip r:embed="rId3">
+          <a:blip r:embed="rId4">
             <a:extLst>
               <a:ext uri="{28A0092B-C50C-407E-A947-70E740481C1C}">
                 <a14:useLocalDpi xmlns:a14="http://schemas.microsoft.com/office/drawing/2010/main" val="0"/>
@@ -7532,15 +7892,7 @@
             </a:r>
             <a:r>
               <a:rPr lang="en-US" dirty="0"/>
-              <a:t>an</a:t>
-            </a:r>
-            <a:r>
-              <a:rPr lang="en-US" dirty="0"/>
-              <a:t> open source</a:t>
-            </a:r>
-            <a:r>
-              <a:rPr lang="en-US" dirty="0"/>
-              <a:t> </a:t>
+              <a:t>an open source </a:t>
             </a:r>
             <a:r>
               <a:rPr lang="en-US" b="1" dirty="0"/>
@@ -8940,68 +9292,68 @@
           <a:lstStyle/>
           <a:p>
             <a:r>
-              <a:rPr lang="en-US" b="1" dirty="0"/>
+              <a:rPr lang="en-US" sz="2000" b="1" dirty="0"/>
               <a:t>Request–response</a:t>
             </a:r>
             <a:r>
-              <a:rPr lang="en-US" dirty="0"/>
+              <a:rPr lang="en-US" sz="2000" dirty="0"/>
               <a:t> or </a:t>
             </a:r>
             <a:r>
-              <a:rPr lang="en-US" b="1" dirty="0"/>
+              <a:rPr lang="en-US" sz="2000" b="1" dirty="0"/>
               <a:t>R</a:t>
             </a:r>
             <a:r>
-              <a:rPr lang="en-US" b="1" dirty="0" smtClean="0"/>
+              <a:rPr lang="en-US" sz="2000" b="1" dirty="0" smtClean="0"/>
               <a:t>equest–reply</a:t>
             </a:r>
             <a:r>
-              <a:rPr lang="en-US" dirty="0"/>
+              <a:rPr lang="en-US" sz="2000" dirty="0"/>
               <a:t> is one of the basic methods computers use to communicate to each other. </a:t>
             </a:r>
-            <a:endParaRPr lang="en-US" dirty="0" smtClean="0"/>
-          </a:p>
-          <a:p>
-            <a:endParaRPr lang="en-US" dirty="0"/>
-          </a:p>
-          <a:p>
-            <a:r>
-              <a:rPr lang="en-US" dirty="0" smtClean="0"/>
+            <a:endParaRPr lang="en-US" sz="2000" dirty="0" smtClean="0"/>
+          </a:p>
+          <a:p>
+            <a:endParaRPr lang="en-US" sz="2000" dirty="0"/>
+          </a:p>
+          <a:p>
+            <a:r>
+              <a:rPr lang="en-US" sz="2000" dirty="0" smtClean="0"/>
               <a:t>When </a:t>
             </a:r>
             <a:r>
-              <a:rPr lang="en-US" dirty="0"/>
+              <a:rPr lang="en-US" sz="2000" dirty="0"/>
               <a:t>using request–response, the first computer sends a request for some data and the second computer responds to the request. </a:t>
             </a:r>
-            <a:endParaRPr lang="en-US" dirty="0" smtClean="0"/>
-          </a:p>
-          <a:p>
-            <a:endParaRPr lang="en-US" dirty="0"/>
-          </a:p>
-          <a:p>
-            <a:r>
-              <a:rPr lang="en-US" dirty="0" smtClean="0"/>
+            <a:endParaRPr lang="en-US" sz="2000" dirty="0" smtClean="0"/>
+          </a:p>
+          <a:p>
+            <a:endParaRPr lang="en-US" sz="2000" dirty="0"/>
+          </a:p>
+          <a:p>
+            <a:r>
+              <a:rPr lang="en-US" sz="2000" dirty="0" smtClean="0"/>
               <a:t>Browsing </a:t>
             </a:r>
             <a:r>
-              <a:rPr lang="en-US" dirty="0"/>
+              <a:rPr lang="en-US" sz="2000" dirty="0"/>
               <a:t>a web page is an example of request–response communication. </a:t>
             </a:r>
-            <a:endParaRPr lang="en-US" dirty="0" smtClean="0"/>
-          </a:p>
-          <a:p>
-            <a:endParaRPr lang="en-US" dirty="0"/>
-          </a:p>
-          <a:p>
-            <a:r>
-              <a:rPr lang="en-US" dirty="0" smtClean="0"/>
+            <a:endParaRPr lang="en-US" sz="2000" dirty="0" smtClean="0"/>
+          </a:p>
+          <a:p>
+            <a:endParaRPr lang="en-US" sz="2000" dirty="0"/>
+          </a:p>
+          <a:p>
+            <a:r>
+              <a:rPr lang="en-US" sz="2000" dirty="0" smtClean="0"/>
               <a:t>One </a:t>
             </a:r>
             <a:r>
-              <a:rPr lang="en-US" dirty="0"/>
+              <a:rPr lang="en-US" sz="2000" dirty="0"/>
               <a:t>can think of request–response as being like a telephone call, where you call someone and they answer the call. </a:t>
             </a:r>
-            <a:endParaRPr lang="en-US" dirty="0" smtClean="0"/>
+            <a:endParaRPr lang="en-US" sz="2000" dirty="0" smtClean="0"/>
           </a:p>
           <a:p>
             <a:endParaRPr lang="en-US" dirty="0"/>
@@ -11496,7 +11848,7 @@
         </p:nvSpPr>
         <p:spPr>
           <a:xfrm>
-            <a:off x="720724" y="2009969"/>
+            <a:off x="720724" y="1792799"/>
             <a:ext cx="3552695" cy="3901732"/>
           </a:xfrm>
         </p:spPr>
@@ -11507,39 +11859,39 @@
           <a:lstStyle/>
           <a:p>
             <a:r>
-              <a:rPr lang="en-US" b="1" dirty="0" smtClean="0"/>
+              <a:rPr lang="en-US" sz="2000" b="1" dirty="0" smtClean="0"/>
               <a:t>HTTP Request key elements:</a:t>
             </a:r>
           </a:p>
           <a:p>
-            <a:endParaRPr lang="en-US" b="1" dirty="0" smtClean="0"/>
+            <a:endParaRPr lang="en-US" sz="2000" b="1" dirty="0" smtClean="0"/>
           </a:p>
           <a:p>
             <a:pPr lvl="1"/>
             <a:r>
-              <a:rPr lang="en-US" sz="1800" dirty="0" smtClean="0"/>
+              <a:rPr lang="en-US" sz="2000" dirty="0" smtClean="0"/>
               <a:t>HTTP method</a:t>
             </a:r>
           </a:p>
           <a:p>
             <a:pPr lvl="1"/>
-            <a:endParaRPr lang="en-US" sz="1800" dirty="0" smtClean="0"/>
+            <a:endParaRPr lang="en-US" sz="2000" dirty="0" smtClean="0"/>
           </a:p>
           <a:p>
             <a:pPr lvl="1"/>
             <a:r>
-              <a:rPr lang="en-US" sz="1800" dirty="0" smtClean="0"/>
+              <a:rPr lang="en-US" sz="2000" dirty="0" smtClean="0"/>
               <a:t>The page to access - URL</a:t>
             </a:r>
           </a:p>
           <a:p>
             <a:pPr lvl="1"/>
-            <a:endParaRPr lang="en-US" sz="1800" dirty="0" smtClean="0"/>
+            <a:endParaRPr lang="en-US" sz="2000" dirty="0" smtClean="0"/>
           </a:p>
           <a:p>
             <a:pPr lvl="1"/>
             <a:r>
-              <a:rPr lang="en-US" sz="1800" dirty="0" smtClean="0"/>
+              <a:rPr lang="en-US" sz="2000" dirty="0" smtClean="0"/>
               <a:t>Form parameters</a:t>
             </a:r>
           </a:p>
@@ -11555,7 +11907,7 @@
         </p:nvSpPr>
         <p:spPr>
           <a:xfrm>
-            <a:off x="4718761" y="2009970"/>
+            <a:off x="4718761" y="1609920"/>
             <a:ext cx="3718801" cy="3901732"/>
           </a:xfrm>
           <a:prstGeom prst="rect">
@@ -11714,42 +12066,42 @@
           </a:lstStyle>
           <a:p>
             <a:r>
-              <a:rPr lang="en-US" b="1" dirty="0" smtClean="0"/>
+              <a:rPr lang="en-US" sz="2000" b="1" dirty="0" smtClean="0"/>
               <a:t>HTTP Response key elements :</a:t>
             </a:r>
           </a:p>
           <a:p>
-            <a:endParaRPr lang="en-US" b="1" dirty="0" smtClean="0"/>
+            <a:endParaRPr lang="en-US" sz="2000" b="1" dirty="0" smtClean="0"/>
           </a:p>
           <a:p>
             <a:pPr lvl="1"/>
             <a:r>
-              <a:rPr lang="en-US" sz="1800" dirty="0" smtClean="0"/>
+              <a:rPr lang="en-US" sz="2000" dirty="0" smtClean="0"/>
               <a:t>Status code </a:t>
             </a:r>
           </a:p>
           <a:p>
             <a:pPr lvl="1"/>
-            <a:endParaRPr lang="en-US" sz="1800" dirty="0"/>
+            <a:endParaRPr lang="en-US" sz="2000" dirty="0"/>
           </a:p>
           <a:p>
             <a:pPr lvl="1"/>
             <a:r>
-              <a:rPr lang="en-US" sz="1800" dirty="0" smtClean="0"/>
+              <a:rPr lang="en-US" sz="2000" dirty="0" smtClean="0"/>
               <a:t>Context-type</a:t>
             </a:r>
           </a:p>
           <a:p>
             <a:pPr lvl="1"/>
-            <a:endParaRPr lang="en-US" sz="1800" dirty="0"/>
+            <a:endParaRPr lang="en-US" sz="2000" dirty="0"/>
           </a:p>
           <a:p>
             <a:pPr lvl="1"/>
             <a:r>
-              <a:rPr lang="en-US" sz="1800" dirty="0" smtClean="0"/>
+              <a:rPr lang="en-US" sz="2000" dirty="0" smtClean="0"/>
               <a:t>The content</a:t>
             </a:r>
-            <a:endParaRPr lang="ro-RO" sz="1800" dirty="0"/>
+            <a:endParaRPr lang="ro-RO" sz="2000" dirty="0"/>
           </a:p>
         </p:txBody>
       </p:sp>
@@ -11953,129 +12305,129 @@
           <a:lstStyle/>
           <a:p>
             <a:r>
-              <a:rPr lang="en-US" b="1" dirty="0" smtClean="0"/>
+              <a:rPr lang="en-US" sz="2000" b="1" dirty="0" smtClean="0"/>
               <a:t>HTTP </a:t>
             </a:r>
             <a:r>
-              <a:rPr lang="en-US" dirty="0" smtClean="0"/>
+              <a:rPr lang="en-US" sz="2000" dirty="0" smtClean="0"/>
               <a:t>– Hypertext Transfer Protocol</a:t>
             </a:r>
           </a:p>
           <a:p>
             <a:pPr lvl="1"/>
             <a:r>
-              <a:rPr lang="en-US" sz="1800" dirty="0"/>
+              <a:rPr lang="en-US" sz="2000" dirty="0"/>
               <a:t>is an application protocol for distributed, collaborative, information </a:t>
             </a:r>
             <a:r>
-              <a:rPr lang="en-US" sz="1800" dirty="0" smtClean="0"/>
+              <a:rPr lang="en-US" sz="2000" dirty="0" smtClean="0"/>
               <a:t>systems</a:t>
             </a:r>
           </a:p>
           <a:p>
             <a:pPr lvl="1"/>
             <a:r>
-              <a:rPr lang="en-US" sz="1800" dirty="0" smtClean="0"/>
+              <a:rPr lang="en-US" sz="2000" dirty="0" smtClean="0"/>
               <a:t>is </a:t>
             </a:r>
             <a:r>
-              <a:rPr lang="en-US" sz="1800" dirty="0"/>
+              <a:rPr lang="en-US" sz="2000" dirty="0"/>
               <a:t>the foundation of data communications for </a:t>
             </a:r>
             <a:r>
-              <a:rPr lang="en-US" sz="1800" dirty="0" smtClean="0"/>
+              <a:rPr lang="en-US" sz="2000" dirty="0" smtClean="0"/>
               <a:t>www</a:t>
             </a:r>
           </a:p>
           <a:p>
             <a:pPr lvl="1"/>
             <a:r>
-              <a:rPr lang="en-US" sz="1800" dirty="0"/>
+              <a:rPr lang="en-US" sz="2000" dirty="0"/>
               <a:t>functions as a </a:t>
             </a:r>
             <a:r>
-              <a:rPr lang="en-US" sz="1800" dirty="0" smtClean="0"/>
+              <a:rPr lang="en-US" sz="2000" dirty="0" smtClean="0"/>
               <a:t>request - response</a:t>
             </a:r>
             <a:r>
-              <a:rPr lang="en-US" sz="1800" dirty="0"/>
+              <a:rPr lang="en-US" sz="2000" dirty="0"/>
               <a:t> protocol in the </a:t>
             </a:r>
             <a:r>
-              <a:rPr lang="en-US" sz="1800" dirty="0" smtClean="0"/>
+              <a:rPr lang="en-US" sz="2000" dirty="0" smtClean="0"/>
               <a:t>client - server</a:t>
             </a:r>
             <a:r>
-              <a:rPr lang="en-US" sz="1800" dirty="0"/>
+              <a:rPr lang="en-US" sz="2000" dirty="0"/>
               <a:t> computing </a:t>
             </a:r>
             <a:r>
-              <a:rPr lang="en-US" sz="1800" dirty="0" smtClean="0"/>
+              <a:rPr lang="en-US" sz="2000" dirty="0" smtClean="0"/>
               <a:t>model</a:t>
             </a:r>
           </a:p>
           <a:p>
             <a:pPr lvl="1"/>
-            <a:endParaRPr lang="en-US" sz="1800" b="1" dirty="0" smtClean="0"/>
-          </a:p>
-          <a:p>
-            <a:r>
-              <a:rPr lang="en-US" b="1" dirty="0" smtClean="0"/>
+            <a:endParaRPr lang="en-US" sz="2000" b="1" dirty="0" smtClean="0"/>
+          </a:p>
+          <a:p>
+            <a:r>
+              <a:rPr lang="en-US" sz="2000" b="1" dirty="0" smtClean="0"/>
               <a:t>URL </a:t>
             </a:r>
             <a:r>
-              <a:rPr lang="en-US" dirty="0" smtClean="0"/>
+              <a:rPr lang="en-US" sz="2000" dirty="0" smtClean="0"/>
               <a:t>–</a:t>
             </a:r>
             <a:r>
-              <a:rPr lang="en-US" b="1" dirty="0" smtClean="0"/>
+              <a:rPr lang="en-US" sz="2000" b="1" dirty="0" smtClean="0"/>
               <a:t> </a:t>
             </a:r>
             <a:r>
-              <a:rPr lang="en-US" dirty="0" smtClean="0"/>
+              <a:rPr lang="en-US" sz="2000" dirty="0" smtClean="0"/>
               <a:t>Uniform </a:t>
             </a:r>
             <a:r>
-              <a:rPr lang="en-US" dirty="0"/>
+              <a:rPr lang="en-US" sz="2000" dirty="0"/>
               <a:t>R</a:t>
             </a:r>
             <a:r>
-              <a:rPr lang="en-US" dirty="0" smtClean="0"/>
+              <a:rPr lang="en-US" sz="2000" dirty="0" smtClean="0"/>
               <a:t>esource Locator</a:t>
             </a:r>
           </a:p>
           <a:p>
             <a:pPr lvl="1"/>
             <a:r>
-              <a:rPr lang="en-US" sz="1800" dirty="0"/>
+              <a:rPr lang="en-US" sz="2000" dirty="0"/>
               <a:t>is a specific character string that constitutes a reference to a </a:t>
             </a:r>
             <a:r>
-              <a:rPr lang="en-US" sz="1800" dirty="0" smtClean="0"/>
+              <a:rPr lang="en-US" sz="2000" dirty="0" smtClean="0"/>
               <a:t>resource</a:t>
             </a:r>
           </a:p>
           <a:p>
             <a:pPr lvl="1"/>
-            <a:endParaRPr lang="en-US" sz="1800" dirty="0"/>
-          </a:p>
-          <a:p>
-            <a:r>
-              <a:rPr lang="en-US" b="1" dirty="0" smtClean="0"/>
+            <a:endParaRPr lang="en-US" sz="2000" dirty="0"/>
+          </a:p>
+          <a:p>
+            <a:r>
+              <a:rPr lang="en-US" sz="2000" b="1" dirty="0" smtClean="0"/>
               <a:t>Form Parameters </a:t>
             </a:r>
           </a:p>
           <a:p>
             <a:pPr lvl="1"/>
             <a:r>
-              <a:rPr lang="en-US" sz="1800" dirty="0"/>
+              <a:rPr lang="en-US" sz="2000" dirty="0"/>
               <a:t>r</a:t>
             </a:r>
             <a:r>
-              <a:rPr lang="en-US" sz="1800" dirty="0" smtClean="0"/>
+              <a:rPr lang="en-US" sz="2000" dirty="0" smtClean="0"/>
               <a:t>epresent values that are sent with the request</a:t>
             </a:r>
-            <a:endParaRPr lang="en-US" sz="1800" b="1" dirty="0" smtClean="0"/>
+            <a:endParaRPr lang="en-US" sz="2000" b="1" dirty="0" smtClean="0"/>
           </a:p>
           <a:p>
             <a:endParaRPr lang="en-US" dirty="0"/>
@@ -12210,7 +12562,9 @@
         </p:nvSpPr>
         <p:spPr/>
         <p:txBody>
-          <a:bodyPr/>
+          <a:bodyPr>
+            <a:normAutofit/>
+          </a:bodyPr>
           <a:lstStyle/>
           <a:p>
             <a:pPr marL="285750" lvl="1">
@@ -12258,7 +12612,7 @@
               <a:buChar char="•"/>
             </a:pPr>
             <a:r>
-              <a:rPr lang="en-US" dirty="0" smtClean="0"/>
+              <a:rPr lang="en-US" sz="1800" dirty="0" smtClean="0"/>
               <a:t>1xx – Informational</a:t>
             </a:r>
           </a:p>
@@ -12268,7 +12622,7 @@
               <a:buChar char="•"/>
             </a:pPr>
             <a:r>
-              <a:rPr lang="en-US" dirty="0" smtClean="0"/>
+              <a:rPr lang="en-US" sz="1800" dirty="0" smtClean="0"/>
               <a:t>2xx – Success</a:t>
             </a:r>
           </a:p>
@@ -12278,7 +12632,7 @@
               <a:buChar char="•"/>
             </a:pPr>
             <a:r>
-              <a:rPr lang="en-US" dirty="0" smtClean="0"/>
+              <a:rPr lang="en-US" sz="1800" dirty="0" smtClean="0"/>
               <a:t>3xx – Redirection</a:t>
             </a:r>
           </a:p>
@@ -12288,7 +12642,7 @@
               <a:buChar char="•"/>
             </a:pPr>
             <a:r>
-              <a:rPr lang="en-US" dirty="0" smtClean="0"/>
+              <a:rPr lang="en-US" sz="1800" dirty="0" smtClean="0"/>
               <a:t>4xx – Client Error</a:t>
             </a:r>
           </a:p>
@@ -12298,7 +12652,7 @@
               <a:buChar char="•"/>
             </a:pPr>
             <a:r>
-              <a:rPr lang="en-US" dirty="0" smtClean="0"/>
+              <a:rPr lang="en-US" sz="1800" dirty="0" smtClean="0"/>
               <a:t>5xx – Server Error</a:t>
             </a:r>
           </a:p>
@@ -12307,7 +12661,7 @@
               <a:buFont typeface="Arial" panose="020B0604020202020204" pitchFamily="34" charset="0"/>
               <a:buChar char="•"/>
             </a:pPr>
-            <a:endParaRPr lang="en-US" dirty="0"/>
+            <a:endParaRPr lang="en-US" sz="1800" dirty="0"/>
           </a:p>
           <a:p>
             <a:pPr marL="285750" lvl="1">
@@ -12343,7 +12697,7 @@
               <a:buFont typeface="Arial" panose="020B0604020202020204" pitchFamily="34" charset="0"/>
               <a:buChar char="•"/>
             </a:pPr>
-            <a:endParaRPr lang="en-US" dirty="0"/>
+            <a:endParaRPr lang="en-US" sz="1800" dirty="0"/>
           </a:p>
           <a:p>
             <a:pPr marL="285750" lvl="1">
@@ -12502,7 +12856,12 @@
             <p:ph idx="1"/>
           </p:nvPr>
         </p:nvSpPr>
-        <p:spPr/>
+        <p:spPr>
+          <a:xfrm>
+            <a:off x="720724" y="1965960"/>
+            <a:ext cx="7704139" cy="4690169"/>
+          </a:xfrm>
+        </p:spPr>
         <p:txBody>
           <a:bodyPr>
             <a:normAutofit/>
@@ -12510,99 +12869,99 @@
           <a:lstStyle/>
           <a:p>
             <a:r>
-              <a:rPr lang="en-US" b="1" dirty="0"/>
+              <a:rPr lang="en-US" sz="2000" b="1" dirty="0"/>
               <a:t>T</a:t>
             </a:r>
             <a:r>
-              <a:rPr lang="en-US" b="1" dirty="0" smtClean="0"/>
+              <a:rPr lang="en-US" sz="2000" b="1" dirty="0" smtClean="0"/>
               <a:t>he </a:t>
             </a:r>
             <a:r>
-              <a:rPr lang="en-US" b="1" dirty="0"/>
+              <a:rPr lang="en-US" sz="2000" b="1" dirty="0"/>
               <a:t>most commonly </a:t>
             </a:r>
             <a:r>
-              <a:rPr lang="en-US" b="1" dirty="0" smtClean="0"/>
+              <a:rPr lang="en-US" sz="2000" b="1" dirty="0" smtClean="0"/>
               <a:t>used are </a:t>
             </a:r>
             <a:r>
-              <a:rPr lang="en-US" dirty="0" smtClean="0"/>
+              <a:rPr lang="en-US" sz="2000" dirty="0" smtClean="0"/>
               <a:t>: </a:t>
             </a:r>
           </a:p>
           <a:p>
-            <a:endParaRPr lang="en-US" dirty="0" smtClean="0"/>
+            <a:endParaRPr lang="en-US" sz="2000" dirty="0" smtClean="0"/>
           </a:p>
           <a:p>
             <a:pPr lvl="1"/>
             <a:r>
-              <a:rPr lang="en-US" sz="1800" b="1" dirty="0" smtClean="0"/>
+              <a:rPr lang="en-US" sz="2000" b="1" dirty="0" smtClean="0"/>
               <a:t>GET - </a:t>
             </a:r>
             <a:r>
-              <a:rPr lang="en-US" sz="1800" dirty="0"/>
+              <a:rPr lang="en-US" sz="2000" dirty="0"/>
               <a:t>R</a:t>
             </a:r>
             <a:r>
-              <a:rPr lang="en-US" sz="1800" dirty="0" smtClean="0"/>
+              <a:rPr lang="en-US" sz="2000" dirty="0" smtClean="0"/>
               <a:t>equest </a:t>
             </a:r>
             <a:r>
-              <a:rPr lang="en-US" sz="1800" dirty="0"/>
+              <a:rPr lang="en-US" sz="2000" dirty="0"/>
               <a:t>to retrieve a resource such as an HTML file or an image file</a:t>
             </a:r>
             <a:r>
-              <a:rPr lang="en-US" sz="1800" dirty="0" smtClean="0"/>
+              <a:rPr lang="en-US" sz="2000" dirty="0" smtClean="0"/>
               <a:t>.</a:t>
             </a:r>
           </a:p>
           <a:p>
             <a:pPr lvl="1"/>
-            <a:endParaRPr lang="en-US" sz="1800" dirty="0" smtClean="0"/>
+            <a:endParaRPr lang="en-US" sz="2000" dirty="0" smtClean="0"/>
           </a:p>
           <a:p>
             <a:pPr lvl="1"/>
             <a:r>
-              <a:rPr lang="en-US" sz="1800" b="1" dirty="0" smtClean="0"/>
+              <a:rPr lang="en-US" sz="2000" b="1" dirty="0" smtClean="0"/>
               <a:t>POST - </a:t>
             </a:r>
             <a:r>
-              <a:rPr lang="en-US" sz="1800" dirty="0"/>
+              <a:rPr lang="en-US" sz="2000" dirty="0"/>
               <a:t>Request for the server to accept the data being sent from the client to insert new server data. </a:t>
             </a:r>
-            <a:endParaRPr lang="en-US" sz="1800" dirty="0" smtClean="0"/>
+            <a:endParaRPr lang="en-US" sz="2000" dirty="0" smtClean="0"/>
           </a:p>
           <a:p>
             <a:pPr lvl="1"/>
-            <a:endParaRPr lang="en-US" sz="1800" b="1" dirty="0" smtClean="0"/>
+            <a:endParaRPr lang="en-US" sz="2000" b="1" dirty="0" smtClean="0"/>
           </a:p>
           <a:p>
             <a:pPr lvl="1"/>
             <a:r>
-              <a:rPr lang="en-US" sz="1800" b="1" dirty="0" smtClean="0"/>
+              <a:rPr lang="en-US" sz="2000" b="1" dirty="0" smtClean="0"/>
               <a:t>PUT - </a:t>
             </a:r>
             <a:r>
-              <a:rPr lang="en-US" sz="1800" dirty="0"/>
+              <a:rPr lang="en-US" sz="2000" dirty="0"/>
               <a:t>Request for the server to accept the data being sent from the client to modify existing server data. </a:t>
             </a:r>
-            <a:endParaRPr lang="en-US" sz="1800" dirty="0" smtClean="0"/>
+            <a:endParaRPr lang="en-US" sz="2000" dirty="0" smtClean="0"/>
           </a:p>
           <a:p>
             <a:pPr lvl="1"/>
-            <a:endParaRPr lang="en-US" sz="1800" dirty="0"/>
+            <a:endParaRPr lang="en-US" sz="2000" dirty="0"/>
           </a:p>
           <a:p>
             <a:pPr lvl="1"/>
             <a:r>
-              <a:rPr lang="en-US" sz="1800" b="1" dirty="0" smtClean="0"/>
+              <a:rPr lang="en-US" sz="2000" b="1" dirty="0" smtClean="0"/>
               <a:t>DELETE - </a:t>
             </a:r>
             <a:r>
-              <a:rPr lang="en-US" sz="1800" dirty="0"/>
+              <a:rPr lang="en-US" sz="2000" dirty="0"/>
               <a:t>Request for the server to delete a specific resource. </a:t>
             </a:r>
-            <a:endParaRPr lang="en-US" sz="1800" b="1" dirty="0" smtClean="0"/>
+            <a:endParaRPr lang="en-US" sz="2000" b="1" dirty="0" smtClean="0"/>
           </a:p>
           <a:p>
             <a:endParaRPr lang="en-US" b="1" dirty="0" smtClean="0"/>
@@ -12764,19 +13123,19 @@
           <a:p>
             <a:pPr lvl="1"/>
             <a:r>
-              <a:rPr lang="en-US" dirty="0" smtClean="0"/>
+              <a:rPr lang="en-US" sz="1800" dirty="0" smtClean="0"/>
               <a:t>The client </a:t>
             </a:r>
             <a:r>
-              <a:rPr lang="en-US" dirty="0"/>
+              <a:rPr lang="en-US" sz="1800" dirty="0"/>
               <a:t>data is transmitted to server in URL as query strings(</a:t>
             </a:r>
             <a:r>
-              <a:rPr lang="ro-RO" b="1" dirty="0"/>
+              <a:rPr lang="ro-RO" sz="1800" b="1" dirty="0"/>
               <a:t>name/value pairs</a:t>
             </a:r>
             <a:r>
-              <a:rPr lang="en-US" dirty="0" smtClean="0"/>
+              <a:rPr lang="en-US" sz="1800" dirty="0" smtClean="0"/>
               <a:t>)</a:t>
             </a:r>
           </a:p>
@@ -12786,18 +13145,18 @@
           <a:p>
             <a:pPr lvl="1"/>
             <a:r>
-              <a:rPr lang="en-US" b="1" dirty="0" err="1" smtClean="0"/>
+              <a:rPr lang="en-US" sz="1800" b="1" dirty="0" err="1" smtClean="0"/>
               <a:t>QueryString</a:t>
             </a:r>
             <a:r>
-              <a:rPr lang="en-US" b="1" dirty="0" smtClean="0"/>
+              <a:rPr lang="en-US" sz="1800" b="1" dirty="0" smtClean="0"/>
               <a:t> </a:t>
             </a:r>
             <a:r>
-              <a:rPr lang="en-US" dirty="0" smtClean="0"/>
+              <a:rPr lang="en-US" sz="1800" dirty="0" smtClean="0"/>
               <a:t>is the part from URL that proceed “?” character</a:t>
             </a:r>
-            <a:endParaRPr lang="en-US" b="1" dirty="0" smtClean="0"/>
+            <a:endParaRPr lang="en-US" sz="1800" b="1" dirty="0" smtClean="0"/>
           </a:p>
           <a:p>
             <a:endParaRPr lang="en-US" b="1" dirty="0"/>
@@ -12805,36 +13164,36 @@
           <a:p>
             <a:pPr lvl="1" algn="l"/>
             <a:r>
-              <a:rPr lang="en-US" b="1" dirty="0" smtClean="0"/>
+              <a:rPr lang="en-US" sz="1800" b="1" dirty="0" smtClean="0"/>
               <a:t>GET </a:t>
             </a:r>
             <a:r>
-              <a:rPr lang="en-US" dirty="0" smtClean="0"/>
+              <a:rPr lang="en-US" sz="1800" dirty="0" smtClean="0"/>
               <a:t>example : URL -&gt; …</a:t>
             </a:r>
             <a:r>
-              <a:rPr lang="ro-RO" dirty="0" smtClean="0"/>
+              <a:rPr lang="ro-RO" sz="1800" dirty="0" smtClean="0"/>
               <a:t>/test/demo_form.</a:t>
             </a:r>
             <a:r>
-              <a:rPr lang="en-US" dirty="0" err="1" smtClean="0"/>
+              <a:rPr lang="en-US" sz="1800" dirty="0" err="1" smtClean="0"/>
               <a:t>jsp</a:t>
             </a:r>
             <a:r>
-              <a:rPr lang="ro-RO" b="1" dirty="0" smtClean="0"/>
+              <a:rPr lang="ro-RO" sz="1800" b="1" dirty="0" smtClean="0"/>
               <a:t>?name1=value1&amp;name2=value2</a:t>
             </a:r>
-            <a:endParaRPr lang="en-US" b="1" dirty="0"/>
+            <a:endParaRPr lang="en-US" sz="1800" b="1" dirty="0"/>
           </a:p>
           <a:p>
             <a:pPr marL="457200" lvl="1" indent="0" algn="l">
               <a:buNone/>
             </a:pPr>
             <a:r>
-              <a:rPr lang="en-US" b="1" dirty="0" smtClean="0"/>
+              <a:rPr lang="en-US" sz="1800" b="1" dirty="0" smtClean="0"/>
               <a:t>                              </a:t>
             </a:r>
-            <a:endParaRPr lang="en-US" dirty="0" smtClean="0"/>
+            <a:endParaRPr lang="en-US" sz="1800" dirty="0" smtClean="0"/>
           </a:p>
           <a:p>
             <a:pPr algn="l"/>
@@ -12851,7 +13210,7 @@
           <a:p>
             <a:pPr lvl="1" algn="l"/>
             <a:r>
-              <a:rPr lang="en-US" dirty="0" smtClean="0"/>
+              <a:rPr lang="en-US" sz="1800" dirty="0" smtClean="0"/>
               <a:t>Submits data to be processed to a specified resource</a:t>
             </a:r>
           </a:p>
@@ -12862,15 +13221,15 @@
           <a:p>
             <a:pPr lvl="1" algn="l"/>
             <a:r>
-              <a:rPr lang="en-US" dirty="0" smtClean="0"/>
+              <a:rPr lang="en-US" sz="1800" dirty="0" smtClean="0"/>
               <a:t>Using </a:t>
             </a:r>
             <a:r>
-              <a:rPr lang="en-US" b="1" dirty="0" smtClean="0"/>
+              <a:rPr lang="en-US" sz="1800" b="1" dirty="0" smtClean="0"/>
               <a:t>POST</a:t>
             </a:r>
             <a:r>
-              <a:rPr lang="en-US" dirty="0" smtClean="0"/>
+              <a:rPr lang="en-US" sz="1800" dirty="0" smtClean="0"/>
               <a:t> data is transmitted to server in request body</a:t>
             </a:r>
           </a:p>
@@ -12881,36 +13240,36 @@
           <a:p>
             <a:pPr lvl="1" algn="l"/>
             <a:r>
-              <a:rPr lang="en-US" b="1" dirty="0" smtClean="0"/>
+              <a:rPr lang="en-US" sz="1800" b="1" dirty="0" smtClean="0"/>
               <a:t>POST </a:t>
             </a:r>
             <a:r>
-              <a:rPr lang="en-US" dirty="0" smtClean="0"/>
+              <a:rPr lang="en-US" sz="1800" dirty="0" smtClean="0"/>
               <a:t> example : URL -&gt;  …/test/</a:t>
             </a:r>
             <a:r>
-              <a:rPr lang="en-US" dirty="0" err="1" smtClean="0"/>
+              <a:rPr lang="en-US" sz="1800" dirty="0" err="1" smtClean="0"/>
               <a:t>demo_form.jsp</a:t>
             </a:r>
             <a:r>
-              <a:rPr lang="en-US" dirty="0" smtClean="0"/>
+              <a:rPr lang="en-US" sz="1800" dirty="0" smtClean="0"/>
               <a:t> HTTP/1.1</a:t>
             </a:r>
-            <a:endParaRPr lang="en-US" dirty="0"/>
+            <a:endParaRPr lang="en-US" sz="1800" dirty="0"/>
           </a:p>
           <a:p>
             <a:pPr marL="457200" lvl="1" indent="0" algn="l">
               <a:buNone/>
             </a:pPr>
             <a:r>
-              <a:rPr lang="en-US" dirty="0" smtClean="0"/>
+              <a:rPr lang="en-US" sz="1800" dirty="0" smtClean="0"/>
               <a:t>                                 Body -&gt; </a:t>
             </a:r>
             <a:r>
-              <a:rPr lang="en-US" b="1" dirty="0" smtClean="0"/>
+              <a:rPr lang="en-US" sz="1800" b="1" dirty="0" smtClean="0"/>
               <a:t>name1=value1&amp;name2=value2</a:t>
             </a:r>
-            <a:endParaRPr lang="ro-RO" dirty="0"/>
+            <a:endParaRPr lang="ro-RO" sz="1800" dirty="0"/>
           </a:p>
         </p:txBody>
       </p:sp>
@@ -15184,7 +15543,12 @@
             <p:ph idx="1"/>
           </p:nvPr>
         </p:nvSpPr>
-        <p:spPr/>
+        <p:spPr>
+          <a:xfrm>
+            <a:off x="720724" y="1748790"/>
+            <a:ext cx="7704139" cy="4690169"/>
+          </a:xfrm>
+        </p:spPr>
         <p:txBody>
           <a:bodyPr>
             <a:normAutofit/>
@@ -15192,133 +15556,133 @@
           <a:lstStyle/>
           <a:p>
             <a:r>
-              <a:rPr lang="en-US" dirty="0"/>
+              <a:rPr lang="en-US" sz="2000" dirty="0"/>
               <a:t>The </a:t>
             </a:r>
             <a:r>
-              <a:rPr lang="en-US" b="1" dirty="0"/>
+              <a:rPr lang="en-US" sz="2000" b="1" dirty="0"/>
               <a:t>servlet</a:t>
             </a:r>
             <a:r>
-              <a:rPr lang="en-US" dirty="0"/>
+              <a:rPr lang="en-US" sz="2000" dirty="0"/>
               <a:t> is a Java programming language </a:t>
             </a:r>
             <a:r>
-              <a:rPr lang="en-US" b="1" dirty="0"/>
+              <a:rPr lang="en-US" sz="2000" b="1" dirty="0"/>
               <a:t>class</a:t>
             </a:r>
             <a:r>
-              <a:rPr lang="en-US" dirty="0"/>
+              <a:rPr lang="en-US" sz="2000" dirty="0"/>
               <a:t> used to extend the capabilities of a </a:t>
             </a:r>
             <a:r>
-              <a:rPr lang="en-US" b="1" dirty="0"/>
+              <a:rPr lang="en-US" sz="2000" b="1" dirty="0"/>
               <a:t>server</a:t>
             </a:r>
             <a:r>
-              <a:rPr lang="en-US" dirty="0"/>
+              <a:rPr lang="en-US" sz="2000" dirty="0"/>
               <a:t>. </a:t>
             </a:r>
-            <a:endParaRPr lang="en-US" dirty="0" smtClean="0"/>
-          </a:p>
-          <a:p>
-            <a:endParaRPr lang="en-US" dirty="0"/>
-          </a:p>
-          <a:p>
-            <a:r>
-              <a:rPr lang="en-US" b="1" dirty="0" smtClean="0"/>
+            <a:endParaRPr lang="en-US" sz="2000" dirty="0" smtClean="0"/>
+          </a:p>
+          <a:p>
+            <a:endParaRPr lang="en-US" sz="2000" dirty="0"/>
+          </a:p>
+          <a:p>
+            <a:r>
+              <a:rPr lang="en-US" sz="2000" b="1" dirty="0" smtClean="0"/>
               <a:t>Servlets</a:t>
             </a:r>
             <a:r>
-              <a:rPr lang="en-US" dirty="0" smtClean="0"/>
+              <a:rPr lang="en-US" sz="2000" dirty="0" smtClean="0"/>
               <a:t> </a:t>
             </a:r>
             <a:r>
-              <a:rPr lang="en-US" dirty="0"/>
+              <a:rPr lang="en-US" sz="2000" dirty="0"/>
               <a:t>can respond to any types of requests, they are commonly used to extend the applications hosted by web </a:t>
             </a:r>
             <a:r>
-              <a:rPr lang="en-US" dirty="0" smtClean="0"/>
+              <a:rPr lang="en-US" sz="2000" dirty="0" smtClean="0"/>
               <a:t>servers</a:t>
             </a:r>
           </a:p>
           <a:p>
-            <a:endParaRPr lang="en-US" dirty="0"/>
-          </a:p>
-          <a:p>
-            <a:r>
-              <a:rPr lang="en-US" dirty="0" smtClean="0"/>
+            <a:endParaRPr lang="en-US" sz="2000" dirty="0"/>
+          </a:p>
+          <a:p>
+            <a:r>
+              <a:rPr lang="en-US" sz="2000" dirty="0" smtClean="0"/>
               <a:t>A servlet is an </a:t>
             </a:r>
             <a:r>
-              <a:rPr lang="en-US" b="1" dirty="0" smtClean="0"/>
+              <a:rPr lang="en-US" sz="2000" b="1" dirty="0" smtClean="0"/>
               <a:t>object</a:t>
             </a:r>
             <a:r>
-              <a:rPr lang="en-US" dirty="0" smtClean="0"/>
+              <a:rPr lang="en-US" sz="2000" dirty="0" smtClean="0"/>
               <a:t> that receives </a:t>
             </a:r>
             <a:r>
-              <a:rPr lang="en-US" b="1" dirty="0" smtClean="0"/>
+              <a:rPr lang="en-US" sz="2000" b="1" dirty="0" smtClean="0"/>
               <a:t>request</a:t>
             </a:r>
             <a:r>
-              <a:rPr lang="en-US" dirty="0" smtClean="0"/>
+              <a:rPr lang="en-US" sz="2000" dirty="0" smtClean="0"/>
               <a:t> and generates </a:t>
             </a:r>
             <a:r>
-              <a:rPr lang="en-US" b="1" dirty="0" smtClean="0"/>
+              <a:rPr lang="en-US" sz="2000" b="1" dirty="0" smtClean="0"/>
               <a:t>response</a:t>
             </a:r>
             <a:r>
-              <a:rPr lang="en-US" dirty="0" smtClean="0"/>
+              <a:rPr lang="en-US" sz="2000" dirty="0" smtClean="0"/>
               <a:t> based on that request</a:t>
             </a:r>
           </a:p>
           <a:p>
-            <a:endParaRPr lang="en-US" dirty="0"/>
-          </a:p>
-          <a:p>
-            <a:r>
-              <a:rPr lang="en-US" dirty="0" smtClean="0"/>
+            <a:endParaRPr lang="en-US" sz="2000" dirty="0"/>
+          </a:p>
+          <a:p>
+            <a:r>
+              <a:rPr lang="en-US" sz="2000" dirty="0" smtClean="0"/>
               <a:t>The servlet is an </a:t>
             </a:r>
             <a:r>
-              <a:rPr lang="en-US" b="1" dirty="0" smtClean="0"/>
+              <a:rPr lang="en-US" sz="2000" b="1" dirty="0" smtClean="0"/>
               <a:t>interface</a:t>
             </a:r>
             <a:r>
-              <a:rPr lang="en-US" dirty="0" smtClean="0"/>
+              <a:rPr lang="en-US" sz="2000" dirty="0" smtClean="0"/>
               <a:t> under the javax.servlet package from servlet API</a:t>
             </a:r>
-            <a:endParaRPr lang="en-US" dirty="0"/>
-          </a:p>
-          <a:p>
-            <a:endParaRPr lang="en-US" dirty="0" smtClean="0"/>
-          </a:p>
-          <a:p>
-            <a:r>
-              <a:rPr lang="en-US" dirty="0" smtClean="0"/>
+            <a:endParaRPr lang="en-US" sz="2000" dirty="0"/>
+          </a:p>
+          <a:p>
+            <a:endParaRPr lang="en-US" sz="2000" dirty="0" smtClean="0"/>
+          </a:p>
+          <a:p>
+            <a:r>
+              <a:rPr lang="en-US" sz="2000" dirty="0" smtClean="0"/>
               <a:t>A common </a:t>
             </a:r>
             <a:r>
-              <a:rPr lang="en-US" dirty="0"/>
+              <a:rPr lang="en-US" sz="2000" dirty="0"/>
               <a:t>used implementation is </a:t>
             </a:r>
             <a:r>
-              <a:rPr lang="en-US" dirty="0" smtClean="0"/>
+              <a:rPr lang="en-US" sz="2000" dirty="0" smtClean="0"/>
               <a:t>javax.servlet.http.HttpServlet</a:t>
             </a:r>
           </a:p>
           <a:p>
-            <a:endParaRPr lang="en-US" dirty="0"/>
-          </a:p>
-          <a:p>
-            <a:r>
-              <a:rPr lang="en-US" dirty="0" smtClean="0"/>
+            <a:endParaRPr lang="en-US" sz="2000" dirty="0"/>
+          </a:p>
+          <a:p>
+            <a:r>
+              <a:rPr lang="en-US" sz="2000" dirty="0" smtClean="0"/>
               <a:t>You could extends this class to implement your own servlet </a:t>
             </a:r>
-            <a:endParaRPr lang="en-US" dirty="0"/>
+            <a:endParaRPr lang="en-US" sz="2000" dirty="0"/>
           </a:p>
           <a:p>
             <a:endParaRPr lang="ro-RO" b="1" dirty="0"/>
@@ -15404,7 +15768,7 @@
         </p:nvSpPr>
         <p:spPr>
           <a:xfrm>
-            <a:off x="1052453" y="766826"/>
+            <a:off x="1052453" y="779619"/>
             <a:ext cx="3419794" cy="593092"/>
           </a:xfrm>
         </p:spPr>
@@ -15468,16 +15832,18 @@
         </p:nvSpPr>
         <p:spPr>
           <a:xfrm>
-            <a:off x="704099" y="1266103"/>
+            <a:off x="704099" y="1402773"/>
             <a:ext cx="7704139" cy="893618"/>
           </a:xfrm>
         </p:spPr>
         <p:txBody>
-          <a:bodyPr/>
+          <a:bodyPr>
+            <a:normAutofit/>
+          </a:bodyPr>
           <a:lstStyle/>
           <a:p>
             <a:r>
-              <a:rPr lang="en-US" dirty="0"/>
+              <a:rPr lang="en-US" sz="2000" dirty="0"/>
               <a:t>The Servlet lifecycle is simple, there is only one main state – “Initialized”.</a:t>
             </a:r>
           </a:p>
@@ -16074,12 +16440,8 @@
           <a:p>
             <a:pPr eaLnBrk="1" hangingPunct="1"/>
             <a:r>
-              <a:rPr lang="en-US" altLang="en-US" dirty="0" err="1"/>
-              <a:t>init</a:t>
-            </a:r>
-            <a:r>
               <a:rPr lang="en-US" altLang="en-US" dirty="0"/>
-              <a:t>()</a:t>
+              <a:t>init()</a:t>
             </a:r>
           </a:p>
         </p:txBody>
@@ -16508,482 +16870,6 @@
           <a:chExt cx="0" cy="0"/>
         </a:xfrm>
       </p:grpSpPr>
-      <p:sp>
-        <p:nvSpPr>
-          <p:cNvPr id="3" name="Content Placeholder 2"/>
-          <p:cNvSpPr>
-            <a:spLocks noGrp="1"/>
-          </p:cNvSpPr>
-          <p:nvPr>
-            <p:ph idx="1"/>
-          </p:nvPr>
-        </p:nvSpPr>
-        <p:spPr/>
-        <p:txBody>
-          <a:bodyPr/>
-          <a:lstStyle/>
-          <a:p>
-            <a:pPr eaLnBrk="0" hangingPunct="0">
-              <a:lnSpc>
-                <a:spcPct val="90000"/>
-              </a:lnSpc>
-              <a:buClr>
-                <a:schemeClr val="tx2"/>
-              </a:buClr>
-              <a:buSzPct val="75000"/>
-              <a:buFont typeface="Monotype Sorts" pitchFamily="2" charset="2"/>
-              <a:buNone/>
-            </a:pPr>
-            <a:r>
-              <a:rPr lang="en-US" altLang="zh-CN" sz="2000" dirty="0">
-                <a:latin typeface="Arial" panose="020B0604020202020204" pitchFamily="34" charset="0"/>
-                <a:ea typeface="SimSun" panose="02010600030101010101" pitchFamily="2" charset="-122"/>
-              </a:rPr>
-              <a:t>The server will automatically </a:t>
-            </a:r>
-            <a:r>
-              <a:rPr lang="en-US" altLang="zh-CN" sz="2000" dirty="0" smtClean="0">
-                <a:latin typeface="Arial" panose="020B0604020202020204" pitchFamily="34" charset="0"/>
-                <a:ea typeface="SimSun" panose="02010600030101010101" pitchFamily="2" charset="-122"/>
-              </a:rPr>
-              <a:t>call:</a:t>
-            </a:r>
-            <a:endParaRPr lang="en-US" altLang="zh-CN" sz="2000" dirty="0">
-              <a:latin typeface="Arial" panose="020B0604020202020204" pitchFamily="34" charset="0"/>
-              <a:ea typeface="SimSun" panose="02010600030101010101" pitchFamily="2" charset="-122"/>
-            </a:endParaRPr>
-          </a:p>
-          <a:p>
-            <a:pPr eaLnBrk="0" hangingPunct="0">
-              <a:lnSpc>
-                <a:spcPct val="90000"/>
-              </a:lnSpc>
-              <a:buClr>
-                <a:schemeClr val="tx2"/>
-              </a:buClr>
-              <a:buSzPct val="75000"/>
-              <a:buFont typeface="Monotype Sorts" pitchFamily="2" charset="2"/>
-              <a:buChar char="l"/>
-            </a:pPr>
-            <a:r>
-              <a:rPr lang="en-US" altLang="zh-CN" sz="2000" b="1" dirty="0">
-                <a:solidFill>
-                  <a:schemeClr val="tx2"/>
-                </a:solidFill>
-                <a:latin typeface="Courier New" panose="02070309020205020404" pitchFamily="49" charset="0"/>
-                <a:ea typeface="SimSun" panose="02010600030101010101" pitchFamily="2" charset="-122"/>
-              </a:rPr>
-              <a:t>public void </a:t>
-            </a:r>
-            <a:r>
-              <a:rPr lang="en-US" altLang="zh-CN" sz="2000" b="1" dirty="0" err="1">
-                <a:solidFill>
-                  <a:schemeClr val="tx2"/>
-                </a:solidFill>
-                <a:latin typeface="Courier New" panose="02070309020205020404" pitchFamily="49" charset="0"/>
-                <a:ea typeface="SimSun" panose="02010600030101010101" pitchFamily="2" charset="-122"/>
-              </a:rPr>
-              <a:t>init</a:t>
-            </a:r>
-            <a:r>
-              <a:rPr lang="en-US" altLang="zh-CN" sz="2000" b="1" dirty="0">
-                <a:solidFill>
-                  <a:schemeClr val="tx2"/>
-                </a:solidFill>
-                <a:latin typeface="Courier New" panose="02070309020205020404" pitchFamily="49" charset="0"/>
-                <a:ea typeface="SimSun" panose="02010600030101010101" pitchFamily="2" charset="-122"/>
-              </a:rPr>
-              <a:t>():</a:t>
-            </a:r>
-            <a:r>
-              <a:rPr lang="en-US" altLang="zh-CN" sz="2000" b="1" dirty="0">
-                <a:latin typeface="Arial" panose="020B0604020202020204" pitchFamily="34" charset="0"/>
-                <a:ea typeface="SimSun" panose="02010600030101010101" pitchFamily="2" charset="-122"/>
-              </a:rPr>
-              <a:t> </a:t>
-            </a:r>
-          </a:p>
-          <a:p>
-            <a:pPr lvl="1" eaLnBrk="0" hangingPunct="0">
-              <a:lnSpc>
-                <a:spcPct val="90000"/>
-              </a:lnSpc>
-              <a:buClr>
-                <a:schemeClr val="tx2"/>
-              </a:buClr>
-              <a:buSzPct val="75000"/>
-              <a:buFont typeface="Monotype Sorts" pitchFamily="2" charset="2"/>
-              <a:buChar char="l"/>
-            </a:pPr>
-            <a:r>
-              <a:rPr lang="en-US" altLang="zh-CN" sz="2000" b="1" dirty="0">
-                <a:latin typeface="Arial" panose="020B0604020202020204" pitchFamily="34" charset="0"/>
-                <a:ea typeface="SimSun" panose="02010600030101010101" pitchFamily="2" charset="-122"/>
-              </a:rPr>
-              <a:t>Called only once when </a:t>
-            </a:r>
-            <a:r>
-              <a:rPr lang="en-US" altLang="zh-CN" sz="2000" b="1" dirty="0" err="1">
-                <a:latin typeface="Arial" panose="020B0604020202020204" pitchFamily="34" charset="0"/>
-                <a:ea typeface="SimSun" panose="02010600030101010101" pitchFamily="2" charset="-122"/>
-              </a:rPr>
-              <a:t>serlvet</a:t>
-            </a:r>
-            <a:r>
-              <a:rPr lang="en-US" altLang="zh-CN" sz="2000" b="1" dirty="0">
-                <a:latin typeface="Arial" panose="020B0604020202020204" pitchFamily="34" charset="0"/>
-                <a:ea typeface="SimSun" panose="02010600030101010101" pitchFamily="2" charset="-122"/>
-              </a:rPr>
-              <a:t> is </a:t>
-            </a:r>
-            <a:r>
-              <a:rPr lang="en-US" altLang="zh-CN" sz="2000" b="1" dirty="0" smtClean="0">
-                <a:latin typeface="Arial" panose="020B0604020202020204" pitchFamily="34" charset="0"/>
-                <a:ea typeface="SimSun" panose="02010600030101010101" pitchFamily="2" charset="-122"/>
-              </a:rPr>
-              <a:t>being</a:t>
-            </a:r>
-          </a:p>
-          <a:p>
-            <a:pPr marL="457200" lvl="1" indent="0" eaLnBrk="0" hangingPunct="0">
-              <a:lnSpc>
-                <a:spcPct val="90000"/>
-              </a:lnSpc>
-              <a:buClr>
-                <a:schemeClr val="tx2"/>
-              </a:buClr>
-              <a:buSzPct val="75000"/>
-              <a:buNone/>
-            </a:pPr>
-            <a:r>
-              <a:rPr lang="en-US" altLang="zh-CN" sz="2000" b="1" dirty="0" smtClean="0">
-                <a:latin typeface="Arial" panose="020B0604020202020204" pitchFamily="34" charset="0"/>
-                <a:ea typeface="SimSun" panose="02010600030101010101" pitchFamily="2" charset="-122"/>
-              </a:rPr>
-              <a:t> </a:t>
-            </a:r>
-            <a:r>
-              <a:rPr lang="en-US" altLang="zh-CN" sz="2000" b="1" dirty="0">
-                <a:latin typeface="Arial" panose="020B0604020202020204" pitchFamily="34" charset="0"/>
-                <a:ea typeface="SimSun" panose="02010600030101010101" pitchFamily="2" charset="-122"/>
-              </a:rPr>
-              <a:t>created.  </a:t>
-            </a:r>
-          </a:p>
-          <a:p>
-            <a:pPr lvl="1" eaLnBrk="0" hangingPunct="0">
-              <a:lnSpc>
-                <a:spcPct val="90000"/>
-              </a:lnSpc>
-              <a:buClr>
-                <a:schemeClr val="tx2"/>
-              </a:buClr>
-              <a:buSzPct val="75000"/>
-              <a:buFont typeface="Monotype Sorts" pitchFamily="2" charset="2"/>
-              <a:buChar char="l"/>
-            </a:pPr>
-            <a:r>
-              <a:rPr lang="en-US" altLang="zh-CN" sz="2000" dirty="0">
-                <a:latin typeface="Arial" panose="020B0604020202020204" pitchFamily="34" charset="0"/>
-                <a:ea typeface="SimSun" panose="02010600030101010101" pitchFamily="2" charset="-122"/>
-              </a:rPr>
-              <a:t>Good place for set up, open Database, </a:t>
-            </a:r>
-            <a:endParaRPr lang="en-US" altLang="zh-CN" sz="2000" dirty="0" smtClean="0">
-              <a:latin typeface="Arial" panose="020B0604020202020204" pitchFamily="34" charset="0"/>
-              <a:ea typeface="SimSun" panose="02010600030101010101" pitchFamily="2" charset="-122"/>
-            </a:endParaRPr>
-          </a:p>
-          <a:p>
-            <a:pPr marL="457200" lvl="1" indent="0" eaLnBrk="0" hangingPunct="0">
-              <a:lnSpc>
-                <a:spcPct val="90000"/>
-              </a:lnSpc>
-              <a:buClr>
-                <a:schemeClr val="tx2"/>
-              </a:buClr>
-              <a:buSzPct val="75000"/>
-              <a:buNone/>
-            </a:pPr>
-            <a:r>
-              <a:rPr lang="en-US" altLang="zh-CN" sz="2000" dirty="0" smtClean="0">
-                <a:latin typeface="Arial" panose="020B0604020202020204" pitchFamily="34" charset="0"/>
-                <a:ea typeface="SimSun" panose="02010600030101010101" pitchFamily="2" charset="-122"/>
-              </a:rPr>
-              <a:t>etc</a:t>
-            </a:r>
-            <a:r>
-              <a:rPr lang="en-US" altLang="zh-CN" sz="2000" dirty="0">
-                <a:latin typeface="Arial" panose="020B0604020202020204" pitchFamily="34" charset="0"/>
-                <a:ea typeface="SimSun" panose="02010600030101010101" pitchFamily="2" charset="-122"/>
-              </a:rPr>
-              <a:t>.</a:t>
-            </a:r>
-          </a:p>
-          <a:p>
-            <a:pPr eaLnBrk="0" hangingPunct="0">
-              <a:lnSpc>
-                <a:spcPct val="90000"/>
-              </a:lnSpc>
-              <a:buClr>
-                <a:schemeClr val="tx2"/>
-              </a:buClr>
-              <a:buSzPct val="75000"/>
-              <a:buFont typeface="Monotype Sorts" pitchFamily="2" charset="2"/>
-              <a:buChar char="l"/>
-            </a:pPr>
-            <a:r>
-              <a:rPr lang="en-US" altLang="zh-CN" sz="2000" b="1" dirty="0">
-                <a:solidFill>
-                  <a:schemeClr val="tx2"/>
-                </a:solidFill>
-                <a:latin typeface="Courier New" panose="02070309020205020404" pitchFamily="49" charset="0"/>
-                <a:ea typeface="SimSun" panose="02010600030101010101" pitchFamily="2" charset="-122"/>
-              </a:rPr>
-              <a:t>public void service():</a:t>
-            </a:r>
-            <a:r>
-              <a:rPr lang="en-US" altLang="zh-CN" sz="2000" b="1" dirty="0">
-                <a:latin typeface="Arial" panose="020B0604020202020204" pitchFamily="34" charset="0"/>
-                <a:ea typeface="SimSun" panose="02010600030101010101" pitchFamily="2" charset="-122"/>
-              </a:rPr>
-              <a:t> </a:t>
-            </a:r>
-          </a:p>
-          <a:p>
-            <a:pPr lvl="1" eaLnBrk="0" hangingPunct="0">
-              <a:lnSpc>
-                <a:spcPct val="90000"/>
-              </a:lnSpc>
-              <a:buClr>
-                <a:schemeClr val="tx2"/>
-              </a:buClr>
-              <a:buSzPct val="75000"/>
-              <a:buFont typeface="Monotype Sorts" pitchFamily="2" charset="2"/>
-              <a:buChar char="l"/>
-            </a:pPr>
-            <a:r>
-              <a:rPr lang="en-US" altLang="zh-CN" sz="2000" b="1" dirty="0">
-                <a:latin typeface="Arial" panose="020B0604020202020204" pitchFamily="34" charset="0"/>
-                <a:ea typeface="SimSun" panose="02010600030101010101" pitchFamily="2" charset="-122"/>
-              </a:rPr>
-              <a:t>Called once for each request. </a:t>
-            </a:r>
-          </a:p>
-          <a:p>
-            <a:pPr lvl="1" eaLnBrk="0" hangingPunct="0">
-              <a:lnSpc>
-                <a:spcPct val="90000"/>
-              </a:lnSpc>
-              <a:buClr>
-                <a:schemeClr val="tx2"/>
-              </a:buClr>
-              <a:buSzPct val="75000"/>
-              <a:buFont typeface="Monotype Sorts" pitchFamily="2" charset="2"/>
-              <a:buChar char="l"/>
-            </a:pPr>
-            <a:r>
-              <a:rPr lang="en-US" altLang="zh-CN" sz="2000" dirty="0">
-                <a:latin typeface="Arial" panose="020B0604020202020204" pitchFamily="34" charset="0"/>
-                <a:ea typeface="SimSun" panose="02010600030101010101" pitchFamily="2" charset="-122"/>
-              </a:rPr>
-              <a:t>In</a:t>
-            </a:r>
-            <a:r>
-              <a:rPr lang="en-US" altLang="zh-CN" sz="2000" dirty="0">
-                <a:latin typeface="Courier New" panose="02070309020205020404" pitchFamily="49" charset="0"/>
-                <a:ea typeface="SimSun" panose="02010600030101010101" pitchFamily="2" charset="-122"/>
-              </a:rPr>
-              <a:t> HttpServlet</a:t>
-            </a:r>
-            <a:r>
-              <a:rPr lang="en-US" altLang="zh-CN" sz="2000" dirty="0">
-                <a:latin typeface="Arial" panose="020B0604020202020204" pitchFamily="34" charset="0"/>
-                <a:ea typeface="SimSun" panose="02010600030101010101" pitchFamily="2" charset="-122"/>
-              </a:rPr>
-              <a:t>, it delegates </a:t>
-            </a:r>
-            <a:endParaRPr lang="en-US" altLang="zh-CN" sz="2000" dirty="0" smtClean="0">
-              <a:latin typeface="Arial" panose="020B0604020202020204" pitchFamily="34" charset="0"/>
-              <a:ea typeface="SimSun" panose="02010600030101010101" pitchFamily="2" charset="-122"/>
-            </a:endParaRPr>
-          </a:p>
-          <a:p>
-            <a:pPr marL="457200" lvl="1" indent="0" eaLnBrk="0" hangingPunct="0">
-              <a:lnSpc>
-                <a:spcPct val="90000"/>
-              </a:lnSpc>
-              <a:buClr>
-                <a:schemeClr val="tx2"/>
-              </a:buClr>
-              <a:buSzPct val="75000"/>
-              <a:buNone/>
-            </a:pPr>
-            <a:r>
-              <a:rPr lang="en-US" altLang="zh-CN" sz="2000" dirty="0" smtClean="0">
-                <a:latin typeface="Arial" panose="020B0604020202020204" pitchFamily="34" charset="0"/>
-                <a:ea typeface="SimSun" panose="02010600030101010101" pitchFamily="2" charset="-122"/>
-              </a:rPr>
-              <a:t>requests </a:t>
-            </a:r>
-            <a:r>
-              <a:rPr lang="en-US" altLang="zh-CN" sz="2000" dirty="0">
-                <a:latin typeface="Arial" panose="020B0604020202020204" pitchFamily="34" charset="0"/>
-                <a:ea typeface="SimSun" panose="02010600030101010101" pitchFamily="2" charset="-122"/>
-              </a:rPr>
-              <a:t>to </a:t>
-            </a:r>
-            <a:r>
-              <a:rPr lang="en-US" altLang="zh-CN" sz="2000" dirty="0">
-                <a:latin typeface="Courier New" panose="02070309020205020404" pitchFamily="49" charset="0"/>
-                <a:ea typeface="SimSun" panose="02010600030101010101" pitchFamily="2" charset="-122"/>
-              </a:rPr>
-              <a:t>doGet</a:t>
-            </a:r>
-            <a:r>
-              <a:rPr lang="en-US" altLang="zh-CN" sz="2000" dirty="0">
-                <a:latin typeface="Arial" panose="020B0604020202020204" pitchFamily="34" charset="0"/>
-                <a:ea typeface="SimSun" panose="02010600030101010101" pitchFamily="2" charset="-122"/>
-              </a:rPr>
-              <a:t>, </a:t>
-            </a:r>
-            <a:r>
-              <a:rPr lang="en-US" altLang="zh-CN" sz="2000" dirty="0">
-                <a:latin typeface="Courier New" panose="02070309020205020404" pitchFamily="49" charset="0"/>
-                <a:ea typeface="SimSun" panose="02010600030101010101" pitchFamily="2" charset="-122"/>
-              </a:rPr>
-              <a:t>doPost</a:t>
-            </a:r>
-            <a:r>
-              <a:rPr lang="en-US" altLang="zh-CN" sz="2000" dirty="0">
-                <a:latin typeface="Arial" panose="020B0604020202020204" pitchFamily="34" charset="0"/>
-                <a:ea typeface="SimSun" panose="02010600030101010101" pitchFamily="2" charset="-122"/>
-              </a:rPr>
-              <a:t>, etc.</a:t>
-            </a:r>
-          </a:p>
-          <a:p>
-            <a:pPr eaLnBrk="0" hangingPunct="0">
-              <a:lnSpc>
-                <a:spcPct val="90000"/>
-              </a:lnSpc>
-              <a:buClr>
-                <a:schemeClr val="tx2"/>
-              </a:buClr>
-              <a:buSzPct val="75000"/>
-              <a:buFont typeface="Monotype Sorts" pitchFamily="2" charset="2"/>
-              <a:buChar char="l"/>
-            </a:pPr>
-            <a:r>
-              <a:rPr lang="en-US" altLang="zh-CN" sz="2000" b="1" dirty="0">
-                <a:solidFill>
-                  <a:schemeClr val="tx2"/>
-                </a:solidFill>
-                <a:latin typeface="Courier New" panose="02070309020205020404" pitchFamily="49" charset="0"/>
-                <a:ea typeface="SimSun" panose="02010600030101010101" pitchFamily="2" charset="-122"/>
-              </a:rPr>
-              <a:t>public void destroy():</a:t>
-            </a:r>
-            <a:r>
-              <a:rPr lang="en-US" altLang="zh-CN" sz="2000" b="1" dirty="0">
-                <a:latin typeface="Courier New" panose="02070309020205020404" pitchFamily="49" charset="0"/>
-                <a:ea typeface="SimSun" panose="02010600030101010101" pitchFamily="2" charset="-122"/>
-              </a:rPr>
-              <a:t> </a:t>
-            </a:r>
-          </a:p>
-          <a:p>
-            <a:pPr lvl="1" eaLnBrk="0" hangingPunct="0">
-              <a:lnSpc>
-                <a:spcPct val="90000"/>
-              </a:lnSpc>
-              <a:buClr>
-                <a:schemeClr val="tx2"/>
-              </a:buClr>
-              <a:buSzPct val="75000"/>
-              <a:buFont typeface="Monotype Sorts" pitchFamily="2" charset="2"/>
-              <a:buChar char="l"/>
-            </a:pPr>
-            <a:r>
-              <a:rPr lang="en-US" altLang="zh-CN" sz="2000" b="1" dirty="0">
-                <a:latin typeface="Arial" panose="020B0604020202020204" pitchFamily="34" charset="0"/>
-                <a:ea typeface="SimSun" panose="02010600030101010101" pitchFamily="2" charset="-122"/>
-              </a:rPr>
-              <a:t>Called when server decides to </a:t>
-            </a:r>
-            <a:endParaRPr lang="en-US" altLang="zh-CN" sz="2000" b="1" dirty="0" smtClean="0">
-              <a:latin typeface="Arial" panose="020B0604020202020204" pitchFamily="34" charset="0"/>
-              <a:ea typeface="SimSun" panose="02010600030101010101" pitchFamily="2" charset="-122"/>
-            </a:endParaRPr>
-          </a:p>
-          <a:p>
-            <a:pPr marL="457200" lvl="1" indent="0" eaLnBrk="0" hangingPunct="0">
-              <a:lnSpc>
-                <a:spcPct val="90000"/>
-              </a:lnSpc>
-              <a:buClr>
-                <a:schemeClr val="tx2"/>
-              </a:buClr>
-              <a:buSzPct val="75000"/>
-              <a:buNone/>
-            </a:pPr>
-            <a:r>
-              <a:rPr lang="en-US" altLang="zh-CN" sz="2000" b="1" dirty="0" smtClean="0">
-                <a:latin typeface="Arial" panose="020B0604020202020204" pitchFamily="34" charset="0"/>
-                <a:ea typeface="SimSun" panose="02010600030101010101" pitchFamily="2" charset="-122"/>
-              </a:rPr>
-              <a:t>terminate </a:t>
-            </a:r>
-            <a:r>
-              <a:rPr lang="en-US" altLang="zh-CN" sz="2000" b="1" dirty="0">
-                <a:latin typeface="Arial" panose="020B0604020202020204" pitchFamily="34" charset="0"/>
-                <a:ea typeface="SimSun" panose="02010600030101010101" pitchFamily="2" charset="-122"/>
-              </a:rPr>
-              <a:t>the </a:t>
-            </a:r>
-            <a:r>
-              <a:rPr lang="en-US" altLang="zh-CN" sz="2000" b="1" dirty="0" smtClean="0">
-                <a:latin typeface="Arial" panose="020B0604020202020204" pitchFamily="34" charset="0"/>
-                <a:ea typeface="SimSun" panose="02010600030101010101" pitchFamily="2" charset="-122"/>
-              </a:rPr>
-              <a:t>servlet</a:t>
-            </a:r>
-            <a:r>
-              <a:rPr lang="en-US" altLang="zh-CN" sz="2000" b="1" dirty="0">
-                <a:latin typeface="Arial" panose="020B0604020202020204" pitchFamily="34" charset="0"/>
-                <a:ea typeface="SimSun" panose="02010600030101010101" pitchFamily="2" charset="-122"/>
-              </a:rPr>
-              <a:t>. </a:t>
-            </a:r>
-          </a:p>
-          <a:p>
-            <a:pPr lvl="2" eaLnBrk="0" hangingPunct="0">
-              <a:lnSpc>
-                <a:spcPct val="90000"/>
-              </a:lnSpc>
-              <a:buClr>
-                <a:schemeClr val="tx2"/>
-              </a:buClr>
-              <a:buSzPct val="75000"/>
-              <a:buFont typeface="Monotype Sorts" pitchFamily="2" charset="2"/>
-              <a:buChar char="l"/>
-            </a:pPr>
-            <a:r>
-              <a:rPr lang="en-US" altLang="zh-CN" sz="1800" dirty="0">
-                <a:latin typeface="Arial" panose="020B0604020202020204" pitchFamily="34" charset="0"/>
-                <a:ea typeface="SimSun" panose="02010600030101010101" pitchFamily="2" charset="-122"/>
-              </a:rPr>
-              <a:t>Release resources.</a:t>
-            </a:r>
-            <a:endParaRPr lang="en-US" altLang="zh-CN" dirty="0">
-              <a:ea typeface="SimSun" panose="02010600030101010101" pitchFamily="2" charset="-122"/>
-            </a:endParaRPr>
-          </a:p>
-          <a:p>
-            <a:endParaRPr lang="ro-RO" dirty="0"/>
-          </a:p>
-        </p:txBody>
-      </p:sp>
       <p:pic>
         <p:nvPicPr>
           <p:cNvPr id="4" name="Picture 5"/>
@@ -17007,8 +16893,8 @@
         </p:blipFill>
         <p:spPr>
           <a:xfrm>
-            <a:off x="5117226" y="3287735"/>
-            <a:ext cx="3759200" cy="3242916"/>
+            <a:off x="4787668" y="3251524"/>
+            <a:ext cx="4180640" cy="3606476"/>
           </a:xfrm>
           <a:prstGeom prst="rect">
             <a:avLst/>
@@ -17030,6 +16916,469 @@
           </a:extLst>
         </p:spPr>
       </p:pic>
+      <p:sp>
+        <p:nvSpPr>
+          <p:cNvPr id="3" name="Content Placeholder 2"/>
+          <p:cNvSpPr>
+            <a:spLocks noGrp="1"/>
+          </p:cNvSpPr>
+          <p:nvPr>
+            <p:ph idx="1"/>
+          </p:nvPr>
+        </p:nvSpPr>
+        <p:spPr>
+          <a:xfrm>
+            <a:off x="720724" y="1451610"/>
+            <a:ext cx="7704139" cy="4838759"/>
+          </a:xfrm>
+        </p:spPr>
+        <p:txBody>
+          <a:bodyPr/>
+          <a:lstStyle/>
+          <a:p>
+            <a:pPr eaLnBrk="0" hangingPunct="0">
+              <a:lnSpc>
+                <a:spcPct val="90000"/>
+              </a:lnSpc>
+              <a:buClr>
+                <a:schemeClr val="tx2"/>
+              </a:buClr>
+              <a:buSzPct val="75000"/>
+              <a:buFont typeface="Monotype Sorts" pitchFamily="2" charset="2"/>
+              <a:buNone/>
+            </a:pPr>
+            <a:r>
+              <a:rPr lang="en-US" altLang="zh-CN" sz="2000" dirty="0">
+                <a:latin typeface="Arial" panose="020B0604020202020204" pitchFamily="34" charset="0"/>
+                <a:ea typeface="SimSun" panose="02010600030101010101" pitchFamily="2" charset="-122"/>
+              </a:rPr>
+              <a:t>The server will automatically </a:t>
+            </a:r>
+            <a:r>
+              <a:rPr lang="en-US" altLang="zh-CN" sz="2000" dirty="0" smtClean="0">
+                <a:latin typeface="Arial" panose="020B0604020202020204" pitchFamily="34" charset="0"/>
+                <a:ea typeface="SimSun" panose="02010600030101010101" pitchFamily="2" charset="-122"/>
+              </a:rPr>
+              <a:t>call:</a:t>
+            </a:r>
+          </a:p>
+          <a:p>
+            <a:pPr eaLnBrk="0" hangingPunct="0">
+              <a:lnSpc>
+                <a:spcPct val="90000"/>
+              </a:lnSpc>
+              <a:buClr>
+                <a:schemeClr val="tx2"/>
+              </a:buClr>
+              <a:buSzPct val="75000"/>
+              <a:buFont typeface="Monotype Sorts" pitchFamily="2" charset="2"/>
+              <a:buNone/>
+            </a:pPr>
+            <a:endParaRPr lang="en-US" altLang="zh-CN" sz="2000" dirty="0">
+              <a:latin typeface="Arial" panose="020B0604020202020204" pitchFamily="34" charset="0"/>
+              <a:ea typeface="SimSun" panose="02010600030101010101" pitchFamily="2" charset="-122"/>
+            </a:endParaRPr>
+          </a:p>
+          <a:p>
+            <a:pPr eaLnBrk="0" hangingPunct="0">
+              <a:lnSpc>
+                <a:spcPct val="90000"/>
+              </a:lnSpc>
+              <a:buClr>
+                <a:schemeClr val="tx2"/>
+              </a:buClr>
+              <a:buSzPct val="75000"/>
+              <a:buFont typeface="Monotype Sorts" pitchFamily="2" charset="2"/>
+              <a:buChar char="l"/>
+            </a:pPr>
+            <a:r>
+              <a:rPr lang="en-US" altLang="zh-CN" sz="2000" b="1" dirty="0">
+                <a:solidFill>
+                  <a:schemeClr val="tx2"/>
+                </a:solidFill>
+                <a:latin typeface="Courier New" panose="02070309020205020404" pitchFamily="49" charset="0"/>
+                <a:ea typeface="SimSun" panose="02010600030101010101" pitchFamily="2" charset="-122"/>
+              </a:rPr>
+              <a:t>public void init():</a:t>
+            </a:r>
+            <a:r>
+              <a:rPr lang="en-US" altLang="zh-CN" sz="2000" b="1" dirty="0">
+                <a:latin typeface="Arial" panose="020B0604020202020204" pitchFamily="34" charset="0"/>
+                <a:ea typeface="SimSun" panose="02010600030101010101" pitchFamily="2" charset="-122"/>
+              </a:rPr>
+              <a:t> </a:t>
+            </a:r>
+          </a:p>
+          <a:p>
+            <a:pPr lvl="1" eaLnBrk="0" hangingPunct="0">
+              <a:lnSpc>
+                <a:spcPct val="90000"/>
+              </a:lnSpc>
+              <a:buClr>
+                <a:schemeClr val="tx2"/>
+              </a:buClr>
+              <a:buSzPct val="75000"/>
+              <a:buFont typeface="Monotype Sorts" pitchFamily="2" charset="2"/>
+              <a:buChar char="l"/>
+            </a:pPr>
+            <a:r>
+              <a:rPr lang="en-US" altLang="zh-CN" sz="2000" b="1" dirty="0">
+                <a:latin typeface="Arial" panose="020B0604020202020204" pitchFamily="34" charset="0"/>
+                <a:ea typeface="SimSun" panose="02010600030101010101" pitchFamily="2" charset="-122"/>
+              </a:rPr>
+              <a:t>Called only once when </a:t>
+            </a:r>
+            <a:r>
+              <a:rPr lang="en-US" altLang="zh-CN" sz="2000" b="1" dirty="0" smtClean="0">
+                <a:latin typeface="Arial" panose="020B0604020202020204" pitchFamily="34" charset="0"/>
+                <a:ea typeface="SimSun" panose="02010600030101010101" pitchFamily="2" charset="-122"/>
+              </a:rPr>
+              <a:t>servlet </a:t>
+            </a:r>
+            <a:r>
+              <a:rPr lang="en-US" altLang="zh-CN" sz="2000" b="1" dirty="0">
+                <a:latin typeface="Arial" panose="020B0604020202020204" pitchFamily="34" charset="0"/>
+                <a:ea typeface="SimSun" panose="02010600030101010101" pitchFamily="2" charset="-122"/>
+              </a:rPr>
+              <a:t>is </a:t>
+            </a:r>
+            <a:r>
+              <a:rPr lang="en-US" altLang="zh-CN" sz="2000" b="1" dirty="0" smtClean="0">
+                <a:latin typeface="Arial" panose="020B0604020202020204" pitchFamily="34" charset="0"/>
+                <a:ea typeface="SimSun" panose="02010600030101010101" pitchFamily="2" charset="-122"/>
+              </a:rPr>
+              <a:t>being</a:t>
+            </a:r>
+          </a:p>
+          <a:p>
+            <a:pPr marL="457200" lvl="1" indent="0" eaLnBrk="0" hangingPunct="0">
+              <a:lnSpc>
+                <a:spcPct val="90000"/>
+              </a:lnSpc>
+              <a:buClr>
+                <a:schemeClr val="tx2"/>
+              </a:buClr>
+              <a:buSzPct val="75000"/>
+              <a:buNone/>
+            </a:pPr>
+            <a:r>
+              <a:rPr lang="en-US" altLang="zh-CN" sz="2000" b="1" dirty="0" smtClean="0">
+                <a:latin typeface="Arial" panose="020B0604020202020204" pitchFamily="34" charset="0"/>
+                <a:ea typeface="SimSun" panose="02010600030101010101" pitchFamily="2" charset="-122"/>
+              </a:rPr>
+              <a:t> </a:t>
+            </a:r>
+            <a:r>
+              <a:rPr lang="en-US" altLang="zh-CN" sz="2000" b="1" dirty="0">
+                <a:latin typeface="Arial" panose="020B0604020202020204" pitchFamily="34" charset="0"/>
+                <a:ea typeface="SimSun" panose="02010600030101010101" pitchFamily="2" charset="-122"/>
+              </a:rPr>
+              <a:t>created.  </a:t>
+            </a:r>
+          </a:p>
+          <a:p>
+            <a:pPr lvl="1" eaLnBrk="0" hangingPunct="0">
+              <a:lnSpc>
+                <a:spcPct val="90000"/>
+              </a:lnSpc>
+              <a:buClr>
+                <a:schemeClr val="tx2"/>
+              </a:buClr>
+              <a:buSzPct val="75000"/>
+              <a:buFont typeface="Monotype Sorts" pitchFamily="2" charset="2"/>
+              <a:buChar char="l"/>
+            </a:pPr>
+            <a:r>
+              <a:rPr lang="en-US" altLang="zh-CN" sz="2000" dirty="0">
+                <a:latin typeface="Arial" panose="020B0604020202020204" pitchFamily="34" charset="0"/>
+                <a:ea typeface="SimSun" panose="02010600030101010101" pitchFamily="2" charset="-122"/>
+              </a:rPr>
+              <a:t>Good place for set up, open Database, </a:t>
+            </a:r>
+          </a:p>
+          <a:p>
+            <a:pPr marL="457200" lvl="1" indent="0" eaLnBrk="0" hangingPunct="0">
+              <a:lnSpc>
+                <a:spcPct val="90000"/>
+              </a:lnSpc>
+              <a:buClr>
+                <a:schemeClr val="tx2"/>
+              </a:buClr>
+              <a:buSzPct val="75000"/>
+              <a:buNone/>
+            </a:pPr>
+            <a:r>
+              <a:rPr lang="en-US" altLang="zh-CN" sz="2000" dirty="0">
+                <a:latin typeface="Arial" panose="020B0604020202020204" pitchFamily="34" charset="0"/>
+                <a:ea typeface="SimSun" panose="02010600030101010101" pitchFamily="2" charset="-122"/>
+              </a:rPr>
+              <a:t>etc.</a:t>
+            </a:r>
+          </a:p>
+          <a:p>
+            <a:pPr eaLnBrk="0" hangingPunct="0">
+              <a:lnSpc>
+                <a:spcPct val="90000"/>
+              </a:lnSpc>
+              <a:buClr>
+                <a:schemeClr val="tx2"/>
+              </a:buClr>
+              <a:buSzPct val="75000"/>
+              <a:buFont typeface="Monotype Sorts" pitchFamily="2" charset="2"/>
+              <a:buChar char="l"/>
+            </a:pPr>
+            <a:r>
+              <a:rPr lang="en-US" altLang="zh-CN" sz="2000" b="1" dirty="0">
+                <a:solidFill>
+                  <a:schemeClr val="tx2"/>
+                </a:solidFill>
+                <a:latin typeface="Courier New" panose="02070309020205020404" pitchFamily="49" charset="0"/>
+                <a:ea typeface="SimSun" panose="02010600030101010101" pitchFamily="2" charset="-122"/>
+              </a:rPr>
+              <a:t>public void service():</a:t>
+            </a:r>
+            <a:r>
+              <a:rPr lang="en-US" altLang="zh-CN" sz="2000" b="1" dirty="0">
+                <a:latin typeface="Arial" panose="020B0604020202020204" pitchFamily="34" charset="0"/>
+                <a:ea typeface="SimSun" panose="02010600030101010101" pitchFamily="2" charset="-122"/>
+              </a:rPr>
+              <a:t> </a:t>
+            </a:r>
+          </a:p>
+          <a:p>
+            <a:pPr lvl="1" eaLnBrk="0" hangingPunct="0">
+              <a:lnSpc>
+                <a:spcPct val="90000"/>
+              </a:lnSpc>
+              <a:buClr>
+                <a:schemeClr val="tx2"/>
+              </a:buClr>
+              <a:buSzPct val="75000"/>
+              <a:buFont typeface="Monotype Sorts" pitchFamily="2" charset="2"/>
+              <a:buChar char="l"/>
+            </a:pPr>
+            <a:r>
+              <a:rPr lang="en-US" altLang="zh-CN" sz="2000" b="1" dirty="0">
+                <a:latin typeface="Arial" panose="020B0604020202020204" pitchFamily="34" charset="0"/>
+                <a:ea typeface="SimSun" panose="02010600030101010101" pitchFamily="2" charset="-122"/>
+              </a:rPr>
+              <a:t>Called once for each request. </a:t>
+            </a:r>
+          </a:p>
+          <a:p>
+            <a:pPr lvl="1" eaLnBrk="0" hangingPunct="0">
+              <a:lnSpc>
+                <a:spcPct val="90000"/>
+              </a:lnSpc>
+              <a:buClr>
+                <a:schemeClr val="tx2"/>
+              </a:buClr>
+              <a:buSzPct val="75000"/>
+              <a:buFont typeface="Monotype Sorts" pitchFamily="2" charset="2"/>
+              <a:buChar char="l"/>
+            </a:pPr>
+            <a:r>
+              <a:rPr lang="en-US" altLang="zh-CN" sz="2000" dirty="0">
+                <a:latin typeface="Arial" panose="020B0604020202020204" pitchFamily="34" charset="0"/>
+                <a:ea typeface="SimSun" panose="02010600030101010101" pitchFamily="2" charset="-122"/>
+              </a:rPr>
+              <a:t>In</a:t>
+            </a:r>
+            <a:r>
+              <a:rPr lang="en-US" altLang="zh-CN" sz="2000" dirty="0">
+                <a:latin typeface="Courier New" panose="02070309020205020404" pitchFamily="49" charset="0"/>
+                <a:ea typeface="SimSun" panose="02010600030101010101" pitchFamily="2" charset="-122"/>
+              </a:rPr>
+              <a:t> HttpServlet</a:t>
+            </a:r>
+            <a:r>
+              <a:rPr lang="en-US" altLang="zh-CN" sz="2000" dirty="0">
+                <a:latin typeface="Arial" panose="020B0604020202020204" pitchFamily="34" charset="0"/>
+                <a:ea typeface="SimSun" panose="02010600030101010101" pitchFamily="2" charset="-122"/>
+              </a:rPr>
+              <a:t>, it delegates </a:t>
+            </a:r>
+            <a:endParaRPr lang="en-US" altLang="zh-CN" sz="2000" dirty="0" smtClean="0">
+              <a:latin typeface="Arial" panose="020B0604020202020204" pitchFamily="34" charset="0"/>
+              <a:ea typeface="SimSun" panose="02010600030101010101" pitchFamily="2" charset="-122"/>
+            </a:endParaRPr>
+          </a:p>
+          <a:p>
+            <a:pPr marL="457200" lvl="1" indent="0" eaLnBrk="0" hangingPunct="0">
+              <a:lnSpc>
+                <a:spcPct val="90000"/>
+              </a:lnSpc>
+              <a:buClr>
+                <a:schemeClr val="tx2"/>
+              </a:buClr>
+              <a:buSzPct val="75000"/>
+              <a:buNone/>
+            </a:pPr>
+            <a:r>
+              <a:rPr lang="en-US" altLang="zh-CN" sz="2000" dirty="0" smtClean="0">
+                <a:latin typeface="Arial" panose="020B0604020202020204" pitchFamily="34" charset="0"/>
+                <a:ea typeface="SimSun" panose="02010600030101010101" pitchFamily="2" charset="-122"/>
+              </a:rPr>
+              <a:t>requests </a:t>
+            </a:r>
+            <a:r>
+              <a:rPr lang="en-US" altLang="zh-CN" sz="2000" dirty="0">
+                <a:latin typeface="Arial" panose="020B0604020202020204" pitchFamily="34" charset="0"/>
+                <a:ea typeface="SimSun" panose="02010600030101010101" pitchFamily="2" charset="-122"/>
+              </a:rPr>
+              <a:t>to </a:t>
+            </a:r>
+            <a:r>
+              <a:rPr lang="en-US" altLang="zh-CN" sz="2000" dirty="0">
+                <a:latin typeface="Courier New" panose="02070309020205020404" pitchFamily="49" charset="0"/>
+                <a:ea typeface="SimSun" panose="02010600030101010101" pitchFamily="2" charset="-122"/>
+              </a:rPr>
+              <a:t>doGet</a:t>
+            </a:r>
+            <a:r>
+              <a:rPr lang="en-US" altLang="zh-CN" sz="2000" dirty="0">
+                <a:latin typeface="Arial" panose="020B0604020202020204" pitchFamily="34" charset="0"/>
+                <a:ea typeface="SimSun" panose="02010600030101010101" pitchFamily="2" charset="-122"/>
+              </a:rPr>
+              <a:t>, </a:t>
+            </a:r>
+            <a:r>
+              <a:rPr lang="en-US" altLang="zh-CN" sz="2000" dirty="0">
+                <a:latin typeface="Courier New" panose="02070309020205020404" pitchFamily="49" charset="0"/>
+                <a:ea typeface="SimSun" panose="02010600030101010101" pitchFamily="2" charset="-122"/>
+              </a:rPr>
+              <a:t>doPost</a:t>
+            </a:r>
+            <a:r>
+              <a:rPr lang="en-US" altLang="zh-CN" sz="2000" dirty="0">
+                <a:latin typeface="Arial" panose="020B0604020202020204" pitchFamily="34" charset="0"/>
+                <a:ea typeface="SimSun" panose="02010600030101010101" pitchFamily="2" charset="-122"/>
+              </a:rPr>
+              <a:t>, etc.</a:t>
+            </a:r>
+          </a:p>
+          <a:p>
+            <a:pPr eaLnBrk="0" hangingPunct="0">
+              <a:lnSpc>
+                <a:spcPct val="90000"/>
+              </a:lnSpc>
+              <a:buClr>
+                <a:schemeClr val="tx2"/>
+              </a:buClr>
+              <a:buSzPct val="75000"/>
+              <a:buFont typeface="Monotype Sorts" pitchFamily="2" charset="2"/>
+              <a:buChar char="l"/>
+            </a:pPr>
+            <a:r>
+              <a:rPr lang="en-US" altLang="zh-CN" sz="2000" b="1" dirty="0">
+                <a:solidFill>
+                  <a:schemeClr val="tx2"/>
+                </a:solidFill>
+                <a:latin typeface="Courier New" panose="02070309020205020404" pitchFamily="49" charset="0"/>
+                <a:ea typeface="SimSun" panose="02010600030101010101" pitchFamily="2" charset="-122"/>
+              </a:rPr>
+              <a:t>public void destroy():</a:t>
+            </a:r>
+            <a:r>
+              <a:rPr lang="en-US" altLang="zh-CN" sz="2000" b="1" dirty="0">
+                <a:latin typeface="Courier New" panose="02070309020205020404" pitchFamily="49" charset="0"/>
+                <a:ea typeface="SimSun" panose="02010600030101010101" pitchFamily="2" charset="-122"/>
+              </a:rPr>
+              <a:t> </a:t>
+            </a:r>
+          </a:p>
+          <a:p>
+            <a:pPr lvl="1" eaLnBrk="0" hangingPunct="0">
+              <a:lnSpc>
+                <a:spcPct val="90000"/>
+              </a:lnSpc>
+              <a:buClr>
+                <a:schemeClr val="tx2"/>
+              </a:buClr>
+              <a:buSzPct val="75000"/>
+              <a:buFont typeface="Monotype Sorts" pitchFamily="2" charset="2"/>
+              <a:buChar char="l"/>
+            </a:pPr>
+            <a:r>
+              <a:rPr lang="en-US" altLang="zh-CN" sz="2000" b="1" dirty="0">
+                <a:latin typeface="Arial" panose="020B0604020202020204" pitchFamily="34" charset="0"/>
+                <a:ea typeface="SimSun" panose="02010600030101010101" pitchFamily="2" charset="-122"/>
+              </a:rPr>
+              <a:t>Called when server decides to </a:t>
+            </a:r>
+            <a:endParaRPr lang="en-US" altLang="zh-CN" sz="2000" b="1" dirty="0" smtClean="0">
+              <a:latin typeface="Arial" panose="020B0604020202020204" pitchFamily="34" charset="0"/>
+              <a:ea typeface="SimSun" panose="02010600030101010101" pitchFamily="2" charset="-122"/>
+            </a:endParaRPr>
+          </a:p>
+          <a:p>
+            <a:pPr marL="457200" lvl="1" indent="0" eaLnBrk="0" hangingPunct="0">
+              <a:lnSpc>
+                <a:spcPct val="90000"/>
+              </a:lnSpc>
+              <a:buClr>
+                <a:schemeClr val="tx2"/>
+              </a:buClr>
+              <a:buSzPct val="75000"/>
+              <a:buNone/>
+            </a:pPr>
+            <a:r>
+              <a:rPr lang="en-US" altLang="zh-CN" sz="2000" b="1" dirty="0" smtClean="0">
+                <a:latin typeface="Arial" panose="020B0604020202020204" pitchFamily="34" charset="0"/>
+                <a:ea typeface="SimSun" panose="02010600030101010101" pitchFamily="2" charset="-122"/>
+              </a:rPr>
+              <a:t>terminate </a:t>
+            </a:r>
+            <a:r>
+              <a:rPr lang="en-US" altLang="zh-CN" sz="2000" b="1" dirty="0">
+                <a:latin typeface="Arial" panose="020B0604020202020204" pitchFamily="34" charset="0"/>
+                <a:ea typeface="SimSun" panose="02010600030101010101" pitchFamily="2" charset="-122"/>
+              </a:rPr>
+              <a:t>the </a:t>
+            </a:r>
+            <a:r>
+              <a:rPr lang="en-US" altLang="zh-CN" sz="2000" b="1" dirty="0" smtClean="0">
+                <a:latin typeface="Arial" panose="020B0604020202020204" pitchFamily="34" charset="0"/>
+                <a:ea typeface="SimSun" panose="02010600030101010101" pitchFamily="2" charset="-122"/>
+              </a:rPr>
+              <a:t>servlet</a:t>
+            </a:r>
+            <a:r>
+              <a:rPr lang="en-US" altLang="zh-CN" sz="2000" b="1" dirty="0">
+                <a:latin typeface="Arial" panose="020B0604020202020204" pitchFamily="34" charset="0"/>
+                <a:ea typeface="SimSun" panose="02010600030101010101" pitchFamily="2" charset="-122"/>
+              </a:rPr>
+              <a:t>. </a:t>
+            </a:r>
+          </a:p>
+          <a:p>
+            <a:pPr lvl="2" eaLnBrk="0" hangingPunct="0">
+              <a:lnSpc>
+                <a:spcPct val="90000"/>
+              </a:lnSpc>
+              <a:buClr>
+                <a:schemeClr val="tx2"/>
+              </a:buClr>
+              <a:buSzPct val="75000"/>
+              <a:buFont typeface="Monotype Sorts" pitchFamily="2" charset="2"/>
+              <a:buChar char="l"/>
+            </a:pPr>
+            <a:r>
+              <a:rPr lang="en-US" altLang="zh-CN" sz="2000" dirty="0">
+                <a:latin typeface="Arial" panose="020B0604020202020204" pitchFamily="34" charset="0"/>
+                <a:ea typeface="SimSun" panose="02010600030101010101" pitchFamily="2" charset="-122"/>
+              </a:rPr>
+              <a:t>Release resources.</a:t>
+            </a:r>
+            <a:endParaRPr lang="en-US" altLang="zh-CN" sz="2000" dirty="0">
+              <a:ea typeface="SimSun" panose="02010600030101010101" pitchFamily="2" charset="-122"/>
+            </a:endParaRPr>
+          </a:p>
+          <a:p>
+            <a:endParaRPr lang="ro-RO" dirty="0"/>
+          </a:p>
+        </p:txBody>
+      </p:sp>
       <p:sp>
         <p:nvSpPr>
           <p:cNvPr id="6" name="Title 1"/>
@@ -17166,36 +17515,6 @@
       </p:sp>
       <p:pic>
         <p:nvPicPr>
-          <p:cNvPr id="9" name="Content Placeholder 3"/>
-          <p:cNvPicPr>
-            <a:picLocks noChangeAspect="1"/>
-          </p:cNvPicPr>
-          <p:nvPr/>
-        </p:nvPicPr>
-        <p:blipFill>
-          <a:blip r:embed="rId3">
-            <a:extLst>
-              <a:ext uri="{28A0092B-C50C-407E-A947-70E740481C1C}">
-                <a14:useLocalDpi xmlns:a14="http://schemas.microsoft.com/office/drawing/2010/main" val="0"/>
-              </a:ext>
-            </a:extLst>
-          </a:blip>
-          <a:stretch>
-            <a:fillRect/>
-          </a:stretch>
-        </p:blipFill>
-        <p:spPr>
-          <a:xfrm>
-            <a:off x="6733290" y="421228"/>
-            <a:ext cx="1714591" cy="1284288"/>
-          </a:xfrm>
-          <a:prstGeom prst="rect">
-            <a:avLst/>
-          </a:prstGeom>
-        </p:spPr>
-      </p:pic>
-      <p:pic>
-        <p:nvPicPr>
           <p:cNvPr id="6" name="Picture 5" descr="Laptop"/>
           <p:cNvPicPr>
             <a:picLocks noChangeAspect="1" noChangeArrowheads="1"/>
@@ -17203,7 +17522,7 @@
           <p:nvPr/>
         </p:nvPicPr>
         <p:blipFill>
-          <a:blip r:embed="rId4">
+          <a:blip r:embed="rId3">
             <a:extLst>
               <a:ext uri="{28A0092B-C50C-407E-A947-70E740481C1C}">
                 <a14:useLocalDpi xmlns:a14="http://schemas.microsoft.com/office/drawing/2010/main" val="0"/>
@@ -17795,7 +18114,7 @@
           <p:nvPr/>
         </p:nvPicPr>
         <p:blipFill>
-          <a:blip r:embed="rId5">
+          <a:blip r:embed="rId4">
             <a:extLst>
               <a:ext uri="{28A0092B-C50C-407E-A947-70E740481C1C}">
                 <a14:useLocalDpi xmlns:a14="http://schemas.microsoft.com/office/drawing/2010/main" val="0"/>
@@ -21862,8 +22181,8 @@
         </p:nvSpPr>
         <p:spPr>
           <a:xfrm>
-            <a:off x="1168880" y="1827036"/>
-            <a:ext cx="5323360" cy="369332"/>
+            <a:off x="1853874" y="1539560"/>
+            <a:ext cx="5323360" cy="707886"/>
           </a:xfrm>
           <a:prstGeom prst="rect">
             <a:avLst/>
@@ -21876,19 +22195,19 @@
           <a:lstStyle/>
           <a:p>
             <a:r>
-              <a:rPr lang="en-US" altLang="en-US" b="1" dirty="0">
+              <a:rPr lang="en-US" altLang="en-US" sz="2000" b="1" dirty="0">
                 <a:latin typeface="Trebuchet MS" panose="020B0603020202020204" pitchFamily="34" charset="0"/>
               </a:rPr>
               <a:t>How does the </a:t>
             </a:r>
             <a:r>
-              <a:rPr lang="en-US" altLang="en-US" b="1" dirty="0" smtClean="0">
+              <a:rPr lang="en-US" altLang="en-US" sz="2000" b="1" dirty="0" smtClean="0">
                 <a:latin typeface="Trebuchet MS" panose="020B0603020202020204" pitchFamily="34" charset="0"/>
               </a:rPr>
               <a:t>HTTP Servlet handle </a:t>
             </a:r>
             <a:r>
-              <a:rPr lang="en-US" altLang="en-US" b="1" dirty="0">
+              <a:rPr lang="en-US" altLang="en-US" sz="2000" b="1" dirty="0">
                 <a:latin typeface="Trebuchet MS" panose="020B0603020202020204" pitchFamily="34" charset="0"/>
               </a:rPr>
               <a:t>a request?</a:t>
@@ -22734,20 +23053,6 @@
                         <a:tabLst/>
                       </a:pPr>
                       <a:r>
-                        <a:rPr kumimoji="0" lang="en-US" sz="1600" b="1" i="0" u="none" strike="noStrike" cap="none" normalizeH="0" baseline="0" dirty="0" err="1" smtClean="0">
-                          <a:ln>
-                            <a:noFill/>
-                          </a:ln>
-                          <a:solidFill>
-                            <a:schemeClr val="hlink"/>
-                          </a:solidFill>
-                          <a:effectLst/>
-                          <a:latin typeface="Trebuchet MS" pitchFamily="34" charset="0"/>
-                          <a:cs typeface="Arial" charset="0"/>
-                        </a:rPr>
-                        <a:t>init</a:t>
-                      </a:r>
-                      <a:r>
                         <a:rPr kumimoji="0" lang="en-US" sz="1600" b="1" i="0" u="none" strike="noStrike" cap="none" normalizeH="0" baseline="0" dirty="0" smtClean="0">
                           <a:ln>
                             <a:noFill/>
@@ -22759,7 +23064,7 @@
                           <a:latin typeface="Trebuchet MS" pitchFamily="34" charset="0"/>
                           <a:cs typeface="Arial" charset="0"/>
                         </a:rPr>
-                        <a:t>()</a:t>
+                        <a:t>init()</a:t>
                       </a:r>
                     </a:p>
                     <a:p>
@@ -22860,7 +23165,7 @@
                         <a:tabLst/>
                       </a:pPr>
                       <a:r>
-                        <a:rPr kumimoji="0" lang="en-US" sz="1600" b="0" i="0" u="none" strike="noStrike" cap="none" normalizeH="0" baseline="0" smtClean="0">
+                        <a:rPr kumimoji="0" lang="en-US" sz="1600" b="0" i="0" u="none" strike="noStrike" cap="none" normalizeH="0" baseline="0" dirty="0" smtClean="0">
                           <a:ln>
                             <a:noFill/>
                           </a:ln>
@@ -24099,7 +24404,9 @@
           </a:xfrm>
         </p:spPr>
         <p:txBody>
-          <a:bodyPr/>
+          <a:bodyPr>
+            <a:normAutofit lnSpcReduction="10000"/>
+          </a:bodyPr>
           <a:lstStyle/>
           <a:p>
             <a:pPr algn="l"/>
@@ -24115,69 +24422,69 @@
           <a:p>
             <a:pPr lvl="1" algn="l"/>
             <a:r>
-              <a:rPr lang="en-US" sz="1800" dirty="0" smtClean="0"/>
+              <a:rPr lang="en-US" sz="2000" dirty="0" smtClean="0"/>
               <a:t>Is the deployment </a:t>
             </a:r>
             <a:r>
-              <a:rPr lang="en-US" sz="1800" dirty="0"/>
+              <a:rPr lang="en-US" sz="2000" dirty="0"/>
               <a:t>descriptor file </a:t>
             </a:r>
             <a:r>
-              <a:rPr lang="en-US" sz="1800" dirty="0" smtClean="0"/>
+              <a:rPr lang="en-US" sz="2000" dirty="0" smtClean="0"/>
               <a:t>for web applications  and </a:t>
             </a:r>
             <a:r>
-              <a:rPr lang="en-US" sz="1800" dirty="0"/>
+              <a:rPr lang="en-US" sz="2000" dirty="0"/>
               <a:t>is part of the servlet standard for web </a:t>
             </a:r>
             <a:r>
-              <a:rPr lang="en-US" sz="1800" dirty="0" smtClean="0"/>
+              <a:rPr lang="en-US" sz="2000" dirty="0" smtClean="0"/>
               <a:t>applications</a:t>
             </a:r>
           </a:p>
           <a:p>
             <a:pPr lvl="1" algn="l"/>
-            <a:endParaRPr lang="en-US" sz="1800" dirty="0" smtClean="0"/>
+            <a:endParaRPr lang="en-US" sz="2000" dirty="0" smtClean="0"/>
           </a:p>
           <a:p>
             <a:pPr lvl="1" algn="l"/>
-            <a:endParaRPr lang="en-US" sz="1800" dirty="0" smtClean="0"/>
+            <a:endParaRPr lang="en-US" sz="2000" dirty="0" smtClean="0"/>
           </a:p>
           <a:p>
             <a:pPr lvl="1" algn="l"/>
             <a:r>
-              <a:rPr lang="en-US" sz="1800" dirty="0" smtClean="0"/>
+              <a:rPr lang="en-US" sz="2000" dirty="0" smtClean="0"/>
               <a:t>determines </a:t>
             </a:r>
             <a:r>
-              <a:rPr lang="en-US" sz="1800" dirty="0"/>
+              <a:rPr lang="en-US" sz="2000" dirty="0"/>
               <a:t>how URLs map to servlets, which URLs require authentication, and other </a:t>
             </a:r>
             <a:r>
-              <a:rPr lang="en-US" sz="1800" dirty="0" smtClean="0"/>
+              <a:rPr lang="en-US" sz="2000" dirty="0" smtClean="0"/>
               <a:t>information</a:t>
             </a:r>
           </a:p>
           <a:p>
             <a:pPr lvl="1" algn="l"/>
-            <a:endParaRPr lang="en-US" sz="1800" dirty="0" smtClean="0"/>
+            <a:endParaRPr lang="en-US" sz="2000" dirty="0" smtClean="0"/>
           </a:p>
           <a:p>
             <a:pPr lvl="1" algn="l"/>
-            <a:endParaRPr lang="en-US" sz="1800" dirty="0"/>
+            <a:endParaRPr lang="en-US" sz="2000" dirty="0"/>
           </a:p>
           <a:p>
             <a:pPr lvl="1" algn="l"/>
             <a:r>
-              <a:rPr lang="en-US" sz="1800" dirty="0" smtClean="0"/>
+              <a:rPr lang="en-US" sz="2000" dirty="0" smtClean="0"/>
               <a:t>The </a:t>
             </a:r>
             <a:r>
-              <a:rPr lang="en-US" sz="1800" dirty="0"/>
+              <a:rPr lang="en-US" sz="2000" dirty="0"/>
               <a:t>file is an XML file whose root element </a:t>
             </a:r>
             <a:r>
-              <a:rPr lang="en-US" sz="1800" dirty="0" smtClean="0"/>
+              <a:rPr lang="en-US" sz="2000" dirty="0" smtClean="0"/>
               <a:t>is &lt;web-app&gt;</a:t>
             </a:r>
           </a:p>
@@ -24417,6 +24724,262 @@
 </file>
 
 <file path=ppt/slides/slide36.xml><?xml version="1.0" encoding="utf-8"?>
+<p:sld xmlns:a="http://schemas.openxmlformats.org/drawingml/2006/main" xmlns:r="http://schemas.openxmlformats.org/officeDocument/2006/relationships" xmlns:p="http://schemas.openxmlformats.org/presentationml/2006/main">
+  <p:cSld>
+    <p:spTree>
+      <p:nvGrpSpPr>
+        <p:cNvPr id="1" name=""/>
+        <p:cNvGrpSpPr/>
+        <p:nvPr/>
+      </p:nvGrpSpPr>
+      <p:grpSpPr>
+        <a:xfrm>
+          <a:off x="0" y="0"/>
+          <a:ext cx="0" cy="0"/>
+          <a:chOff x="0" y="0"/>
+          <a:chExt cx="0" cy="0"/>
+        </a:xfrm>
+      </p:grpSpPr>
+      <p:sp>
+        <p:nvSpPr>
+          <p:cNvPr id="6" name="Title 1"/>
+          <p:cNvSpPr txBox="1">
+            <a:spLocks/>
+          </p:cNvSpPr>
+          <p:nvPr/>
+        </p:nvSpPr>
+        <p:spPr>
+          <a:xfrm>
+            <a:off x="1052452" y="766826"/>
+            <a:ext cx="4865748" cy="593092"/>
+          </a:xfrm>
+          <a:prstGeom prst="rect">
+            <a:avLst/>
+          </a:prstGeom>
+          <a:solidFill>
+            <a:schemeClr val="bg1"/>
+          </a:solidFill>
+        </p:spPr>
+        <p:txBody>
+          <a:bodyPr vert="horz" lIns="36000" tIns="0" rIns="0" bIns="0" rtlCol="0" anchor="ctr">
+            <a:normAutofit fontScale="85000" lnSpcReduction="10000"/>
+          </a:bodyPr>
+          <a:lstStyle>
+            <a:lvl1pPr algn="l" defTabSz="457200" rtl="0" eaLnBrk="1" latinLnBrk="0" hangingPunct="1">
+              <a:spcBef>
+                <a:spcPct val="0"/>
+              </a:spcBef>
+              <a:buNone/>
+              <a:defRPr sz="3000" b="1" kern="1200">
+                <a:solidFill>
+                  <a:srgbClr val="565A5C"/>
+                </a:solidFill>
+                <a:latin typeface="Arial"/>
+                <a:ea typeface="+mj-ea"/>
+                <a:cs typeface="Arial"/>
+              </a:defRPr>
+            </a:lvl1pPr>
+          </a:lstStyle>
+          <a:p>
+            <a:r>
+              <a:rPr lang="en-US" dirty="0"/>
+              <a:t>Servlets - </a:t>
+            </a:r>
+            <a:r>
+              <a:rPr lang="en-US" dirty="0" smtClean="0"/>
+              <a:t>custom http servlet</a:t>
+            </a:r>
+            <a:endParaRPr lang="ro-RO" dirty="0"/>
+          </a:p>
+        </p:txBody>
+      </p:sp>
+      <p:pic>
+        <p:nvPicPr>
+          <p:cNvPr id="7" name="Picture 6"/>
+          <p:cNvPicPr>
+            <a:picLocks noChangeAspect="1"/>
+          </p:cNvPicPr>
+          <p:nvPr/>
+        </p:nvPicPr>
+        <p:blipFill>
+          <a:blip r:embed="rId3">
+            <a:extLst>
+              <a:ext uri="{28A0092B-C50C-407E-A947-70E740481C1C}">
+                <a14:useLocalDpi xmlns:a14="http://schemas.microsoft.com/office/drawing/2010/main" val="0"/>
+              </a:ext>
+            </a:extLst>
+          </a:blip>
+          <a:stretch>
+            <a:fillRect/>
+          </a:stretch>
+        </p:blipFill>
+        <p:spPr>
+          <a:xfrm>
+            <a:off x="7583373" y="276225"/>
+            <a:ext cx="1190625" cy="1323975"/>
+          </a:xfrm>
+          <a:prstGeom prst="rect">
+            <a:avLst/>
+          </a:prstGeom>
+        </p:spPr>
+      </p:pic>
+      <p:sp>
+        <p:nvSpPr>
+          <p:cNvPr id="2" name="Rectangle 1"/>
+          <p:cNvSpPr/>
+          <p:nvPr/>
+        </p:nvSpPr>
+        <p:spPr>
+          <a:xfrm>
+            <a:off x="594273" y="1930274"/>
+            <a:ext cx="8549727" cy="4093428"/>
+          </a:xfrm>
+          <a:prstGeom prst="rect">
+            <a:avLst/>
+          </a:prstGeom>
+        </p:spPr>
+        <p:txBody>
+          <a:bodyPr wrap="square">
+            <a:spAutoFit/>
+          </a:bodyPr>
+          <a:lstStyle/>
+          <a:p>
+            <a:r>
+              <a:rPr lang="en-US" sz="2000" dirty="0"/>
+              <a:t>In </a:t>
+            </a:r>
+            <a:r>
+              <a:rPr lang="en-US" sz="2000" b="1" dirty="0"/>
+              <a:t>web.xml</a:t>
+            </a:r>
+            <a:r>
+              <a:rPr lang="en-US" sz="2000" dirty="0"/>
+              <a:t> you have to declare the servlet and map it to a url or multiple </a:t>
+            </a:r>
+            <a:r>
+              <a:rPr lang="en-US" sz="2000" dirty="0" smtClean="0"/>
+              <a:t>urls :</a:t>
+            </a:r>
+            <a:endParaRPr lang="en-US" sz="2000" dirty="0"/>
+          </a:p>
+          <a:p>
+            <a:endParaRPr lang="en-US" sz="2000" dirty="0"/>
+          </a:p>
+          <a:p>
+            <a:r>
+              <a:rPr lang="en-US" sz="2000" b="1" dirty="0"/>
+              <a:t> </a:t>
+            </a:r>
+            <a:r>
+              <a:rPr lang="en-US" sz="2000" b="1" dirty="0" smtClean="0"/>
+              <a:t>&lt;</a:t>
+            </a:r>
+            <a:r>
+              <a:rPr lang="en-US" sz="2000" b="1" dirty="0"/>
+              <a:t>servlet&gt;</a:t>
+            </a:r>
+          </a:p>
+          <a:p>
+            <a:r>
+              <a:rPr lang="en-US" sz="2000" b="1" dirty="0"/>
+              <a:t>        &lt;servlet-name&gt;HelloWorld&lt;/servlet-name&gt;</a:t>
+            </a:r>
+          </a:p>
+          <a:p>
+            <a:r>
+              <a:rPr lang="en-US" sz="2000" b="1" dirty="0" smtClean="0"/>
+              <a:t>        &lt;</a:t>
+            </a:r>
+            <a:r>
+              <a:rPr lang="en-US" sz="2000" b="1" dirty="0"/>
+              <a:t>servlet-class&gt;ro.teamnet.z2h.web.HelloWorldServlet&lt;/servlet-class&gt;</a:t>
+            </a:r>
+          </a:p>
+          <a:p>
+            <a:r>
+              <a:rPr lang="en-US" sz="2000" b="1" dirty="0"/>
+              <a:t> </a:t>
+            </a:r>
+            <a:r>
+              <a:rPr lang="en-US" sz="2000" b="1" dirty="0" smtClean="0"/>
+              <a:t>&lt;/</a:t>
+            </a:r>
+            <a:r>
+              <a:rPr lang="en-US" sz="2000" b="1" dirty="0"/>
+              <a:t>servlet</a:t>
+            </a:r>
+            <a:r>
+              <a:rPr lang="en-US" sz="2000" b="1" dirty="0" smtClean="0"/>
+              <a:t>&gt;</a:t>
+            </a:r>
+          </a:p>
+          <a:p>
+            <a:endParaRPr lang="en-US" sz="2000" b="1" dirty="0"/>
+          </a:p>
+          <a:p>
+            <a:r>
+              <a:rPr lang="en-US" sz="2000" b="1" dirty="0"/>
+              <a:t> </a:t>
+            </a:r>
+            <a:r>
+              <a:rPr lang="en-US" sz="2000" b="1" dirty="0" smtClean="0"/>
+              <a:t>&lt;</a:t>
+            </a:r>
+            <a:r>
+              <a:rPr lang="en-US" sz="2000" b="1" dirty="0"/>
+              <a:t>servlet-mapping&gt;</a:t>
+            </a:r>
+          </a:p>
+          <a:p>
+            <a:r>
+              <a:rPr lang="en-US" sz="2000" b="1" dirty="0"/>
+              <a:t>        &lt;servlet-name&gt;HelloWorld&lt;/servlet-name&gt;</a:t>
+            </a:r>
+          </a:p>
+          <a:p>
+            <a:r>
+              <a:rPr lang="en-US" sz="2000" b="1" dirty="0"/>
+              <a:t>        &lt;url-pattern&gt;/hello&lt;/url-pattern&gt;</a:t>
+            </a:r>
+          </a:p>
+          <a:p>
+            <a:r>
+              <a:rPr lang="en-US" sz="2000" b="1" dirty="0"/>
+              <a:t> </a:t>
+            </a:r>
+            <a:r>
+              <a:rPr lang="en-US" sz="2000" b="1" dirty="0" smtClean="0"/>
+              <a:t>&lt;/</a:t>
+            </a:r>
+            <a:r>
+              <a:rPr lang="en-US" sz="2000" b="1" dirty="0"/>
+              <a:t>servlet-mapping&gt;</a:t>
+            </a:r>
+            <a:endParaRPr lang="en-US" sz="2000" dirty="0"/>
+          </a:p>
+        </p:txBody>
+      </p:sp>
+    </p:spTree>
+    <p:extLst>
+      <p:ext uri="{BB962C8B-B14F-4D97-AF65-F5344CB8AC3E}">
+        <p14:creationId xmlns:p14="http://schemas.microsoft.com/office/powerpoint/2010/main" val="597260494"/>
+      </p:ext>
+    </p:extLst>
+  </p:cSld>
+  <p:clrMapOvr>
+    <a:masterClrMapping/>
+  </p:clrMapOvr>
+  <p:timing>
+    <p:tnLst>
+      <p:par>
+        <p:cTn id="1" dur="indefinite" restart="never" nodeType="tmRoot"/>
+      </p:par>
+    </p:tnLst>
+  </p:timing>
+</p:sld>
+</file>
+
+<file path=ppt/slides/slide37.xml><?xml version="1.0" encoding="utf-8"?>
 <p:sld xmlns:a="http://schemas.openxmlformats.org/drawingml/2006/main" xmlns:r="http://schemas.openxmlformats.org/officeDocument/2006/relationships" xmlns:p="http://schemas.openxmlformats.org/presentationml/2006/main">
   <p:cSld>
     <p:spTree>
@@ -24680,7 +25243,7 @@
           <a:p>
             <a:pPr eaLnBrk="1" hangingPunct="1"/>
             <a:r>
-              <a:rPr lang="en-US" altLang="en-US" b="1" dirty="0" err="1">
+              <a:rPr lang="en-US" altLang="en-US" b="1" dirty="0">
                 <a:solidFill>
                   <a:srgbClr val="000000"/>
                 </a:solidFill>
@@ -24688,12 +25251,6 @@
               </a:rPr>
               <a:t>javax.servlet.GenericServlet</a:t>
             </a:r>
-            <a:endParaRPr lang="en-US" altLang="en-US" b="1" dirty="0">
-              <a:solidFill>
-                <a:srgbClr val="000000"/>
-              </a:solidFill>
-              <a:latin typeface="Trebuchet MS" panose="020B0603020202020204" pitchFamily="34" charset="0"/>
-            </a:endParaRPr>
           </a:p>
         </p:txBody>
       </p:sp>
@@ -25228,7 +25785,7 @@
               <a:t> </a:t>
             </a:r>
             <a:r>
-              <a:rPr lang="en-US" altLang="en-US" b="1" dirty="0" err="1" smtClean="0">
+              <a:rPr lang="en-US" altLang="en-US" b="1" dirty="0" smtClean="0">
                 <a:solidFill>
                   <a:srgbClr val="000000"/>
                 </a:solidFill>
@@ -26349,15 +26906,7 @@
             <a:pPr eaLnBrk="1" hangingPunct="1"/>
             <a:r>
               <a:rPr lang="en-US" altLang="en-US" dirty="0"/>
-              <a:t>If not overridden, implements </a:t>
-            </a:r>
-            <a:r>
-              <a:rPr lang="en-US" altLang="en-US" dirty="0" err="1"/>
-              <a:t>init</a:t>
-            </a:r>
-            <a:r>
-              <a:rPr lang="en-US" altLang="en-US" dirty="0"/>
-              <a:t>() </a:t>
+              <a:t>If not overridden, implements init() </a:t>
             </a:r>
           </a:p>
           <a:p>
@@ -26710,14 +27259,14 @@
           <a:p>
             <a:pPr eaLnBrk="1" hangingPunct="1"/>
             <a:r>
-              <a:rPr lang="en-US" altLang="en-US"/>
+              <a:rPr lang="en-US" altLang="en-US" dirty="0"/>
               <a:t>We implement the HTTP methods </a:t>
             </a:r>
           </a:p>
           <a:p>
             <a:pPr eaLnBrk="1" hangingPunct="1"/>
             <a:r>
-              <a:rPr lang="en-US" altLang="en-US"/>
+              <a:rPr lang="en-US" altLang="en-US" dirty="0"/>
               <a:t>here.</a:t>
             </a:r>
           </a:p>
@@ -27215,290 +27764,6 @@
 </p:sld>
 </file>
 
-<file path=ppt/slides/slide37.xml><?xml version="1.0" encoding="utf-8"?>
-<p:sld xmlns:a="http://schemas.openxmlformats.org/drawingml/2006/main" xmlns:r="http://schemas.openxmlformats.org/officeDocument/2006/relationships" xmlns:p="http://schemas.openxmlformats.org/presentationml/2006/main">
-  <p:cSld>
-    <p:spTree>
-      <p:nvGrpSpPr>
-        <p:cNvPr id="1" name=""/>
-        <p:cNvGrpSpPr/>
-        <p:nvPr/>
-      </p:nvGrpSpPr>
-      <p:grpSpPr>
-        <a:xfrm>
-          <a:off x="0" y="0"/>
-          <a:ext cx="0" cy="0"/>
-          <a:chOff x="0" y="0"/>
-          <a:chExt cx="0" cy="0"/>
-        </a:xfrm>
-      </p:grpSpPr>
-      <p:sp>
-        <p:nvSpPr>
-          <p:cNvPr id="6" name="Title 1"/>
-          <p:cNvSpPr txBox="1">
-            <a:spLocks/>
-          </p:cNvSpPr>
-          <p:nvPr/>
-        </p:nvSpPr>
-        <p:spPr>
-          <a:xfrm>
-            <a:off x="1052452" y="766826"/>
-            <a:ext cx="4865748" cy="593092"/>
-          </a:xfrm>
-          <a:prstGeom prst="rect">
-            <a:avLst/>
-          </a:prstGeom>
-          <a:solidFill>
-            <a:schemeClr val="bg1"/>
-          </a:solidFill>
-        </p:spPr>
-        <p:txBody>
-          <a:bodyPr vert="horz" lIns="36000" tIns="0" rIns="0" bIns="0" rtlCol="0" anchor="ctr">
-            <a:normAutofit fontScale="85000" lnSpcReduction="10000"/>
-          </a:bodyPr>
-          <a:lstStyle>
-            <a:lvl1pPr algn="l" defTabSz="457200" rtl="0" eaLnBrk="1" latinLnBrk="0" hangingPunct="1">
-              <a:spcBef>
-                <a:spcPct val="0"/>
-              </a:spcBef>
-              <a:buNone/>
-              <a:defRPr sz="3000" b="1" kern="1200">
-                <a:solidFill>
-                  <a:srgbClr val="565A5C"/>
-                </a:solidFill>
-                <a:latin typeface="Arial"/>
-                <a:ea typeface="+mj-ea"/>
-                <a:cs typeface="Arial"/>
-              </a:defRPr>
-            </a:lvl1pPr>
-          </a:lstStyle>
-          <a:p>
-            <a:r>
-              <a:rPr lang="en-US" dirty="0"/>
-              <a:t>Servlets - </a:t>
-            </a:r>
-            <a:r>
-              <a:rPr lang="en-US" dirty="0" smtClean="0"/>
-              <a:t>custom http servlet</a:t>
-            </a:r>
-            <a:endParaRPr lang="ro-RO" dirty="0"/>
-          </a:p>
-        </p:txBody>
-      </p:sp>
-      <p:pic>
-        <p:nvPicPr>
-          <p:cNvPr id="7" name="Picture 6"/>
-          <p:cNvPicPr>
-            <a:picLocks noChangeAspect="1"/>
-          </p:cNvPicPr>
-          <p:nvPr/>
-        </p:nvPicPr>
-        <p:blipFill>
-          <a:blip r:embed="rId3">
-            <a:extLst>
-              <a:ext uri="{28A0092B-C50C-407E-A947-70E740481C1C}">
-                <a14:useLocalDpi xmlns:a14="http://schemas.microsoft.com/office/drawing/2010/main" val="0"/>
-              </a:ext>
-            </a:extLst>
-          </a:blip>
-          <a:stretch>
-            <a:fillRect/>
-          </a:stretch>
-        </p:blipFill>
-        <p:spPr>
-          <a:xfrm>
-            <a:off x="7583373" y="276225"/>
-            <a:ext cx="1190625" cy="1323975"/>
-          </a:xfrm>
-          <a:prstGeom prst="rect">
-            <a:avLst/>
-          </a:prstGeom>
-        </p:spPr>
-      </p:pic>
-      <p:sp>
-        <p:nvSpPr>
-          <p:cNvPr id="2" name="Rectangle 1"/>
-          <p:cNvSpPr/>
-          <p:nvPr/>
-        </p:nvSpPr>
-        <p:spPr>
-          <a:xfrm>
-            <a:off x="594273" y="1930274"/>
-            <a:ext cx="8549727" cy="3139321"/>
-          </a:xfrm>
-          <a:prstGeom prst="rect">
-            <a:avLst/>
-          </a:prstGeom>
-        </p:spPr>
-        <p:txBody>
-          <a:bodyPr wrap="square">
-            <a:spAutoFit/>
-          </a:bodyPr>
-          <a:lstStyle/>
-          <a:p>
-            <a:r>
-              <a:rPr lang="en-US" dirty="0"/>
-              <a:t>In </a:t>
-            </a:r>
-            <a:r>
-              <a:rPr lang="en-US" b="1" dirty="0"/>
-              <a:t>web.xml</a:t>
-            </a:r>
-            <a:r>
-              <a:rPr lang="en-US" dirty="0"/>
-              <a:t> you have to declare the servlet and map it to a </a:t>
-            </a:r>
-            <a:r>
-              <a:rPr lang="en-US" dirty="0" err="1"/>
-              <a:t>url</a:t>
-            </a:r>
-            <a:r>
-              <a:rPr lang="en-US" dirty="0"/>
-              <a:t> or multiple </a:t>
-            </a:r>
-            <a:r>
-              <a:rPr lang="en-US" dirty="0" err="1" smtClean="0"/>
-              <a:t>urls</a:t>
-            </a:r>
-            <a:r>
-              <a:rPr lang="en-US" dirty="0" smtClean="0"/>
-              <a:t> :</a:t>
-            </a:r>
-            <a:endParaRPr lang="en-US" dirty="0"/>
-          </a:p>
-          <a:p>
-            <a:endParaRPr lang="en-US" dirty="0"/>
-          </a:p>
-          <a:p>
-            <a:r>
-              <a:rPr lang="en-US" b="1" dirty="0"/>
-              <a:t> </a:t>
-            </a:r>
-            <a:r>
-              <a:rPr lang="en-US" b="1" dirty="0" smtClean="0"/>
-              <a:t>&lt;</a:t>
-            </a:r>
-            <a:r>
-              <a:rPr lang="en-US" b="1" dirty="0"/>
-              <a:t>servlet&gt;</a:t>
-            </a:r>
-          </a:p>
-          <a:p>
-            <a:r>
-              <a:rPr lang="en-US" b="1" dirty="0"/>
-              <a:t>        &lt;servlet-name&gt;HelloWorld&lt;/servlet-name&gt;</a:t>
-            </a:r>
-          </a:p>
-          <a:p>
-            <a:r>
-              <a:rPr lang="en-US" b="1" dirty="0" smtClean="0"/>
-              <a:t>        &lt;</a:t>
-            </a:r>
-            <a:r>
-              <a:rPr lang="en-US" b="1" dirty="0"/>
-              <a:t>servlet-class&gt;ro.teamnet.z2h.web.HelloWorldServlet&lt;/servlet-class&gt;</a:t>
-            </a:r>
-          </a:p>
-          <a:p>
-            <a:r>
-              <a:rPr lang="en-US" b="1" dirty="0"/>
-              <a:t> </a:t>
-            </a:r>
-            <a:r>
-              <a:rPr lang="en-US" b="1" dirty="0" smtClean="0"/>
-              <a:t>&lt;/</a:t>
-            </a:r>
-            <a:r>
-              <a:rPr lang="en-US" b="1" dirty="0"/>
-              <a:t>servlet</a:t>
-            </a:r>
-            <a:r>
-              <a:rPr lang="en-US" b="1" dirty="0" smtClean="0"/>
-              <a:t>&gt;</a:t>
-            </a:r>
-          </a:p>
-          <a:p>
-            <a:endParaRPr lang="en-US" b="1" dirty="0"/>
-          </a:p>
-          <a:p>
-            <a:r>
-              <a:rPr lang="en-US" b="1" dirty="0"/>
-              <a:t> </a:t>
-            </a:r>
-            <a:r>
-              <a:rPr lang="en-US" b="1" dirty="0" smtClean="0"/>
-              <a:t>&lt;</a:t>
-            </a:r>
-            <a:r>
-              <a:rPr lang="en-US" b="1" dirty="0"/>
-              <a:t>servlet-mapping&gt;</a:t>
-            </a:r>
-          </a:p>
-          <a:p>
-            <a:r>
-              <a:rPr lang="en-US" b="1" dirty="0"/>
-              <a:t>        &lt;servlet-name&gt;HelloWorld&lt;/servlet-name&gt;</a:t>
-            </a:r>
-          </a:p>
-          <a:p>
-            <a:r>
-              <a:rPr lang="en-US" b="1" dirty="0"/>
-              <a:t>        &lt;</a:t>
-            </a:r>
-            <a:r>
-              <a:rPr lang="en-US" b="1" dirty="0" err="1"/>
-              <a:t>url</a:t>
-            </a:r>
-            <a:r>
-              <a:rPr lang="en-US" b="1" dirty="0"/>
-              <a:t>-pattern&gt;/hello&lt;/</a:t>
-            </a:r>
-            <a:r>
-              <a:rPr lang="en-US" b="1" dirty="0" err="1"/>
-              <a:t>url</a:t>
-            </a:r>
-            <a:r>
-              <a:rPr lang="en-US" b="1" dirty="0"/>
-              <a:t>-pattern&gt;</a:t>
-            </a:r>
-          </a:p>
-          <a:p>
-            <a:r>
-              <a:rPr lang="en-US" b="1" dirty="0"/>
-              <a:t> </a:t>
-            </a:r>
-            <a:r>
-              <a:rPr lang="en-US" b="1" dirty="0" smtClean="0"/>
-              <a:t>&lt;/</a:t>
-            </a:r>
-            <a:r>
-              <a:rPr lang="en-US" b="1" dirty="0"/>
-              <a:t>servlet-mapping&gt;</a:t>
-            </a:r>
-            <a:endParaRPr lang="en-US" dirty="0"/>
-          </a:p>
-        </p:txBody>
-      </p:sp>
-    </p:spTree>
-    <p:extLst>
-      <p:ext uri="{BB962C8B-B14F-4D97-AF65-F5344CB8AC3E}">
-        <p14:creationId xmlns:p14="http://schemas.microsoft.com/office/powerpoint/2010/main" val="597260494"/>
-      </p:ext>
-    </p:extLst>
-  </p:cSld>
-  <p:clrMapOvr>
-    <a:masterClrMapping/>
-  </p:clrMapOvr>
-  <p:timing>
-    <p:tnLst>
-      <p:par>
-        <p:cTn id="1" dur="indefinite" restart="never" nodeType="tmRoot"/>
-      </p:par>
-    </p:tnLst>
-  </p:timing>
-</p:sld>
-</file>
-
 <file path=ppt/slides/slide38.xml><?xml version="1.0" encoding="utf-8"?>
 <p:sld xmlns:a="http://schemas.openxmlformats.org/drawingml/2006/main" xmlns:r="http://schemas.openxmlformats.org/officeDocument/2006/relationships" xmlns:p="http://schemas.openxmlformats.org/presentationml/2006/main">
   <p:cSld>
@@ -27529,11 +27794,13 @@
         <p:spPr>
           <a:xfrm>
             <a:off x="385057" y="2589727"/>
-            <a:ext cx="3502141" cy="3082883"/>
+            <a:ext cx="3649733" cy="3082883"/>
           </a:xfrm>
         </p:spPr>
         <p:txBody>
-          <a:bodyPr/>
+          <a:bodyPr>
+            <a:normAutofit lnSpcReduction="10000"/>
+          </a:bodyPr>
           <a:lstStyle/>
           <a:p>
             <a:pPr marL="0" indent="0" algn="l">
@@ -27554,28 +27821,28 @@
               <a:buChar char="n"/>
             </a:pPr>
             <a:r>
-              <a:rPr lang="en-US" altLang="zh-CN" sz="1800" dirty="0">
+              <a:rPr lang="en-US" altLang="zh-CN" sz="2000" dirty="0">
                 <a:latin typeface="Arial" panose="020B0604020202020204" pitchFamily="34" charset="0"/>
                 <a:ea typeface="SimSun" panose="02010600030101010101" pitchFamily="2" charset="-122"/>
               </a:rPr>
               <a:t>an</a:t>
             </a:r>
             <a:r>
-              <a:rPr lang="en-US" altLang="zh-CN" sz="1800" dirty="0">
+              <a:rPr lang="en-US" altLang="zh-CN" sz="2000" dirty="0">
                 <a:latin typeface="Courier New" panose="02070309020205020404" pitchFamily="49" charset="0"/>
                 <a:ea typeface="SimSun" panose="02010600030101010101" pitchFamily="2" charset="-122"/>
               </a:rPr>
               <a:t> HttpServletRequest </a:t>
             </a:r>
             <a:r>
-              <a:rPr lang="en-US" altLang="zh-CN" sz="1800" dirty="0">
+              <a:rPr lang="en-US" altLang="zh-CN" sz="2000" dirty="0">
                 <a:latin typeface="Arial" panose="020B0604020202020204" pitchFamily="34" charset="0"/>
                 <a:ea typeface="SimSun" panose="02010600030101010101" pitchFamily="2" charset="-122"/>
               </a:rPr>
               <a:t>object </a:t>
             </a:r>
             <a:r>
-              <a:rPr lang="en-US" altLang="zh-CN" sz="1800" dirty="0" smtClean="0">
+              <a:rPr lang="en-US" altLang="zh-CN" sz="2000" dirty="0" smtClean="0">
                 <a:latin typeface="Arial" panose="020B0604020202020204" pitchFamily="34" charset="0"/>
                 <a:ea typeface="SimSun" panose="02010600030101010101" pitchFamily="2" charset="-122"/>
               </a:rPr>
@@ -27593,7 +27860,7 @@
               <a:buSzPct val="60000"/>
               <a:buNone/>
             </a:pPr>
-            <a:endParaRPr lang="en-US" altLang="zh-CN" sz="1800" dirty="0">
+            <a:endParaRPr lang="en-US" altLang="zh-CN" sz="2000" dirty="0">
               <a:latin typeface="Arial" panose="020B0604020202020204" pitchFamily="34" charset="0"/>
               <a:ea typeface="SimSun" panose="02010600030101010101" pitchFamily="2" charset="-122"/>
             </a:endParaRPr>
@@ -27611,27 +27878,27 @@
               <a:buChar char="n"/>
             </a:pPr>
             <a:r>
-              <a:rPr lang="en-US" altLang="zh-CN" sz="1800" dirty="0">
+              <a:rPr lang="en-US" altLang="zh-CN" sz="2000" dirty="0">
                 <a:latin typeface="Arial" panose="020B0604020202020204" pitchFamily="34" charset="0"/>
                 <a:ea typeface="SimSun" panose="02010600030101010101" pitchFamily="2" charset="-122"/>
               </a:rPr>
               <a:t>an </a:t>
             </a:r>
             <a:r>
-              <a:rPr lang="en-US" altLang="zh-CN" sz="1800" dirty="0">
+              <a:rPr lang="en-US" altLang="zh-CN" sz="2000" dirty="0">
                 <a:latin typeface="Courier New" panose="02070309020205020404" pitchFamily="49" charset="0"/>
                 <a:ea typeface="SimSun" panose="02010600030101010101" pitchFamily="2" charset="-122"/>
               </a:rPr>
               <a:t>HttpServletResponse </a:t>
             </a:r>
             <a:r>
-              <a:rPr lang="en-US" altLang="zh-CN" sz="1800" dirty="0" smtClean="0">
+              <a:rPr lang="en-US" altLang="zh-CN" sz="2000" dirty="0" smtClean="0">
                 <a:latin typeface="Arial" panose="020B0604020202020204" pitchFamily="34" charset="0"/>
                 <a:ea typeface="SimSun" panose="02010600030101010101" pitchFamily="2" charset="-122"/>
               </a:rPr>
               <a:t>object – represent response to client</a:t>
             </a:r>
-            <a:endParaRPr lang="en-US" altLang="zh-CN" sz="1800" dirty="0">
+            <a:endParaRPr lang="en-US" altLang="zh-CN" sz="2000" dirty="0">
               <a:latin typeface="Arial Unicode MS" panose="020B0604020202020204" pitchFamily="34" charset="-128"/>
               <a:ea typeface="SimSun" panose="02010600030101010101" pitchFamily="2" charset="-122"/>
             </a:endParaRPr>
@@ -27672,8 +27939,8 @@
         </p:blipFill>
         <p:spPr>
           <a:xfrm>
-            <a:off x="3669033" y="2809754"/>
-            <a:ext cx="5474967" cy="3338249"/>
+            <a:off x="3440431" y="2670368"/>
+            <a:ext cx="5703570" cy="3477635"/>
           </a:xfrm>
           <a:prstGeom prst="rect">
             <a:avLst/>
@@ -27771,7 +28038,7 @@
         </p:nvSpPr>
         <p:spPr>
           <a:xfrm>
-            <a:off x="720723" y="2097281"/>
+            <a:off x="720723" y="1879549"/>
             <a:ext cx="6862649" cy="400110"/>
           </a:xfrm>
           <a:prstGeom prst="rect">
@@ -27840,7 +28107,7 @@
         </p:nvSpPr>
         <p:spPr>
           <a:xfrm>
-            <a:off x="720724" y="1611775"/>
+            <a:off x="720724" y="1771795"/>
             <a:ext cx="7704139" cy="4690169"/>
           </a:xfrm>
         </p:spPr>
@@ -27853,20 +28120,20 @@
               <a:buChar char="•"/>
             </a:pPr>
             <a:r>
-              <a:rPr lang="en-US" sz="1800" dirty="0" smtClean="0"/>
+              <a:rPr lang="en-US" sz="2000" dirty="0" smtClean="0"/>
               <a:t>Represents </a:t>
             </a:r>
             <a:r>
-              <a:rPr lang="en-US" sz="1800" dirty="0"/>
+              <a:rPr lang="en-US" sz="2000" dirty="0"/>
               <a:t>the client request</a:t>
             </a:r>
           </a:p>
           <a:p>
-            <a:endParaRPr lang="en-US" dirty="0" smtClean="0"/>
-          </a:p>
-          <a:p>
-            <a:r>
-              <a:rPr lang="en-US" dirty="0" smtClean="0"/>
+            <a:endParaRPr lang="en-US" sz="2000" dirty="0" smtClean="0"/>
+          </a:p>
+          <a:p>
+            <a:r>
+              <a:rPr lang="en-US" sz="2000" dirty="0" smtClean="0"/>
               <a:t>The mostly used methods are :</a:t>
             </a:r>
           </a:p>
@@ -27874,149 +28141,125 @@
             <a:pPr marL="457200" lvl="1" indent="0">
               <a:buNone/>
             </a:pPr>
-            <a:endParaRPr lang="en-US" sz="1800" dirty="0" smtClean="0"/>
+            <a:endParaRPr lang="en-US" sz="2000" dirty="0" smtClean="0"/>
           </a:p>
           <a:p>
             <a:pPr lvl="1"/>
             <a:r>
-              <a:rPr lang="ro-RO" sz="1800" b="1" dirty="0" smtClean="0"/>
+              <a:rPr lang="ro-RO" sz="2000" b="1" dirty="0" smtClean="0"/>
               <a:t>getHeaders</a:t>
             </a:r>
             <a:r>
-              <a:rPr lang="en-US" sz="1800" b="1" dirty="0" smtClean="0"/>
+              <a:rPr lang="en-US" sz="2000" b="1" dirty="0" smtClean="0"/>
               <a:t>()</a:t>
             </a:r>
             <a:r>
-              <a:rPr lang="en-US" sz="1800" dirty="0" smtClean="0"/>
-              <a:t> </a:t>
-            </a:r>
-            <a:r>
-              <a:rPr lang="en-US" sz="1800" dirty="0" smtClean="0"/>
-              <a:t>returns </a:t>
-            </a:r>
-            <a:r>
-              <a:rPr lang="en-US" sz="1800" dirty="0"/>
+              <a:rPr lang="en-US" sz="2000" dirty="0" smtClean="0"/>
+              <a:t> returns </a:t>
+            </a:r>
+            <a:r>
+              <a:rPr lang="en-US" sz="2000" dirty="0"/>
               <a:t>all the values of the specified </a:t>
             </a:r>
             <a:r>
-              <a:rPr lang="en-US" sz="1800" dirty="0" smtClean="0"/>
+              <a:rPr lang="en-US" sz="2000" dirty="0" smtClean="0"/>
               <a:t>request</a:t>
             </a:r>
           </a:p>
           <a:p>
             <a:pPr lvl="1"/>
             <a:r>
-              <a:rPr lang="ro-RO" sz="1800" b="1" dirty="0" smtClean="0"/>
+              <a:rPr lang="ro-RO" sz="2000" b="1" dirty="0" smtClean="0"/>
               <a:t>getHeaderNames</a:t>
             </a:r>
             <a:r>
-              <a:rPr lang="en-US" sz="1800" b="1" dirty="0" smtClean="0"/>
+              <a:rPr lang="en-US" sz="2000" b="1" dirty="0" smtClean="0"/>
               <a:t>()</a:t>
             </a:r>
             <a:r>
-              <a:rPr lang="en-US" sz="1800" dirty="0" smtClean="0"/>
-              <a:t> </a:t>
-            </a:r>
-            <a:r>
-              <a:rPr lang="en-US" sz="1800" dirty="0" smtClean="0"/>
-              <a:t>returns </a:t>
-            </a:r>
-            <a:r>
-              <a:rPr lang="en-US" sz="1800" dirty="0"/>
+              <a:rPr lang="en-US" sz="2000" dirty="0" smtClean="0"/>
+              <a:t> returns </a:t>
+            </a:r>
+            <a:r>
+              <a:rPr lang="en-US" sz="2000" dirty="0"/>
               <a:t>an enumeration of all the header </a:t>
             </a:r>
             <a:r>
-              <a:rPr lang="en-US" sz="1800" dirty="0" smtClean="0"/>
+              <a:rPr lang="en-US" sz="2000" dirty="0" smtClean="0"/>
               <a:t>names</a:t>
             </a:r>
-            <a:endParaRPr lang="en-US" sz="1800" dirty="0"/>
+            <a:endParaRPr lang="en-US" sz="2000" dirty="0"/>
           </a:p>
           <a:p>
             <a:pPr lvl="1"/>
             <a:r>
-              <a:rPr lang="ro-RO" sz="1800" b="1" dirty="0" smtClean="0"/>
+              <a:rPr lang="ro-RO" sz="2000" b="1" dirty="0" smtClean="0"/>
               <a:t>getMethod</a:t>
             </a:r>
             <a:r>
-              <a:rPr lang="en-US" sz="1800" b="1" dirty="0" smtClean="0"/>
+              <a:rPr lang="en-US" sz="2000" b="1" dirty="0" smtClean="0"/>
               <a:t>()</a:t>
             </a:r>
             <a:r>
-              <a:rPr lang="en-US" sz="1800" dirty="0" smtClean="0"/>
-              <a:t> </a:t>
-            </a:r>
-            <a:r>
-              <a:rPr lang="en-US" sz="1800" dirty="0" smtClean="0"/>
-              <a:t>returns the http method</a:t>
-            </a:r>
-            <a:endParaRPr lang="en-US" sz="1800" dirty="0"/>
+              <a:rPr lang="en-US" sz="2000" dirty="0" smtClean="0"/>
+              <a:t> returns the http method</a:t>
+            </a:r>
+            <a:endParaRPr lang="en-US" sz="2000" dirty="0"/>
           </a:p>
           <a:p>
             <a:pPr lvl="1"/>
             <a:r>
-              <a:rPr lang="ro-RO" sz="1800" b="1" dirty="0" smtClean="0"/>
+              <a:rPr lang="ro-RO" sz="2000" b="1" dirty="0" smtClean="0"/>
               <a:t>getQueryString</a:t>
             </a:r>
             <a:r>
-              <a:rPr lang="en-US" sz="1800" b="1" dirty="0" smtClean="0"/>
+              <a:rPr lang="en-US" sz="2000" b="1" dirty="0" smtClean="0"/>
               <a:t>()</a:t>
             </a:r>
             <a:r>
-              <a:rPr lang="en-US" sz="1800" dirty="0" smtClean="0"/>
-              <a:t> </a:t>
-            </a:r>
-            <a:r>
-              <a:rPr lang="en-US" sz="1800" dirty="0" smtClean="0"/>
-              <a:t>returns query string</a:t>
-            </a:r>
-            <a:endParaRPr lang="en-US" sz="1800" dirty="0"/>
+              <a:rPr lang="en-US" sz="2000" dirty="0" smtClean="0"/>
+              <a:t> returns query string</a:t>
+            </a:r>
+            <a:endParaRPr lang="en-US" sz="2000" dirty="0"/>
           </a:p>
           <a:p>
             <a:pPr lvl="1"/>
             <a:r>
-              <a:rPr lang="ro-RO" sz="1800" b="1" dirty="0" smtClean="0"/>
+              <a:rPr lang="ro-RO" sz="2000" b="1" dirty="0" smtClean="0"/>
               <a:t>getCookies</a:t>
             </a:r>
             <a:r>
-              <a:rPr lang="en-US" sz="1800" b="1" dirty="0" smtClean="0"/>
+              <a:rPr lang="en-US" sz="2000" b="1" dirty="0" smtClean="0"/>
               <a:t>()</a:t>
             </a:r>
             <a:r>
-              <a:rPr lang="en-US" sz="1800" dirty="0" smtClean="0"/>
-              <a:t> </a:t>
-            </a:r>
-            <a:r>
-              <a:rPr lang="en-US" sz="1800" dirty="0" smtClean="0"/>
-              <a:t>returns cookies from the client</a:t>
+              <a:rPr lang="en-US" sz="2000" dirty="0" smtClean="0"/>
+              <a:t> returns cookies from the client</a:t>
             </a:r>
           </a:p>
           <a:p>
             <a:pPr lvl="1"/>
             <a:r>
-              <a:rPr lang="ro-RO" sz="1800" b="1" dirty="0" smtClean="0"/>
+              <a:rPr lang="ro-RO" sz="2000" b="1" dirty="0" smtClean="0"/>
               <a:t>getParameterNames</a:t>
             </a:r>
             <a:r>
-              <a:rPr lang="en-US" sz="1800" b="1" dirty="0" smtClean="0"/>
+              <a:rPr lang="en-US" sz="2000" b="1" dirty="0" smtClean="0"/>
               <a:t>()</a:t>
             </a:r>
             <a:r>
-              <a:rPr lang="en-US" sz="1800" dirty="0" smtClean="0"/>
-              <a:t> </a:t>
-            </a:r>
-            <a:r>
-              <a:rPr lang="en-US" sz="1800" dirty="0" smtClean="0"/>
-              <a:t>returns an enumeration containing all parameters names from the client</a:t>
+              <a:rPr lang="en-US" sz="2000" dirty="0" smtClean="0"/>
+              <a:t> returns an enumeration containing all parameters names from the client</a:t>
             </a:r>
           </a:p>
           <a:p>
             <a:pPr lvl="1"/>
             <a:r>
-              <a:rPr lang="en-US" sz="1800" b="1" dirty="0" smtClean="0"/>
+              <a:rPr lang="en-US" sz="2000" b="1" dirty="0" smtClean="0"/>
               <a:t>getParameter() </a:t>
             </a:r>
             <a:r>
-              <a:rPr lang="en-US" sz="1800" dirty="0" smtClean="0"/>
+              <a:rPr lang="en-US" sz="2000" dirty="0" smtClean="0"/>
               <a:t>takes an argument representing the parameter name and returns the parameter value</a:t>
             </a:r>
           </a:p>
@@ -28240,109 +28483,105 @@
           <a:lstStyle/>
           <a:p>
             <a:r>
-              <a:rPr lang="en-US" dirty="0" smtClean="0"/>
+              <a:rPr lang="en-US" sz="2000" dirty="0" smtClean="0"/>
               <a:t>Represents the server response</a:t>
             </a:r>
           </a:p>
           <a:p>
-            <a:endParaRPr lang="en-US" dirty="0"/>
-          </a:p>
-          <a:p>
-            <a:r>
-              <a:rPr lang="en-US" dirty="0"/>
+            <a:endParaRPr lang="en-US" sz="2000" dirty="0"/>
+          </a:p>
+          <a:p>
+            <a:r>
+              <a:rPr lang="en-US" sz="2000" dirty="0"/>
               <a:t>The mostly used methods </a:t>
             </a:r>
             <a:r>
-              <a:rPr lang="en-US" dirty="0" smtClean="0"/>
+              <a:rPr lang="en-US" sz="2000" dirty="0" smtClean="0"/>
               <a:t>are:</a:t>
             </a:r>
-            <a:endParaRPr lang="en-US" dirty="0"/>
+            <a:endParaRPr lang="en-US" sz="2000" dirty="0"/>
           </a:p>
           <a:p>
             <a:pPr lvl="1"/>
-            <a:endParaRPr lang="en-US" sz="1800" dirty="0" smtClean="0"/>
+            <a:endParaRPr lang="en-US" sz="2000" dirty="0" smtClean="0"/>
           </a:p>
           <a:p>
             <a:pPr lvl="1"/>
             <a:r>
-              <a:rPr lang="en-US" sz="1800" b="1" dirty="0" smtClean="0"/>
-              <a:t>getWriter</a:t>
-            </a:r>
-            <a:r>
-              <a:rPr lang="en-US" sz="1800" b="1" dirty="0"/>
-              <a:t> </a:t>
-            </a:r>
-            <a:r>
-              <a:rPr lang="en-US" sz="1800" dirty="0" smtClean="0"/>
+              <a:rPr lang="en-US" sz="2000" b="1" dirty="0" smtClean="0"/>
+              <a:t>getWriter() </a:t>
+            </a:r>
+            <a:r>
+              <a:rPr lang="en-US" sz="2000" dirty="0" smtClean="0"/>
               <a:t>returns </a:t>
             </a:r>
             <a:r>
-              <a:rPr lang="en-US" sz="1800" dirty="0"/>
+              <a:rPr lang="en-US" sz="2000" dirty="0"/>
               <a:t>a </a:t>
             </a:r>
             <a:r>
-              <a:rPr lang="en-US" sz="1800" dirty="0" smtClean="0"/>
+              <a:rPr lang="en-US" sz="2000" dirty="0" smtClean="0"/>
               <a:t>PrintWriter </a:t>
             </a:r>
             <a:r>
-              <a:rPr lang="en-US" sz="1800" dirty="0"/>
+              <a:rPr lang="en-US" sz="2000" dirty="0"/>
               <a:t>object </a:t>
             </a:r>
             <a:r>
-              <a:rPr lang="en-US" sz="1800" dirty="0" smtClean="0"/>
+              <a:rPr lang="en-US" sz="2000" dirty="0" smtClean="0"/>
               <a:t>that can </a:t>
             </a:r>
             <a:r>
-              <a:rPr lang="en-US" sz="1800" dirty="0"/>
+              <a:rPr lang="en-US" sz="2000" dirty="0"/>
               <a:t>send character text to the </a:t>
             </a:r>
             <a:r>
-              <a:rPr lang="en-US" sz="1800" dirty="0" smtClean="0"/>
+              <a:rPr lang="en-US" sz="2000" dirty="0" smtClean="0"/>
               <a:t>client.</a:t>
             </a:r>
           </a:p>
           <a:p>
             <a:pPr lvl="1"/>
-            <a:endParaRPr lang="en-US" sz="1800" dirty="0" smtClean="0"/>
+            <a:endParaRPr lang="en-US" sz="2000" dirty="0" smtClean="0"/>
           </a:p>
           <a:p>
             <a:pPr lvl="1"/>
             <a:r>
-              <a:rPr lang="en-US" sz="1800" b="1" dirty="0" smtClean="0"/>
-              <a:t>setContentType</a:t>
-            </a:r>
-            <a:r>
-              <a:rPr lang="en-US" sz="1800" dirty="0" smtClean="0"/>
+              <a:rPr lang="en-US" sz="2000" b="1" dirty="0" smtClean="0"/>
+              <a:t>setContentType()</a:t>
+            </a:r>
+            <a:r>
+              <a:rPr lang="en-US" sz="2000" dirty="0" smtClean="0"/>
               <a:t> sets the content type of the response . If you return an html then invoke the method </a:t>
             </a:r>
             <a:r>
-              <a:rPr lang="en-US" sz="1800" dirty="0"/>
+              <a:rPr lang="en-US" sz="2000" dirty="0"/>
               <a:t>with </a:t>
             </a:r>
             <a:r>
-              <a:rPr lang="en-US" sz="1800" dirty="0" smtClean="0"/>
+              <a:rPr lang="en-US" sz="2000" dirty="0" smtClean="0"/>
               <a:t>“text/html” as argument value</a:t>
             </a:r>
           </a:p>
           <a:p>
             <a:pPr lvl="1"/>
-            <a:endParaRPr lang="en-US" sz="1800" dirty="0"/>
+            <a:endParaRPr lang="en-US" sz="2000" dirty="0"/>
           </a:p>
           <a:p>
             <a:pPr lvl="1"/>
             <a:r>
-              <a:rPr lang="en-US" sz="1800" b="1" dirty="0"/>
-              <a:t>addHeader </a:t>
-            </a:r>
-            <a:r>
-              <a:rPr lang="en-US" sz="1800" dirty="0" smtClean="0"/>
+              <a:rPr lang="en-US" sz="2000" b="1" dirty="0" smtClean="0"/>
+              <a:t>addHeader() </a:t>
+            </a:r>
+            <a:r>
+              <a:rPr lang="en-US" sz="2000" dirty="0" smtClean="0"/>
               <a:t>adds </a:t>
             </a:r>
             <a:r>
-              <a:rPr lang="en-US" sz="1800" dirty="0"/>
+              <a:rPr lang="en-US" sz="2000" dirty="0"/>
               <a:t>a response header with the given name and value</a:t>
             </a:r>
-            <a:endParaRPr lang="en-US" sz="1800" dirty="0" smtClean="0"/>
+            <a:endParaRPr lang="en-US" sz="2000" dirty="0" smtClean="0"/>
           </a:p>
           <a:p>
             <a:endParaRPr lang="ro-RO" dirty="0"/>
@@ -28527,7 +28766,7 @@
         <p:spPr>
           <a:xfrm>
             <a:off x="703172" y="1719840"/>
-            <a:ext cx="7725128" cy="923330"/>
+            <a:ext cx="7725128" cy="1015663"/>
           </a:xfrm>
           <a:prstGeom prst="rect">
             <a:avLst/>
@@ -28544,23 +28783,23 @@
               <a:buChar char="•"/>
             </a:pPr>
             <a:r>
-              <a:rPr lang="en-US" dirty="0" smtClean="0"/>
+              <a:rPr lang="en-US" sz="2000" dirty="0" smtClean="0"/>
               <a:t>Open file </a:t>
             </a:r>
             <a:r>
-              <a:rPr lang="en-US" dirty="0"/>
+              <a:rPr lang="en-US" sz="2000" dirty="0"/>
               <a:t>Workshop </a:t>
             </a:r>
             <a:r>
-              <a:rPr lang="en-US" dirty="0" smtClean="0"/>
+              <a:rPr lang="en-US" sz="2000" dirty="0" smtClean="0"/>
               <a:t>3 </a:t>
             </a:r>
             <a:r>
-              <a:rPr lang="en-US" dirty="0"/>
+              <a:rPr lang="en-US" sz="2000" dirty="0"/>
               <a:t>- </a:t>
             </a:r>
             <a:r>
-              <a:rPr lang="en-US" dirty="0" smtClean="0"/>
+              <a:rPr lang="en-US" sz="2000" dirty="0" smtClean="0"/>
               <a:t>Servlets.docx</a:t>
             </a:r>
           </a:p>
@@ -28569,7 +28808,7 @@
               <a:buFont typeface="Arial" panose="020B0604020202020204" pitchFamily="34" charset="0"/>
               <a:buChar char="•"/>
             </a:pPr>
-            <a:endParaRPr lang="en-US" b="1" dirty="0" smtClean="0"/>
+            <a:endParaRPr lang="en-US" sz="2000" b="1" dirty="0" smtClean="0"/>
           </a:p>
           <a:p>
             <a:pPr marL="285750" indent="-285750">
@@ -28577,10 +28816,10 @@
               <a:buChar char="•"/>
             </a:pPr>
             <a:r>
-              <a:rPr lang="en-US" dirty="0" smtClean="0"/>
+              <a:rPr lang="en-US" sz="2000" dirty="0" smtClean="0"/>
               <a:t>Begin workshop </a:t>
             </a:r>
-            <a:endParaRPr lang="en-US" dirty="0"/>
+            <a:endParaRPr lang="en-US" sz="2000" dirty="0"/>
           </a:p>
         </p:txBody>
       </p:sp>
@@ -28748,11 +28987,7 @@
           <a:p>
             <a:r>
               <a:rPr lang="en-US" b="1" dirty="0" smtClean="0"/>
-              <a:t>Client-server </a:t>
-            </a:r>
-            <a:r>
-              <a:rPr lang="en-US" b="1" dirty="0" smtClean="0"/>
-              <a:t>model</a:t>
+              <a:t>Client-server model</a:t>
             </a:r>
           </a:p>
           <a:p>
@@ -28965,11 +29200,7 @@
             </a:r>
             <a:r>
               <a:rPr lang="en-US" dirty="0" smtClean="0"/>
-              <a:t>thick</a:t>
-            </a:r>
-            <a:r>
-              <a:rPr lang="en-US" dirty="0" smtClean="0"/>
-              <a:t>…</a:t>
+              <a:t>thick…</a:t>
             </a:r>
           </a:p>
           <a:p>
@@ -29013,11 +29244,7 @@
             <a:pPr lvl="1"/>
             <a:r>
               <a:rPr lang="en-US" sz="1800" b="1" dirty="0" smtClean="0"/>
-              <a:t>Thin </a:t>
-            </a:r>
-            <a:r>
-              <a:rPr lang="en-US" sz="1800" b="1" dirty="0" smtClean="0"/>
-              <a:t>client, </a:t>
+              <a:t>Thin client, </a:t>
             </a:r>
             <a:r>
               <a:rPr lang="en-US" sz="1800" dirty="0"/>
@@ -29246,7 +29473,7 @@
           </p:nvPr>
         </p:nvPicPr>
         <p:blipFill>
-          <a:blip r:embed="rId2">
+          <a:blip r:embed="rId3">
             <a:extLst>
               <a:ext uri="{28A0092B-C50C-407E-A947-70E740481C1C}">
                 <a14:useLocalDpi xmlns:a14="http://schemas.microsoft.com/office/drawing/2010/main" val="0"/>
@@ -29273,7 +29500,7 @@
           <p:nvPr/>
         </p:nvPicPr>
         <p:blipFill>
-          <a:blip r:embed="rId3">
+          <a:blip r:embed="rId4">
             <a:extLst>
               <a:ext uri="{28A0092B-C50C-407E-A947-70E740481C1C}">
                 <a14:useLocalDpi xmlns:a14="http://schemas.microsoft.com/office/drawing/2010/main" val="0"/>
@@ -29465,11 +29692,7 @@
             <a:pPr algn="l"/>
             <a:r>
               <a:rPr lang="en-US" sz="1900" dirty="0"/>
-              <a:t>A</a:t>
-            </a:r>
-            <a:r>
-              <a:rPr lang="en-US" sz="1900" dirty="0"/>
-              <a:t>re</a:t>
+              <a:t>Are</a:t>
             </a:r>
             <a:r>
               <a:rPr lang="en-US" dirty="0" smtClean="0">
@@ -29528,7 +29751,6 @@
               <a:rPr lang="en-US" sz="1900" dirty="0"/>
               <a:t>functionality</a:t>
             </a:r>
-            <a:endParaRPr lang="en-US" sz="1900" dirty="0"/>
           </a:p>
           <a:p>
             <a:pPr algn="l"/>
@@ -29542,11 +29764,7 @@
             <a:pPr algn="l"/>
             <a:r>
               <a:rPr lang="en-NZ" sz="1900" dirty="0"/>
-              <a:t>Provide separation </a:t>
-            </a:r>
-            <a:r>
-              <a:rPr lang="en-NZ" sz="1900" dirty="0"/>
-              <a:t>of </a:t>
+              <a:t>Provide separation of </a:t>
             </a:r>
             <a:r>
               <a:rPr lang="en-NZ" sz="1900" b="1" dirty="0">
@@ -29745,11 +29963,7 @@
             </a:r>
             <a:r>
               <a:rPr lang="en-NZ" sz="1900" dirty="0"/>
-              <a:t>This </a:t>
-            </a:r>
-            <a:r>
-              <a:rPr lang="en-NZ" sz="1900" dirty="0"/>
-              <a:t>allows developers to focus on writing business logic rather than writing </a:t>
+              <a:t>This allows developers to focus on writing business logic rather than writing </a:t>
             </a:r>
             <a:r>
               <a:rPr lang="en-NZ" sz="1900" b="1" dirty="0">
@@ -30140,15 +30354,7 @@
             </a:r>
             <a:r>
               <a:rPr lang="en-US" dirty="0"/>
-              <a:t> is the </a:t>
-            </a:r>
-            <a:r>
-              <a:rPr lang="en-US" dirty="0"/>
-              <a:t>interface</a:t>
-            </a:r>
-            <a:r>
-              <a:rPr lang="en-US" dirty="0"/>
-              <a:t> between web components and the web server. </a:t>
+              <a:t> is the interface between web components and the web server. </a:t>
             </a:r>
             <a:endParaRPr lang="en-US" dirty="0" smtClean="0"/>
           </a:p>
@@ -30171,7 +30377,6 @@
               <a:rPr lang="en-US" dirty="0" smtClean="0"/>
               <a:t>offers:</a:t>
             </a:r>
-            <a:endParaRPr lang="en-US" dirty="0" smtClean="0"/>
           </a:p>
           <a:p>
             <a:pPr lvl="1"/>
@@ -30183,29 +30388,19 @@
               <a:rPr lang="en-US" dirty="0" smtClean="0"/>
               <a:t>Support</a:t>
             </a:r>
-            <a:endParaRPr lang="en-US" dirty="0"/>
           </a:p>
           <a:p>
             <a:pPr lvl="1"/>
             <a:r>
-              <a:rPr lang="en-US" dirty="0"/>
-              <a:t>Lifecycle </a:t>
-            </a:r>
-            <a:r>
               <a:rPr lang="en-US" dirty="0" smtClean="0"/>
-              <a:t>Management</a:t>
-            </a:r>
-            <a:endParaRPr lang="en-US" dirty="0"/>
+              <a:t>Lifecycle Management</a:t>
+            </a:r>
           </a:p>
           <a:p>
             <a:pPr lvl="1"/>
             <a:r>
-              <a:rPr lang="en-US" dirty="0"/>
-              <a:t>Multi-threading </a:t>
-            </a:r>
-            <a:r>
               <a:rPr lang="en-US" dirty="0" smtClean="0"/>
-              <a:t>support</a:t>
+              <a:t>Multi-threading support</a:t>
             </a:r>
             <a:endParaRPr lang="en-US" dirty="0"/>
           </a:p>
@@ -30880,6 +31075,15 @@
 </file>
 
 <file path=customXml/item1.xml><?xml version="1.0" encoding="utf-8"?>
+<?mso-contentType ?>
+<FormTemplates xmlns="http://schemas.microsoft.com/sharepoint/v3/contenttype/forms">
+  <Display>DocumentLibraryForm</Display>
+  <Edit>DocumentLibraryForm</Edit>
+  <New>DocumentLibraryForm</New>
+</FormTemplates>
+</file>
+
+<file path=customXml/item2.xml><?xml version="1.0" encoding="utf-8"?>
 <ct:contentTypeSchema xmlns:ct="http://schemas.microsoft.com/office/2006/metadata/contentType" xmlns:ma="http://schemas.microsoft.com/office/2006/metadata/properties/metaAttributes" ct:_="" ma:_="" ma:contentTypeName="Document" ma:contentTypeID="0x0101002EAB9993CCBF73478E12853278F3FB5C" ma:contentTypeVersion="1" ma:contentTypeDescription="Create a new document." ma:contentTypeScope="" ma:versionID="4db10d317033d09fed4d0297d17c663a">
   <xsd:schema xmlns:xsd="http://www.w3.org/2001/XMLSchema" xmlns:xs="http://www.w3.org/2001/XMLSchema" xmlns:p="http://schemas.microsoft.com/office/2006/metadata/properties" xmlns:ns1="http://schemas.microsoft.com/sharepoint/v3" targetNamespace="http://schemas.microsoft.com/office/2006/metadata/properties" ma:root="true" ma:fieldsID="48c5b5cd9b8d25ff6dd15848836f4270" ns1:_="">
     <xsd:import namespace="http://schemas.microsoft.com/sharepoint/v3"/>
@@ -31011,7 +31215,7 @@
 </ct:contentTypeSchema>
 </file>
 
-<file path=customXml/item2.xml><?xml version="1.0" encoding="utf-8"?>
+<file path=customXml/item3.xml><?xml version="1.0" encoding="utf-8"?>
 <p:properties xmlns:p="http://schemas.microsoft.com/office/2006/metadata/properties" xmlns:xsi="http://www.w3.org/2001/XMLSchema-instance" xmlns:pc="http://schemas.microsoft.com/office/infopath/2007/PartnerControls">
   <documentManagement>
     <PublishingExpirationDate xmlns="http://schemas.microsoft.com/sharepoint/v3" xsi:nil="true"/>
@@ -31020,16 +31224,15 @@
 </p:properties>
 </file>
 
-<file path=customXml/item3.xml><?xml version="1.0" encoding="utf-8"?>
-<?mso-contentType ?>
-<FormTemplates xmlns="http://schemas.microsoft.com/sharepoint/v3/contenttype/forms">
-  <Display>DocumentLibraryForm</Display>
-  <Edit>DocumentLibraryForm</Edit>
-  <New>DocumentLibraryForm</New>
-</FormTemplates>
+<file path=customXml/itemProps1.xml><?xml version="1.0" encoding="utf-8"?>
+<ds:datastoreItem xmlns:ds="http://schemas.openxmlformats.org/officeDocument/2006/customXml" ds:itemID="{B3E8851E-A513-4DE1-BFEA-60B7444A3522}">
+  <ds:schemaRefs>
+    <ds:schemaRef ds:uri="http://schemas.microsoft.com/sharepoint/v3/contenttype/forms"/>
+  </ds:schemaRefs>
+</ds:datastoreItem>
 </file>
 
-<file path=customXml/itemProps1.xml><?xml version="1.0" encoding="utf-8"?>
+<file path=customXml/itemProps2.xml><?xml version="1.0" encoding="utf-8"?>
 <ds:datastoreItem xmlns:ds="http://schemas.openxmlformats.org/officeDocument/2006/customXml" ds:itemID="{E29AC310-E4D3-4181-8DC8-8BCBD631C9E0}">
   <ds:schemaRefs>
     <ds:schemaRef ds:uri="http://schemas.microsoft.com/office/2006/metadata/contentType"/>
@@ -31047,7 +31250,7 @@
 </ds:datastoreItem>
 </file>
 
-<file path=customXml/itemProps2.xml><?xml version="1.0" encoding="utf-8"?>
+<file path=customXml/itemProps3.xml><?xml version="1.0" encoding="utf-8"?>
 <ds:datastoreItem xmlns:ds="http://schemas.openxmlformats.org/officeDocument/2006/customXml" ds:itemID="{C1424CC9-255C-4972-B5F2-6F19B32F3DEA}">
   <ds:schemaRefs>
     <ds:schemaRef ds:uri="http://purl.org/dc/terms/"/>
@@ -31061,12 +31264,4 @@
     <ds:schemaRef ds:uri="http://purl.org/dc/dcmitype/"/>
   </ds:schemaRefs>
 </ds:datastoreItem>
-</file>
-
-<file path=customXml/itemProps3.xml><?xml version="1.0" encoding="utf-8"?>
-<ds:datastoreItem xmlns:ds="http://schemas.openxmlformats.org/officeDocument/2006/customXml" ds:itemID="{B3E8851E-A513-4DE1-BFEA-60B7444A3522}">
-  <ds:schemaRefs>
-    <ds:schemaRef ds:uri="http://schemas.microsoft.com/sharepoint/v3/contenttype/forms"/>
-  </ds:schemaRefs>
-</ds:datastoreItem>
 </file>